--- a/content/presentation/Vitali-Presentation-Stream-Processing.pptx
+++ b/content/presentation/Vitali-Presentation-Stream-Processing.pptx
@@ -13,7 +13,7 @@
   <p:sldIdLst>
     <p:sldId id="1944" r:id="rId2"/>
     <p:sldId id="1947" r:id="rId3"/>
-    <p:sldId id="1948" r:id="rId4"/>
+    <p:sldId id="1955" r:id="rId4"/>
     <p:sldId id="1949" r:id="rId5"/>
     <p:sldId id="1952" r:id="rId6"/>
     <p:sldId id="1954" r:id="rId7"/>
@@ -241,2945 +241,6 @@
     </p:ext>
   </p:extLst>
 </p:presentation>
-</file>
-
-<file path=ppt/diagrams/colors1.xml><?xml version="1.0" encoding="utf-8"?>
-<dgm:colorsDef xmlns:dgm="http://schemas.openxmlformats.org/drawingml/2006/diagram" xmlns:a="http://schemas.openxmlformats.org/drawingml/2006/main" uniqueId="urn:microsoft.com/office/officeart/2005/8/colors/accent0_3">
-  <dgm:title val=""/>
-  <dgm:desc val=""/>
-  <dgm:catLst>
-    <dgm:cat type="mainScheme" pri="10300"/>
-  </dgm:catLst>
-  <dgm:styleLbl name="node0">
-    <dgm:fillClrLst meth="repeat">
-      <a:schemeClr val="dk2"/>
-    </dgm:fillClrLst>
-    <dgm:linClrLst meth="repeat">
-      <a:schemeClr val="lt2"/>
-    </dgm:linClrLst>
-    <dgm:effectClrLst/>
-    <dgm:txLinClrLst/>
-    <dgm:txFillClrLst/>
-    <dgm:txEffectClrLst/>
-  </dgm:styleLbl>
-  <dgm:styleLbl name="alignNode1">
-    <dgm:fillClrLst meth="repeat">
-      <a:schemeClr val="dk2"/>
-    </dgm:fillClrLst>
-    <dgm:linClrLst meth="repeat">
-      <a:schemeClr val="dk2"/>
-    </dgm:linClrLst>
-    <dgm:effectClrLst/>
-    <dgm:txLinClrLst/>
-    <dgm:txFillClrLst/>
-    <dgm:txEffectClrLst/>
-  </dgm:styleLbl>
-  <dgm:styleLbl name="node1">
-    <dgm:fillClrLst meth="repeat">
-      <a:schemeClr val="dk2"/>
-    </dgm:fillClrLst>
-    <dgm:linClrLst meth="repeat">
-      <a:schemeClr val="lt2"/>
-    </dgm:linClrLst>
-    <dgm:effectClrLst/>
-    <dgm:txLinClrLst/>
-    <dgm:txFillClrLst/>
-    <dgm:txEffectClrLst/>
-  </dgm:styleLbl>
-  <dgm:styleLbl name="lnNode1">
-    <dgm:fillClrLst meth="repeat">
-      <a:schemeClr val="dk2"/>
-    </dgm:fillClrLst>
-    <dgm:linClrLst meth="repeat">
-      <a:schemeClr val="lt2"/>
-    </dgm:linClrLst>
-    <dgm:effectClrLst/>
-    <dgm:txLinClrLst/>
-    <dgm:txFillClrLst/>
-    <dgm:txEffectClrLst/>
-  </dgm:styleLbl>
-  <dgm:styleLbl name="vennNode1">
-    <dgm:fillClrLst meth="repeat">
-      <a:schemeClr val="dk2">
-        <a:alpha val="50000"/>
-      </a:schemeClr>
-    </dgm:fillClrLst>
-    <dgm:linClrLst meth="repeat">
-      <a:schemeClr val="lt2"/>
-    </dgm:linClrLst>
-    <dgm:effectClrLst/>
-    <dgm:txLinClrLst/>
-    <dgm:txFillClrLst/>
-    <dgm:txEffectClrLst/>
-  </dgm:styleLbl>
-  <dgm:styleLbl name="node2">
-    <dgm:fillClrLst meth="repeat">
-      <a:schemeClr val="dk2"/>
-    </dgm:fillClrLst>
-    <dgm:linClrLst meth="repeat">
-      <a:schemeClr val="lt2"/>
-    </dgm:linClrLst>
-    <dgm:effectClrLst/>
-    <dgm:txLinClrLst/>
-    <dgm:txFillClrLst/>
-    <dgm:txEffectClrLst/>
-  </dgm:styleLbl>
-  <dgm:styleLbl name="node3">
-    <dgm:fillClrLst meth="repeat">
-      <a:schemeClr val="dk2"/>
-    </dgm:fillClrLst>
-    <dgm:linClrLst meth="repeat">
-      <a:schemeClr val="lt2"/>
-    </dgm:linClrLst>
-    <dgm:effectClrLst/>
-    <dgm:txLinClrLst/>
-    <dgm:txFillClrLst/>
-    <dgm:txEffectClrLst/>
-  </dgm:styleLbl>
-  <dgm:styleLbl name="node4">
-    <dgm:fillClrLst meth="repeat">
-      <a:schemeClr val="dk2"/>
-    </dgm:fillClrLst>
-    <dgm:linClrLst meth="repeat">
-      <a:schemeClr val="lt2"/>
-    </dgm:linClrLst>
-    <dgm:effectClrLst/>
-    <dgm:txLinClrLst/>
-    <dgm:txFillClrLst/>
-    <dgm:txEffectClrLst/>
-  </dgm:styleLbl>
-  <dgm:styleLbl name="fgImgPlace1">
-    <dgm:fillClrLst meth="repeat">
-      <a:schemeClr val="dk2">
-        <a:tint val="50000"/>
-      </a:schemeClr>
-    </dgm:fillClrLst>
-    <dgm:linClrLst meth="repeat">
-      <a:schemeClr val="lt2"/>
-    </dgm:linClrLst>
-    <dgm:effectClrLst/>
-    <dgm:txLinClrLst/>
-    <dgm:txFillClrLst meth="repeat">
-      <a:schemeClr val="lt2"/>
-    </dgm:txFillClrLst>
-    <dgm:txEffectClrLst/>
-  </dgm:styleLbl>
-  <dgm:styleLbl name="alignImgPlace1">
-    <dgm:fillClrLst meth="repeat">
-      <a:schemeClr val="dk2">
-        <a:tint val="50000"/>
-      </a:schemeClr>
-    </dgm:fillClrLst>
-    <dgm:linClrLst meth="repeat">
-      <a:schemeClr val="dk2">
-        <a:shade val="80000"/>
-      </a:schemeClr>
-    </dgm:linClrLst>
-    <dgm:effectClrLst/>
-    <dgm:txLinClrLst/>
-    <dgm:txFillClrLst meth="repeat">
-      <a:schemeClr val="lt2"/>
-    </dgm:txFillClrLst>
-    <dgm:txEffectClrLst/>
-  </dgm:styleLbl>
-  <dgm:styleLbl name="bgImgPlace1">
-    <dgm:fillClrLst meth="repeat">
-      <a:schemeClr val="dk2">
-        <a:tint val="50000"/>
-      </a:schemeClr>
-    </dgm:fillClrLst>
-    <dgm:linClrLst meth="repeat">
-      <a:schemeClr val="dk2">
-        <a:shade val="80000"/>
-      </a:schemeClr>
-    </dgm:linClrLst>
-    <dgm:effectClrLst/>
-    <dgm:txLinClrLst/>
-    <dgm:txFillClrLst meth="repeat">
-      <a:schemeClr val="lt2"/>
-    </dgm:txFillClrLst>
-    <dgm:txEffectClrLst/>
-  </dgm:styleLbl>
-  <dgm:styleLbl name="sibTrans2D1">
-    <dgm:fillClrLst meth="repeat">
-      <a:schemeClr val="dk2">
-        <a:tint val="60000"/>
-      </a:schemeClr>
-    </dgm:fillClrLst>
-    <dgm:linClrLst meth="repeat">
-      <a:schemeClr val="dk2">
-        <a:tint val="60000"/>
-      </a:schemeClr>
-    </dgm:linClrLst>
-    <dgm:effectClrLst/>
-    <dgm:txLinClrLst/>
-    <dgm:txFillClrLst/>
-    <dgm:txEffectClrLst/>
-  </dgm:styleLbl>
-  <dgm:styleLbl name="fgSibTrans2D1">
-    <dgm:fillClrLst meth="repeat">
-      <a:schemeClr val="dk2">
-        <a:tint val="60000"/>
-      </a:schemeClr>
-    </dgm:fillClrLst>
-    <dgm:linClrLst meth="repeat">
-      <a:schemeClr val="dk2">
-        <a:tint val="60000"/>
-      </a:schemeClr>
-    </dgm:linClrLst>
-    <dgm:effectClrLst/>
-    <dgm:txLinClrLst/>
-    <dgm:txFillClrLst/>
-    <dgm:txEffectClrLst/>
-  </dgm:styleLbl>
-  <dgm:styleLbl name="bgSibTrans2D1">
-    <dgm:fillClrLst meth="repeat">
-      <a:schemeClr val="dk2">
-        <a:tint val="60000"/>
-      </a:schemeClr>
-    </dgm:fillClrLst>
-    <dgm:linClrLst meth="repeat">
-      <a:schemeClr val="dk2">
-        <a:tint val="60000"/>
-      </a:schemeClr>
-    </dgm:linClrLst>
-    <dgm:effectClrLst/>
-    <dgm:txLinClrLst/>
-    <dgm:txFillClrLst/>
-    <dgm:txEffectClrLst/>
-  </dgm:styleLbl>
-  <dgm:styleLbl name="sibTrans1D1">
-    <dgm:fillClrLst meth="repeat">
-      <a:schemeClr val="dk2"/>
-    </dgm:fillClrLst>
-    <dgm:linClrLst meth="repeat">
-      <a:schemeClr val="dk2"/>
-    </dgm:linClrLst>
-    <dgm:effectClrLst/>
-    <dgm:txLinClrLst/>
-    <dgm:txFillClrLst meth="repeat">
-      <a:schemeClr val="lt2"/>
-    </dgm:txFillClrLst>
-    <dgm:txEffectClrLst/>
-  </dgm:styleLbl>
-  <dgm:styleLbl name="callout">
-    <dgm:fillClrLst meth="repeat">
-      <a:schemeClr val="dk2"/>
-    </dgm:fillClrLst>
-    <dgm:linClrLst meth="repeat">
-      <a:schemeClr val="dk2">
-        <a:tint val="50000"/>
-      </a:schemeClr>
-    </dgm:linClrLst>
-    <dgm:effectClrLst/>
-    <dgm:txLinClrLst/>
-    <dgm:txFillClrLst meth="repeat">
-      <a:schemeClr val="lt2"/>
-    </dgm:txFillClrLst>
-    <dgm:txEffectClrLst/>
-  </dgm:styleLbl>
-  <dgm:styleLbl name="asst0">
-    <dgm:fillClrLst meth="repeat">
-      <a:schemeClr val="dk2"/>
-    </dgm:fillClrLst>
-    <dgm:linClrLst meth="repeat">
-      <a:schemeClr val="lt2"/>
-    </dgm:linClrLst>
-    <dgm:effectClrLst/>
-    <dgm:txLinClrLst/>
-    <dgm:txFillClrLst/>
-    <dgm:txEffectClrLst/>
-  </dgm:styleLbl>
-  <dgm:styleLbl name="asst1">
-    <dgm:fillClrLst meth="repeat">
-      <a:schemeClr val="dk2"/>
-    </dgm:fillClrLst>
-    <dgm:linClrLst meth="repeat">
-      <a:schemeClr val="lt2"/>
-    </dgm:linClrLst>
-    <dgm:effectClrLst/>
-    <dgm:txLinClrLst/>
-    <dgm:txFillClrLst/>
-    <dgm:txEffectClrLst/>
-  </dgm:styleLbl>
-  <dgm:styleLbl name="asst2">
-    <dgm:fillClrLst meth="repeat">
-      <a:schemeClr val="dk2"/>
-    </dgm:fillClrLst>
-    <dgm:linClrLst meth="repeat">
-      <a:schemeClr val="lt2"/>
-    </dgm:linClrLst>
-    <dgm:effectClrLst/>
-    <dgm:txLinClrLst/>
-    <dgm:txFillClrLst/>
-    <dgm:txEffectClrLst/>
-  </dgm:styleLbl>
-  <dgm:styleLbl name="asst3">
-    <dgm:fillClrLst meth="repeat">
-      <a:schemeClr val="dk2"/>
-    </dgm:fillClrLst>
-    <dgm:linClrLst meth="repeat">
-      <a:schemeClr val="lt2"/>
-    </dgm:linClrLst>
-    <dgm:effectClrLst/>
-    <dgm:txLinClrLst/>
-    <dgm:txFillClrLst/>
-    <dgm:txEffectClrLst/>
-  </dgm:styleLbl>
-  <dgm:styleLbl name="asst4">
-    <dgm:fillClrLst meth="repeat">
-      <a:schemeClr val="dk2"/>
-    </dgm:fillClrLst>
-    <dgm:linClrLst meth="repeat">
-      <a:schemeClr val="lt2"/>
-    </dgm:linClrLst>
-    <dgm:effectClrLst/>
-    <dgm:txLinClrLst/>
-    <dgm:txFillClrLst/>
-    <dgm:txEffectClrLst/>
-  </dgm:styleLbl>
-  <dgm:styleLbl name="parChTrans2D1">
-    <dgm:fillClrLst meth="repeat">
-      <a:schemeClr val="dk2">
-        <a:tint val="60000"/>
-      </a:schemeClr>
-    </dgm:fillClrLst>
-    <dgm:linClrLst meth="repeat">
-      <a:schemeClr val="dk2">
-        <a:tint val="60000"/>
-      </a:schemeClr>
-    </dgm:linClrLst>
-    <dgm:effectClrLst/>
-    <dgm:txLinClrLst/>
-    <dgm:txFillClrLst meth="repeat">
-      <a:schemeClr val="lt2"/>
-    </dgm:txFillClrLst>
-    <dgm:txEffectClrLst/>
-  </dgm:styleLbl>
-  <dgm:styleLbl name="parChTrans2D2">
-    <dgm:fillClrLst meth="repeat">
-      <a:schemeClr val="dk2"/>
-    </dgm:fillClrLst>
-    <dgm:linClrLst meth="repeat">
-      <a:schemeClr val="dk2"/>
-    </dgm:linClrLst>
-    <dgm:effectClrLst/>
-    <dgm:txLinClrLst/>
-    <dgm:txFillClrLst meth="repeat">
-      <a:schemeClr val="lt2"/>
-    </dgm:txFillClrLst>
-    <dgm:txEffectClrLst/>
-  </dgm:styleLbl>
-  <dgm:styleLbl name="parChTrans2D3">
-    <dgm:fillClrLst meth="repeat">
-      <a:schemeClr val="dk2"/>
-    </dgm:fillClrLst>
-    <dgm:linClrLst meth="repeat">
-      <a:schemeClr val="dk2"/>
-    </dgm:linClrLst>
-    <dgm:effectClrLst/>
-    <dgm:txLinClrLst/>
-    <dgm:txFillClrLst meth="repeat">
-      <a:schemeClr val="lt2"/>
-    </dgm:txFillClrLst>
-    <dgm:txEffectClrLst/>
-  </dgm:styleLbl>
-  <dgm:styleLbl name="parChTrans2D4">
-    <dgm:fillClrLst meth="repeat">
-      <a:schemeClr val="dk2"/>
-    </dgm:fillClrLst>
-    <dgm:linClrLst meth="repeat">
-      <a:schemeClr val="dk2"/>
-    </dgm:linClrLst>
-    <dgm:effectClrLst/>
-    <dgm:txLinClrLst/>
-    <dgm:txFillClrLst meth="repeat">
-      <a:schemeClr val="lt2"/>
-    </dgm:txFillClrLst>
-    <dgm:txEffectClrLst/>
-  </dgm:styleLbl>
-  <dgm:styleLbl name="parChTrans1D1">
-    <dgm:fillClrLst meth="repeat">
-      <a:schemeClr val="dk2"/>
-    </dgm:fillClrLst>
-    <dgm:linClrLst meth="repeat">
-      <a:schemeClr val="dk2">
-        <a:shade val="60000"/>
-      </a:schemeClr>
-    </dgm:linClrLst>
-    <dgm:effectClrLst/>
-    <dgm:txLinClrLst/>
-    <dgm:txFillClrLst meth="repeat">
-      <a:schemeClr val="tx1"/>
-    </dgm:txFillClrLst>
-    <dgm:txEffectClrLst/>
-  </dgm:styleLbl>
-  <dgm:styleLbl name="parChTrans1D2">
-    <dgm:fillClrLst meth="repeat">
-      <a:schemeClr val="dk2"/>
-    </dgm:fillClrLst>
-    <dgm:linClrLst meth="repeat">
-      <a:schemeClr val="dk2">
-        <a:shade val="60000"/>
-      </a:schemeClr>
-    </dgm:linClrLst>
-    <dgm:effectClrLst/>
-    <dgm:txLinClrLst/>
-    <dgm:txFillClrLst meth="repeat">
-      <a:schemeClr val="tx1"/>
-    </dgm:txFillClrLst>
-    <dgm:txEffectClrLst/>
-  </dgm:styleLbl>
-  <dgm:styleLbl name="parChTrans1D3">
-    <dgm:fillClrLst meth="repeat">
-      <a:schemeClr val="dk2"/>
-    </dgm:fillClrLst>
-    <dgm:linClrLst meth="repeat">
-      <a:schemeClr val="dk2">
-        <a:shade val="80000"/>
-      </a:schemeClr>
-    </dgm:linClrLst>
-    <dgm:effectClrLst/>
-    <dgm:txLinClrLst/>
-    <dgm:txFillClrLst meth="repeat">
-      <a:schemeClr val="tx1"/>
-    </dgm:txFillClrLst>
-    <dgm:txEffectClrLst/>
-  </dgm:styleLbl>
-  <dgm:styleLbl name="parChTrans1D4">
-    <dgm:fillClrLst meth="repeat">
-      <a:schemeClr val="dk2"/>
-    </dgm:fillClrLst>
-    <dgm:linClrLst meth="repeat">
-      <a:schemeClr val="dk2">
-        <a:shade val="80000"/>
-      </a:schemeClr>
-    </dgm:linClrLst>
-    <dgm:effectClrLst/>
-    <dgm:txLinClrLst/>
-    <dgm:txFillClrLst meth="repeat">
-      <a:schemeClr val="tx1"/>
-    </dgm:txFillClrLst>
-    <dgm:txEffectClrLst/>
-  </dgm:styleLbl>
-  <dgm:styleLbl name="fgAcc1">
-    <dgm:fillClrLst meth="repeat">
-      <a:schemeClr val="lt2">
-        <a:alpha val="90000"/>
-      </a:schemeClr>
-    </dgm:fillClrLst>
-    <dgm:linClrLst meth="repeat">
-      <a:schemeClr val="dk2"/>
-    </dgm:linClrLst>
-    <dgm:effectClrLst/>
-    <dgm:txLinClrLst/>
-    <dgm:txFillClrLst meth="repeat">
-      <a:schemeClr val="dk1"/>
-    </dgm:txFillClrLst>
-    <dgm:txEffectClrLst/>
-  </dgm:styleLbl>
-  <dgm:styleLbl name="conFgAcc1">
-    <dgm:fillClrLst meth="repeat">
-      <a:schemeClr val="lt2">
-        <a:alpha val="90000"/>
-      </a:schemeClr>
-    </dgm:fillClrLst>
-    <dgm:linClrLst meth="repeat">
-      <a:schemeClr val="dk2"/>
-    </dgm:linClrLst>
-    <dgm:effectClrLst/>
-    <dgm:txLinClrLst/>
-    <dgm:txFillClrLst meth="repeat">
-      <a:schemeClr val="dk1"/>
-    </dgm:txFillClrLst>
-    <dgm:txEffectClrLst/>
-  </dgm:styleLbl>
-  <dgm:styleLbl name="alignAcc1">
-    <dgm:fillClrLst meth="repeat">
-      <a:schemeClr val="lt2">
-        <a:alpha val="90000"/>
-      </a:schemeClr>
-    </dgm:fillClrLst>
-    <dgm:linClrLst meth="repeat">
-      <a:schemeClr val="dk2"/>
-    </dgm:linClrLst>
-    <dgm:effectClrLst/>
-    <dgm:txLinClrLst/>
-    <dgm:txFillClrLst meth="repeat">
-      <a:schemeClr val="dk1"/>
-    </dgm:txFillClrLst>
-    <dgm:txEffectClrLst/>
-  </dgm:styleLbl>
-  <dgm:styleLbl name="trAlignAcc1">
-    <dgm:fillClrLst meth="repeat">
-      <a:schemeClr val="lt2">
-        <a:alpha val="40000"/>
-      </a:schemeClr>
-    </dgm:fillClrLst>
-    <dgm:linClrLst meth="repeat">
-      <a:schemeClr val="dk2"/>
-    </dgm:linClrLst>
-    <dgm:effectClrLst/>
-    <dgm:txLinClrLst/>
-    <dgm:txFillClrLst meth="repeat">
-      <a:schemeClr val="dk1"/>
-    </dgm:txFillClrLst>
-    <dgm:txEffectClrLst/>
-  </dgm:styleLbl>
-  <dgm:styleLbl name="bgAcc1">
-    <dgm:fillClrLst meth="repeat">
-      <a:schemeClr val="lt2">
-        <a:alpha val="90000"/>
-      </a:schemeClr>
-    </dgm:fillClrLst>
-    <dgm:linClrLst meth="repeat">
-      <a:schemeClr val="dk2"/>
-    </dgm:linClrLst>
-    <dgm:effectClrLst/>
-    <dgm:txLinClrLst/>
-    <dgm:txFillClrLst meth="repeat">
-      <a:schemeClr val="dk1"/>
-    </dgm:txFillClrLst>
-    <dgm:txEffectClrLst/>
-  </dgm:styleLbl>
-  <dgm:styleLbl name="solidFgAcc1">
-    <dgm:fillClrLst meth="repeat">
-      <a:schemeClr val="lt2"/>
-    </dgm:fillClrLst>
-    <dgm:linClrLst meth="repeat">
-      <a:schemeClr val="dk2"/>
-    </dgm:linClrLst>
-    <dgm:effectClrLst/>
-    <dgm:txLinClrLst/>
-    <dgm:txFillClrLst meth="repeat">
-      <a:schemeClr val="dk1"/>
-    </dgm:txFillClrLst>
-    <dgm:txEffectClrLst/>
-  </dgm:styleLbl>
-  <dgm:styleLbl name="solidAlignAcc1">
-    <dgm:fillClrLst meth="repeat">
-      <a:schemeClr val="lt2"/>
-    </dgm:fillClrLst>
-    <dgm:linClrLst meth="repeat">
-      <a:schemeClr val="dk2"/>
-    </dgm:linClrLst>
-    <dgm:effectClrLst/>
-    <dgm:txLinClrLst/>
-    <dgm:txFillClrLst meth="repeat">
-      <a:schemeClr val="dk1"/>
-    </dgm:txFillClrLst>
-    <dgm:txEffectClrLst/>
-  </dgm:styleLbl>
-  <dgm:styleLbl name="solidBgAcc1">
-    <dgm:fillClrLst meth="repeat">
-      <a:schemeClr val="lt2"/>
-    </dgm:fillClrLst>
-    <dgm:linClrLst meth="repeat">
-      <a:schemeClr val="dk2"/>
-    </dgm:linClrLst>
-    <dgm:effectClrLst/>
-    <dgm:txLinClrLst/>
-    <dgm:txFillClrLst meth="repeat">
-      <a:schemeClr val="dk1"/>
-    </dgm:txFillClrLst>
-    <dgm:txEffectClrLst/>
-  </dgm:styleLbl>
-  <dgm:styleLbl name="fgAccFollowNode1">
-    <dgm:fillClrLst meth="repeat">
-      <a:schemeClr val="dk2">
-        <a:alpha val="90000"/>
-        <a:tint val="40000"/>
-      </a:schemeClr>
-    </dgm:fillClrLst>
-    <dgm:linClrLst meth="repeat">
-      <a:schemeClr val="dk2">
-        <a:alpha val="90000"/>
-        <a:tint val="40000"/>
-      </a:schemeClr>
-    </dgm:linClrLst>
-    <dgm:effectClrLst/>
-    <dgm:txLinClrLst/>
-    <dgm:txFillClrLst meth="repeat">
-      <a:schemeClr val="dk1"/>
-    </dgm:txFillClrLst>
-    <dgm:txEffectClrLst/>
-  </dgm:styleLbl>
-  <dgm:styleLbl name="alignAccFollowNode1">
-    <dgm:fillClrLst meth="repeat">
-      <a:schemeClr val="dk2">
-        <a:alpha val="90000"/>
-        <a:tint val="40000"/>
-      </a:schemeClr>
-    </dgm:fillClrLst>
-    <dgm:linClrLst meth="repeat">
-      <a:schemeClr val="dk2">
-        <a:alpha val="90000"/>
-        <a:tint val="40000"/>
-      </a:schemeClr>
-    </dgm:linClrLst>
-    <dgm:effectClrLst/>
-    <dgm:txLinClrLst/>
-    <dgm:txFillClrLst meth="repeat">
-      <a:schemeClr val="dk1"/>
-    </dgm:txFillClrLst>
-    <dgm:txEffectClrLst/>
-  </dgm:styleLbl>
-  <dgm:styleLbl name="bgAccFollowNode1">
-    <dgm:fillClrLst meth="repeat">
-      <a:schemeClr val="dk2">
-        <a:alpha val="90000"/>
-        <a:tint val="40000"/>
-      </a:schemeClr>
-    </dgm:fillClrLst>
-    <dgm:linClrLst meth="repeat">
-      <a:schemeClr val="dk2">
-        <a:alpha val="90000"/>
-        <a:tint val="40000"/>
-      </a:schemeClr>
-    </dgm:linClrLst>
-    <dgm:effectClrLst/>
-    <dgm:txLinClrLst/>
-    <dgm:txFillClrLst meth="repeat">
-      <a:schemeClr val="dk1"/>
-    </dgm:txFillClrLst>
-    <dgm:txEffectClrLst/>
-  </dgm:styleLbl>
-  <dgm:styleLbl name="fgAcc0">
-    <dgm:fillClrLst meth="repeat">
-      <a:schemeClr val="lt2">
-        <a:alpha val="90000"/>
-      </a:schemeClr>
-    </dgm:fillClrLst>
-    <dgm:linClrLst meth="repeat">
-      <a:schemeClr val="dk2"/>
-    </dgm:linClrLst>
-    <dgm:effectClrLst/>
-    <dgm:txLinClrLst/>
-    <dgm:txFillClrLst meth="repeat">
-      <a:schemeClr val="dk1"/>
-    </dgm:txFillClrLst>
-    <dgm:txEffectClrLst/>
-  </dgm:styleLbl>
-  <dgm:styleLbl name="fgAcc2">
-    <dgm:fillClrLst meth="repeat">
-      <a:schemeClr val="lt2">
-        <a:alpha val="90000"/>
-      </a:schemeClr>
-    </dgm:fillClrLst>
-    <dgm:linClrLst meth="repeat">
-      <a:schemeClr val="dk2"/>
-    </dgm:linClrLst>
-    <dgm:effectClrLst/>
-    <dgm:txLinClrLst/>
-    <dgm:txFillClrLst meth="repeat">
-      <a:schemeClr val="dk1"/>
-    </dgm:txFillClrLst>
-    <dgm:txEffectClrLst/>
-  </dgm:styleLbl>
-  <dgm:styleLbl name="fgAcc3">
-    <dgm:fillClrLst meth="repeat">
-      <a:schemeClr val="lt2">
-        <a:alpha val="90000"/>
-      </a:schemeClr>
-    </dgm:fillClrLst>
-    <dgm:linClrLst meth="repeat">
-      <a:schemeClr val="dk2"/>
-    </dgm:linClrLst>
-    <dgm:effectClrLst/>
-    <dgm:txLinClrLst/>
-    <dgm:txFillClrLst meth="repeat">
-      <a:schemeClr val="dk1"/>
-    </dgm:txFillClrLst>
-    <dgm:txEffectClrLst/>
-  </dgm:styleLbl>
-  <dgm:styleLbl name="fgAcc4">
-    <dgm:fillClrLst meth="repeat">
-      <a:schemeClr val="lt2">
-        <a:alpha val="90000"/>
-      </a:schemeClr>
-    </dgm:fillClrLst>
-    <dgm:linClrLst meth="repeat">
-      <a:schemeClr val="dk2"/>
-    </dgm:linClrLst>
-    <dgm:effectClrLst/>
-    <dgm:txLinClrLst/>
-    <dgm:txFillClrLst meth="repeat">
-      <a:schemeClr val="dk1"/>
-    </dgm:txFillClrLst>
-    <dgm:txEffectClrLst/>
-  </dgm:styleLbl>
-  <dgm:styleLbl name="bgShp">
-    <dgm:fillClrLst meth="repeat">
-      <a:schemeClr val="dk2">
-        <a:tint val="40000"/>
-      </a:schemeClr>
-    </dgm:fillClrLst>
-    <dgm:linClrLst meth="repeat">
-      <a:schemeClr val="dk2"/>
-    </dgm:linClrLst>
-    <dgm:effectClrLst/>
-    <dgm:txLinClrLst/>
-    <dgm:txFillClrLst meth="repeat">
-      <a:schemeClr val="dk1"/>
-    </dgm:txFillClrLst>
-    <dgm:txEffectClrLst/>
-  </dgm:styleLbl>
-  <dgm:styleLbl name="dkBgShp">
-    <dgm:fillClrLst meth="repeat">
-      <a:schemeClr val="dk2">
-        <a:shade val="80000"/>
-      </a:schemeClr>
-    </dgm:fillClrLst>
-    <dgm:linClrLst meth="repeat">
-      <a:schemeClr val="dk2"/>
-    </dgm:linClrLst>
-    <dgm:effectClrLst/>
-    <dgm:txLinClrLst/>
-    <dgm:txFillClrLst meth="repeat">
-      <a:schemeClr val="lt1"/>
-    </dgm:txFillClrLst>
-    <dgm:txEffectClrLst/>
-  </dgm:styleLbl>
-  <dgm:styleLbl name="trBgShp">
-    <dgm:fillClrLst meth="repeat">
-      <a:schemeClr val="dk2">
-        <a:tint val="50000"/>
-        <a:alpha val="40000"/>
-      </a:schemeClr>
-    </dgm:fillClrLst>
-    <dgm:linClrLst meth="repeat">
-      <a:schemeClr val="dk2"/>
-    </dgm:linClrLst>
-    <dgm:effectClrLst/>
-    <dgm:txLinClrLst/>
-    <dgm:txFillClrLst meth="repeat">
-      <a:schemeClr val="lt1"/>
-    </dgm:txFillClrLst>
-    <dgm:txEffectClrLst/>
-  </dgm:styleLbl>
-  <dgm:styleLbl name="fgShp">
-    <dgm:fillClrLst meth="repeat">
-      <a:schemeClr val="dk2">
-        <a:tint val="60000"/>
-      </a:schemeClr>
-    </dgm:fillClrLst>
-    <dgm:linClrLst meth="repeat">
-      <a:schemeClr val="lt2"/>
-    </dgm:linClrLst>
-    <dgm:effectClrLst/>
-    <dgm:txLinClrLst/>
-    <dgm:txFillClrLst meth="repeat">
-      <a:schemeClr val="dk1"/>
-    </dgm:txFillClrLst>
-    <dgm:txEffectClrLst/>
-  </dgm:styleLbl>
-  <dgm:styleLbl name="revTx">
-    <dgm:fillClrLst meth="repeat">
-      <a:schemeClr val="lt2">
-        <a:alpha val="0"/>
-      </a:schemeClr>
-    </dgm:fillClrLst>
-    <dgm:linClrLst meth="repeat">
-      <a:schemeClr val="dk1">
-        <a:alpha val="0"/>
-      </a:schemeClr>
-    </dgm:linClrLst>
-    <dgm:effectClrLst/>
-    <dgm:txLinClrLst/>
-    <dgm:txFillClrLst meth="repeat">
-      <a:schemeClr val="tx1"/>
-    </dgm:txFillClrLst>
-    <dgm:txEffectClrLst/>
-  </dgm:styleLbl>
-</dgm:colorsDef>
-</file>
-
-<file path=ppt/diagrams/data1.xml><?xml version="1.0" encoding="utf-8"?>
-<dgm:dataModel xmlns:dgm="http://schemas.openxmlformats.org/drawingml/2006/diagram" xmlns:a="http://schemas.openxmlformats.org/drawingml/2006/main">
-  <dgm:ptLst>
-    <dgm:pt modelId="{BF028825-1603-4479-8B29-013DE9E3A599}" type="doc">
-      <dgm:prSet loTypeId="urn:microsoft.com/office/officeart/2005/8/layout/hList1" loCatId="list" qsTypeId="urn:microsoft.com/office/officeart/2005/8/quickstyle/simple1" qsCatId="simple" csTypeId="urn:microsoft.com/office/officeart/2005/8/colors/accent0_3" csCatId="mainScheme" phldr="1"/>
-      <dgm:spPr/>
-      <dgm:t>
-        <a:bodyPr/>
-        <a:lstStyle/>
-        <a:p>
-          <a:endParaRPr lang="de-DE"/>
-        </a:p>
-      </dgm:t>
-    </dgm:pt>
-    <dgm:pt modelId="{E661CD7A-2AA2-4DBE-A1DD-98A45F8D42A0}">
-      <dgm:prSet phldrT="[Text]" custT="1"/>
-      <dgm:spPr/>
-      <dgm:t>
-        <a:bodyPr/>
-        <a:lstStyle/>
-        <a:p>
-          <a:r>
-            <a:rPr lang="de-DE" sz="3000" dirty="0" err="1"/>
-            <a:t>Transactional</a:t>
-          </a:r>
-          <a:r>
-            <a:rPr lang="de-DE" sz="3000" dirty="0"/>
-            <a:t> Processing (OLTP)</a:t>
-          </a:r>
-        </a:p>
-      </dgm:t>
-    </dgm:pt>
-    <dgm:pt modelId="{BB496711-B28D-4D8D-892C-A21C3A4EAE35}" type="parTrans" cxnId="{620727C9-ADB7-4F37-A72F-9B5DAEE5644F}">
-      <dgm:prSet/>
-      <dgm:spPr/>
-      <dgm:t>
-        <a:bodyPr/>
-        <a:lstStyle/>
-        <a:p>
-          <a:endParaRPr lang="de-DE"/>
-        </a:p>
-      </dgm:t>
-    </dgm:pt>
-    <dgm:pt modelId="{CB85B648-02A1-4F47-93FD-FF4C442F16D8}" type="sibTrans" cxnId="{620727C9-ADB7-4F37-A72F-9B5DAEE5644F}">
-      <dgm:prSet/>
-      <dgm:spPr/>
-      <dgm:t>
-        <a:bodyPr/>
-        <a:lstStyle/>
-        <a:p>
-          <a:endParaRPr lang="de-DE"/>
-        </a:p>
-      </dgm:t>
-    </dgm:pt>
-    <dgm:pt modelId="{24DB93D4-32E7-4EC4-977D-4C8FABEE8BA8}">
-      <dgm:prSet phldrT="[Text]" custT="1"/>
-      <dgm:spPr/>
-      <dgm:t>
-        <a:bodyPr/>
-        <a:lstStyle/>
-        <a:p>
-          <a:r>
-            <a:rPr lang="de-DE" sz="1600" b="0" dirty="0"/>
-            <a:t>ERP, CRM, Web-</a:t>
-          </a:r>
-          <a:r>
-            <a:rPr lang="de-DE" sz="1600" b="0" dirty="0" err="1"/>
-            <a:t>based</a:t>
-          </a:r>
-          <a:r>
-            <a:rPr lang="de-DE" sz="1600" b="0" dirty="0"/>
-            <a:t> </a:t>
-          </a:r>
-          <a:r>
-            <a:rPr lang="de-DE" sz="1600" b="0" dirty="0" err="1"/>
-            <a:t>Application</a:t>
-          </a:r>
-          <a:endParaRPr lang="de-DE" sz="1600" b="0" dirty="0"/>
-        </a:p>
-      </dgm:t>
-    </dgm:pt>
-    <dgm:pt modelId="{B03DD11F-B73F-4602-AAEA-B3B1480D338B}" type="parTrans" cxnId="{6519EF44-3C65-433C-9925-83034B6EBD38}">
-      <dgm:prSet/>
-      <dgm:spPr/>
-      <dgm:t>
-        <a:bodyPr/>
-        <a:lstStyle/>
-        <a:p>
-          <a:endParaRPr lang="de-DE"/>
-        </a:p>
-      </dgm:t>
-    </dgm:pt>
-    <dgm:pt modelId="{78A018CC-299A-4AC5-ACCD-4AAC61688CCA}" type="sibTrans" cxnId="{6519EF44-3C65-433C-9925-83034B6EBD38}">
-      <dgm:prSet/>
-      <dgm:spPr/>
-      <dgm:t>
-        <a:bodyPr/>
-        <a:lstStyle/>
-        <a:p>
-          <a:endParaRPr lang="de-DE"/>
-        </a:p>
-      </dgm:t>
-    </dgm:pt>
-    <dgm:pt modelId="{8DCDE0E8-818B-4951-9F8D-0D8CDB39B35F}">
-      <dgm:prSet phldrT="[Text]" custT="1"/>
-      <dgm:spPr/>
-      <dgm:t>
-        <a:bodyPr/>
-        <a:lstStyle/>
-        <a:p>
-          <a:r>
-            <a:rPr lang="de-DE" sz="3000" dirty="0"/>
-            <a:t>Analytical Processing (OLAP)</a:t>
-          </a:r>
-        </a:p>
-      </dgm:t>
-    </dgm:pt>
-    <dgm:pt modelId="{694407B1-9DEB-46AC-A631-54BE8BF48041}" type="parTrans" cxnId="{CB563F89-6507-4F4A-BA5C-CC42A94225CC}">
-      <dgm:prSet/>
-      <dgm:spPr/>
-      <dgm:t>
-        <a:bodyPr/>
-        <a:lstStyle/>
-        <a:p>
-          <a:endParaRPr lang="de-DE"/>
-        </a:p>
-      </dgm:t>
-    </dgm:pt>
-    <dgm:pt modelId="{1B71D366-C8B1-4093-942E-AA492CD124A2}" type="sibTrans" cxnId="{CB563F89-6507-4F4A-BA5C-CC42A94225CC}">
-      <dgm:prSet/>
-      <dgm:spPr/>
-      <dgm:t>
-        <a:bodyPr/>
-        <a:lstStyle/>
-        <a:p>
-          <a:endParaRPr lang="de-DE"/>
-        </a:p>
-      </dgm:t>
-    </dgm:pt>
-    <dgm:pt modelId="{808D7F6F-E53E-4CBD-920A-D6AAFCD0C52D}">
-      <dgm:prSet phldrT="[Text]" custT="1"/>
-      <dgm:spPr/>
-      <dgm:t>
-        <a:bodyPr/>
-        <a:lstStyle/>
-        <a:p>
-          <a:r>
-            <a:rPr lang="de-DE" sz="1600" b="0" dirty="0" err="1"/>
-            <a:t>Stored</a:t>
-          </a:r>
-          <a:r>
-            <a:rPr lang="de-DE" sz="1600" b="0" dirty="0"/>
-            <a:t> </a:t>
-          </a:r>
-          <a:r>
-            <a:rPr lang="de-DE" sz="1600" b="0" dirty="0" err="1"/>
-            <a:t>transactional</a:t>
-          </a:r>
-          <a:r>
-            <a:rPr lang="de-DE" sz="1600" b="0" dirty="0"/>
-            <a:t> </a:t>
-          </a:r>
-          <a:r>
-            <a:rPr lang="de-DE" sz="1600" b="0" dirty="0" err="1"/>
-            <a:t>databases</a:t>
-          </a:r>
-          <a:endParaRPr lang="de-DE" sz="1600" b="0" dirty="0"/>
-        </a:p>
-      </dgm:t>
-    </dgm:pt>
-    <dgm:pt modelId="{8FC3B8B8-6937-41CB-8A21-5FD3457366BD}" type="parTrans" cxnId="{82D7D84F-50D5-44CE-A18C-DE4D1B28CB4C}">
-      <dgm:prSet/>
-      <dgm:spPr/>
-      <dgm:t>
-        <a:bodyPr/>
-        <a:lstStyle/>
-        <a:p>
-          <a:endParaRPr lang="de-DE"/>
-        </a:p>
-      </dgm:t>
-    </dgm:pt>
-    <dgm:pt modelId="{F74C347C-2F29-4C05-983D-57761BBA25A3}" type="sibTrans" cxnId="{82D7D84F-50D5-44CE-A18C-DE4D1B28CB4C}">
-      <dgm:prSet/>
-      <dgm:spPr/>
-      <dgm:t>
-        <a:bodyPr/>
-        <a:lstStyle/>
-        <a:p>
-          <a:endParaRPr lang="de-DE"/>
-        </a:p>
-      </dgm:t>
-    </dgm:pt>
-    <dgm:pt modelId="{3F7A0AB7-328E-415E-BD61-9EAFAC179E87}">
-      <dgm:prSet phldrT="[Text]" custT="1"/>
-      <dgm:spPr/>
-      <dgm:t>
-        <a:bodyPr/>
-        <a:lstStyle/>
-        <a:p>
-          <a:endParaRPr lang="de-DE" sz="1600" b="1" dirty="0"/>
-        </a:p>
-      </dgm:t>
-    </dgm:pt>
-    <dgm:pt modelId="{D67B8686-F266-4290-8A8C-F2A7ECA245D0}" type="parTrans" cxnId="{5EACFD66-1FF3-4EE3-A08A-F8BE6B48665D}">
-      <dgm:prSet/>
-      <dgm:spPr/>
-      <dgm:t>
-        <a:bodyPr/>
-        <a:lstStyle/>
-        <a:p>
-          <a:endParaRPr lang="de-DE"/>
-        </a:p>
-      </dgm:t>
-    </dgm:pt>
-    <dgm:pt modelId="{0483F477-0310-44D2-B124-131E825DA334}" type="sibTrans" cxnId="{5EACFD66-1FF3-4EE3-A08A-F8BE6B48665D}">
-      <dgm:prSet/>
-      <dgm:spPr/>
-      <dgm:t>
-        <a:bodyPr/>
-        <a:lstStyle/>
-        <a:p>
-          <a:endParaRPr lang="de-DE"/>
-        </a:p>
-      </dgm:t>
-    </dgm:pt>
-    <dgm:pt modelId="{30FBD026-E1A7-4244-B724-D7813BC696AA}">
-      <dgm:prSet phldrT="[Text]" custT="1"/>
-      <dgm:spPr/>
-      <dgm:t>
-        <a:bodyPr/>
-        <a:lstStyle/>
-        <a:p>
-          <a:r>
-            <a:rPr lang="de-DE" sz="1600" b="0" dirty="0"/>
-            <a:t>Rapid</a:t>
-          </a:r>
-        </a:p>
-      </dgm:t>
-    </dgm:pt>
-    <dgm:pt modelId="{36980551-E475-405A-A698-A2819002C0E3}" type="parTrans" cxnId="{A0DE8988-DA6F-48A2-9D3D-2BD10CD2A3E3}">
-      <dgm:prSet/>
-      <dgm:spPr/>
-      <dgm:t>
-        <a:bodyPr/>
-        <a:lstStyle/>
-        <a:p>
-          <a:endParaRPr lang="de-DE"/>
-        </a:p>
-      </dgm:t>
-    </dgm:pt>
-    <dgm:pt modelId="{84A4E0FA-A986-422D-8ED0-A67EC3F6F7A9}" type="sibTrans" cxnId="{A0DE8988-DA6F-48A2-9D3D-2BD10CD2A3E3}">
-      <dgm:prSet/>
-      <dgm:spPr/>
-      <dgm:t>
-        <a:bodyPr/>
-        <a:lstStyle/>
-        <a:p>
-          <a:endParaRPr lang="de-DE"/>
-        </a:p>
-      </dgm:t>
-    </dgm:pt>
-    <dgm:pt modelId="{DA1D8C71-0B4C-4B83-AFD3-F1E8878A53F4}">
-      <dgm:prSet phldrT="[Text]" custT="1"/>
-      <dgm:spPr/>
-      <dgm:t>
-        <a:bodyPr/>
-        <a:lstStyle/>
-        <a:p>
-          <a:r>
-            <a:rPr lang="de-DE" sz="1600" b="0" dirty="0"/>
-            <a:t>Multiple Services </a:t>
-          </a:r>
-          <a:r>
-            <a:rPr lang="de-DE" sz="1600" b="0" dirty="0" err="1"/>
-            <a:t>connected</a:t>
-          </a:r>
-          <a:r>
-            <a:rPr lang="de-DE" sz="1600" b="0" dirty="0"/>
-            <a:t> </a:t>
-          </a:r>
-        </a:p>
-      </dgm:t>
-    </dgm:pt>
-    <dgm:pt modelId="{0C665848-1130-4450-8E07-7E6189D94DD9}" type="parTrans" cxnId="{BD02617F-9689-4A51-A831-F9C0BC54ACF9}">
-      <dgm:prSet/>
-      <dgm:spPr/>
-      <dgm:t>
-        <a:bodyPr/>
-        <a:lstStyle/>
-        <a:p>
-          <a:endParaRPr lang="de-DE"/>
-        </a:p>
-      </dgm:t>
-    </dgm:pt>
-    <dgm:pt modelId="{120B541C-12B1-4703-B3B0-7EF743E3D80F}" type="sibTrans" cxnId="{BD02617F-9689-4A51-A831-F9C0BC54ACF9}">
-      <dgm:prSet/>
-      <dgm:spPr/>
-      <dgm:t>
-        <a:bodyPr/>
-        <a:lstStyle/>
-        <a:p>
-          <a:endParaRPr lang="de-DE"/>
-        </a:p>
-      </dgm:t>
-    </dgm:pt>
-    <dgm:pt modelId="{CF63D83E-B073-40AA-B10A-892F47EC9752}">
-      <dgm:prSet phldrT="[Text]" custT="1"/>
-      <dgm:spPr/>
-      <dgm:t>
-        <a:bodyPr/>
-        <a:lstStyle/>
-        <a:p>
-          <a:r>
-            <a:rPr lang="de-DE" sz="1600" b="0" dirty="0"/>
-            <a:t>Databases </a:t>
-          </a:r>
-          <a:r>
-            <a:rPr lang="de-DE" sz="1600" b="0" dirty="0" err="1"/>
-            <a:t>disconnected</a:t>
-          </a:r>
-          <a:endParaRPr lang="de-DE" sz="1600" b="0" dirty="0"/>
-        </a:p>
-      </dgm:t>
-    </dgm:pt>
-    <dgm:pt modelId="{45CA8B0A-1C76-4979-988A-19484F9F7CC7}" type="parTrans" cxnId="{DE4DB51B-9D0C-4E44-884B-DAB44FCD7C9B}">
-      <dgm:prSet/>
-      <dgm:spPr/>
-      <dgm:t>
-        <a:bodyPr/>
-        <a:lstStyle/>
-        <a:p>
-          <a:endParaRPr lang="de-DE"/>
-        </a:p>
-      </dgm:t>
-    </dgm:pt>
-    <dgm:pt modelId="{5EF72CDE-5632-41C9-AC89-CE6E3055C475}" type="sibTrans" cxnId="{DE4DB51B-9D0C-4E44-884B-DAB44FCD7C9B}">
-      <dgm:prSet/>
-      <dgm:spPr/>
-      <dgm:t>
-        <a:bodyPr/>
-        <a:lstStyle/>
-        <a:p>
-          <a:endParaRPr lang="de-DE"/>
-        </a:p>
-      </dgm:t>
-    </dgm:pt>
-    <dgm:pt modelId="{78DB9F23-4C97-4711-A9E9-D5596BA1343D}">
-      <dgm:prSet phldrT="[Text]" custT="1"/>
-      <dgm:spPr/>
-      <dgm:t>
-        <a:bodyPr/>
-        <a:lstStyle/>
-        <a:p>
-          <a:r>
-            <a:rPr lang="de-DE" sz="1600" b="0" dirty="0"/>
-            <a:t> </a:t>
-          </a:r>
-        </a:p>
-      </dgm:t>
-    </dgm:pt>
-    <dgm:pt modelId="{66F67BE7-F439-4527-9365-0584AD75F4B9}" type="parTrans" cxnId="{1E2F30D8-84A0-4B57-8638-58B730181748}">
-      <dgm:prSet/>
-      <dgm:spPr/>
-      <dgm:t>
-        <a:bodyPr/>
-        <a:lstStyle/>
-        <a:p>
-          <a:endParaRPr lang="de-DE"/>
-        </a:p>
-      </dgm:t>
-    </dgm:pt>
-    <dgm:pt modelId="{897D5945-5F96-47C5-8CA4-7F49C213A74D}" type="sibTrans" cxnId="{1E2F30D8-84A0-4B57-8638-58B730181748}">
-      <dgm:prSet/>
-      <dgm:spPr/>
-      <dgm:t>
-        <a:bodyPr/>
-        <a:lstStyle/>
-        <a:p>
-          <a:endParaRPr lang="de-DE"/>
-        </a:p>
-      </dgm:t>
-    </dgm:pt>
-    <dgm:pt modelId="{2AA4B0DB-A272-484B-AEC9-82B5AAD172F4}" type="pres">
-      <dgm:prSet presAssocID="{BF028825-1603-4479-8B29-013DE9E3A599}" presName="Name0" presStyleCnt="0">
-        <dgm:presLayoutVars>
-          <dgm:dir/>
-          <dgm:animLvl val="lvl"/>
-          <dgm:resizeHandles val="exact"/>
-        </dgm:presLayoutVars>
-      </dgm:prSet>
-      <dgm:spPr/>
-    </dgm:pt>
-    <dgm:pt modelId="{9B089CB7-82AA-4FEA-A4F9-F64AC534E240}" type="pres">
-      <dgm:prSet presAssocID="{E661CD7A-2AA2-4DBE-A1DD-98A45F8D42A0}" presName="composite" presStyleCnt="0"/>
-      <dgm:spPr/>
-    </dgm:pt>
-    <dgm:pt modelId="{20634328-C849-40A6-9118-B99EE558F962}" type="pres">
-      <dgm:prSet presAssocID="{E661CD7A-2AA2-4DBE-A1DD-98A45F8D42A0}" presName="parTx" presStyleLbl="alignNode1" presStyleIdx="0" presStyleCnt="2">
-        <dgm:presLayoutVars>
-          <dgm:chMax val="0"/>
-          <dgm:chPref val="0"/>
-          <dgm:bulletEnabled val="1"/>
-        </dgm:presLayoutVars>
-      </dgm:prSet>
-      <dgm:spPr/>
-    </dgm:pt>
-    <dgm:pt modelId="{80330FD5-D3DA-461B-8B4A-10AB4B75028F}" type="pres">
-      <dgm:prSet presAssocID="{E661CD7A-2AA2-4DBE-A1DD-98A45F8D42A0}" presName="desTx" presStyleLbl="alignAccFollowNode1" presStyleIdx="0" presStyleCnt="2">
-        <dgm:presLayoutVars>
-          <dgm:bulletEnabled val="1"/>
-        </dgm:presLayoutVars>
-      </dgm:prSet>
-      <dgm:spPr/>
-    </dgm:pt>
-    <dgm:pt modelId="{AD64F5D1-835B-47D9-A847-3FF161A047BB}" type="pres">
-      <dgm:prSet presAssocID="{CB85B648-02A1-4F47-93FD-FF4C442F16D8}" presName="space" presStyleCnt="0"/>
-      <dgm:spPr/>
-    </dgm:pt>
-    <dgm:pt modelId="{58D58DA6-D8F6-4016-A95B-606491C8F32C}" type="pres">
-      <dgm:prSet presAssocID="{8DCDE0E8-818B-4951-9F8D-0D8CDB39B35F}" presName="composite" presStyleCnt="0"/>
-      <dgm:spPr/>
-    </dgm:pt>
-    <dgm:pt modelId="{2DF49EDC-C3EC-4A6F-8E23-E8B219C686FE}" type="pres">
-      <dgm:prSet presAssocID="{8DCDE0E8-818B-4951-9F8D-0D8CDB39B35F}" presName="parTx" presStyleLbl="alignNode1" presStyleIdx="1" presStyleCnt="2">
-        <dgm:presLayoutVars>
-          <dgm:chMax val="0"/>
-          <dgm:chPref val="0"/>
-          <dgm:bulletEnabled val="1"/>
-        </dgm:presLayoutVars>
-      </dgm:prSet>
-      <dgm:spPr/>
-    </dgm:pt>
-    <dgm:pt modelId="{12C961DF-9DFB-41A4-AF53-0ACF40F3D72B}" type="pres">
-      <dgm:prSet presAssocID="{8DCDE0E8-818B-4951-9F8D-0D8CDB39B35F}" presName="desTx" presStyleLbl="alignAccFollowNode1" presStyleIdx="1" presStyleCnt="2">
-        <dgm:presLayoutVars>
-          <dgm:bulletEnabled val="1"/>
-        </dgm:presLayoutVars>
-      </dgm:prSet>
-      <dgm:spPr/>
-    </dgm:pt>
-  </dgm:ptLst>
-  <dgm:cxnLst>
-    <dgm:cxn modelId="{BC24BA0B-167F-47EE-807D-64ED45749767}" type="presOf" srcId="{78DB9F23-4C97-4711-A9E9-D5596BA1343D}" destId="{12C961DF-9DFB-41A4-AF53-0ACF40F3D72B}" srcOrd="0" destOrd="2" presId="urn:microsoft.com/office/officeart/2005/8/layout/hList1"/>
-    <dgm:cxn modelId="{DE4DB51B-9D0C-4E44-884B-DAB44FCD7C9B}" srcId="{8DCDE0E8-818B-4951-9F8D-0D8CDB39B35F}" destId="{CF63D83E-B073-40AA-B10A-892F47EC9752}" srcOrd="1" destOrd="0" parTransId="{45CA8B0A-1C76-4979-988A-19484F9F7CC7}" sibTransId="{5EF72CDE-5632-41C9-AC89-CE6E3055C475}"/>
-    <dgm:cxn modelId="{4A67761F-0D52-4BA0-BC6F-263C54286330}" type="presOf" srcId="{24DB93D4-32E7-4EC4-977D-4C8FABEE8BA8}" destId="{80330FD5-D3DA-461B-8B4A-10AB4B75028F}" srcOrd="0" destOrd="0" presId="urn:microsoft.com/office/officeart/2005/8/layout/hList1"/>
-    <dgm:cxn modelId="{58017139-DF5D-4FF5-9214-F6E3957EA407}" type="presOf" srcId="{E661CD7A-2AA2-4DBE-A1DD-98A45F8D42A0}" destId="{20634328-C849-40A6-9118-B99EE558F962}" srcOrd="0" destOrd="0" presId="urn:microsoft.com/office/officeart/2005/8/layout/hList1"/>
-    <dgm:cxn modelId="{23C91C44-C3BC-4B24-A906-2604201BB98F}" type="presOf" srcId="{DA1D8C71-0B4C-4B83-AFD3-F1E8878A53F4}" destId="{80330FD5-D3DA-461B-8B4A-10AB4B75028F}" srcOrd="0" destOrd="2" presId="urn:microsoft.com/office/officeart/2005/8/layout/hList1"/>
-    <dgm:cxn modelId="{6519EF44-3C65-433C-9925-83034B6EBD38}" srcId="{E661CD7A-2AA2-4DBE-A1DD-98A45F8D42A0}" destId="{24DB93D4-32E7-4EC4-977D-4C8FABEE8BA8}" srcOrd="0" destOrd="0" parTransId="{B03DD11F-B73F-4602-AAEA-B3B1480D338B}" sibTransId="{78A018CC-299A-4AC5-ACCD-4AAC61688CCA}"/>
-    <dgm:cxn modelId="{5EACFD66-1FF3-4EE3-A08A-F8BE6B48665D}" srcId="{E661CD7A-2AA2-4DBE-A1DD-98A45F8D42A0}" destId="{3F7A0AB7-328E-415E-BD61-9EAFAC179E87}" srcOrd="3" destOrd="0" parTransId="{D67B8686-F266-4290-8A8C-F2A7ECA245D0}" sibTransId="{0483F477-0310-44D2-B124-131E825DA334}"/>
-    <dgm:cxn modelId="{8FB32D6A-FC66-4DEB-B691-9C3B307B8DD2}" type="presOf" srcId="{8DCDE0E8-818B-4951-9F8D-0D8CDB39B35F}" destId="{2DF49EDC-C3EC-4A6F-8E23-E8B219C686FE}" srcOrd="0" destOrd="0" presId="urn:microsoft.com/office/officeart/2005/8/layout/hList1"/>
-    <dgm:cxn modelId="{82D7D84F-50D5-44CE-A18C-DE4D1B28CB4C}" srcId="{8DCDE0E8-818B-4951-9F8D-0D8CDB39B35F}" destId="{808D7F6F-E53E-4CBD-920A-D6AAFCD0C52D}" srcOrd="0" destOrd="0" parTransId="{8FC3B8B8-6937-41CB-8A21-5FD3457366BD}" sibTransId="{F74C347C-2F29-4C05-983D-57761BBA25A3}"/>
-    <dgm:cxn modelId="{3E33A370-6BB1-466E-AF23-CAD1358D8FA6}" type="presOf" srcId="{808D7F6F-E53E-4CBD-920A-D6AAFCD0C52D}" destId="{12C961DF-9DFB-41A4-AF53-0ACF40F3D72B}" srcOrd="0" destOrd="0" presId="urn:microsoft.com/office/officeart/2005/8/layout/hList1"/>
-    <dgm:cxn modelId="{E6F50B56-0C22-4563-A5AA-8F86618D770F}" type="presOf" srcId="{30FBD026-E1A7-4244-B724-D7813BC696AA}" destId="{80330FD5-D3DA-461B-8B4A-10AB4B75028F}" srcOrd="0" destOrd="1" presId="urn:microsoft.com/office/officeart/2005/8/layout/hList1"/>
-    <dgm:cxn modelId="{D1FAFC58-FBB6-432D-BCBB-0FEAB258A3B3}" type="presOf" srcId="{3F7A0AB7-328E-415E-BD61-9EAFAC179E87}" destId="{80330FD5-D3DA-461B-8B4A-10AB4B75028F}" srcOrd="0" destOrd="3" presId="urn:microsoft.com/office/officeart/2005/8/layout/hList1"/>
-    <dgm:cxn modelId="{BD02617F-9689-4A51-A831-F9C0BC54ACF9}" srcId="{E661CD7A-2AA2-4DBE-A1DD-98A45F8D42A0}" destId="{DA1D8C71-0B4C-4B83-AFD3-F1E8878A53F4}" srcOrd="2" destOrd="0" parTransId="{0C665848-1130-4450-8E07-7E6189D94DD9}" sibTransId="{120B541C-12B1-4703-B3B0-7EF743E3D80F}"/>
-    <dgm:cxn modelId="{A0DE8988-DA6F-48A2-9D3D-2BD10CD2A3E3}" srcId="{E661CD7A-2AA2-4DBE-A1DD-98A45F8D42A0}" destId="{30FBD026-E1A7-4244-B724-D7813BC696AA}" srcOrd="1" destOrd="0" parTransId="{36980551-E475-405A-A698-A2819002C0E3}" sibTransId="{84A4E0FA-A986-422D-8ED0-A67EC3F6F7A9}"/>
-    <dgm:cxn modelId="{CB563F89-6507-4F4A-BA5C-CC42A94225CC}" srcId="{BF028825-1603-4479-8B29-013DE9E3A599}" destId="{8DCDE0E8-818B-4951-9F8D-0D8CDB39B35F}" srcOrd="1" destOrd="0" parTransId="{694407B1-9DEB-46AC-A631-54BE8BF48041}" sibTransId="{1B71D366-C8B1-4093-942E-AA492CD124A2}"/>
-    <dgm:cxn modelId="{A3EDEAC5-E61D-4D9A-A7DB-9A3B5B42639F}" type="presOf" srcId="{BF028825-1603-4479-8B29-013DE9E3A599}" destId="{2AA4B0DB-A272-484B-AEC9-82B5AAD172F4}" srcOrd="0" destOrd="0" presId="urn:microsoft.com/office/officeart/2005/8/layout/hList1"/>
-    <dgm:cxn modelId="{620727C9-ADB7-4F37-A72F-9B5DAEE5644F}" srcId="{BF028825-1603-4479-8B29-013DE9E3A599}" destId="{E661CD7A-2AA2-4DBE-A1DD-98A45F8D42A0}" srcOrd="0" destOrd="0" parTransId="{BB496711-B28D-4D8D-892C-A21C3A4EAE35}" sibTransId="{CB85B648-02A1-4F47-93FD-FF4C442F16D8}"/>
-    <dgm:cxn modelId="{1E2F30D8-84A0-4B57-8638-58B730181748}" srcId="{8DCDE0E8-818B-4951-9F8D-0D8CDB39B35F}" destId="{78DB9F23-4C97-4711-A9E9-D5596BA1343D}" srcOrd="2" destOrd="0" parTransId="{66F67BE7-F439-4527-9365-0584AD75F4B9}" sibTransId="{897D5945-5F96-47C5-8CA4-7F49C213A74D}"/>
-    <dgm:cxn modelId="{0930A7F7-37AD-45EB-8EE6-D8353781F381}" type="presOf" srcId="{CF63D83E-B073-40AA-B10A-892F47EC9752}" destId="{12C961DF-9DFB-41A4-AF53-0ACF40F3D72B}" srcOrd="0" destOrd="1" presId="urn:microsoft.com/office/officeart/2005/8/layout/hList1"/>
-    <dgm:cxn modelId="{A880F8E6-043D-411A-99D5-8B6AB267C2C1}" type="presParOf" srcId="{2AA4B0DB-A272-484B-AEC9-82B5AAD172F4}" destId="{9B089CB7-82AA-4FEA-A4F9-F64AC534E240}" srcOrd="0" destOrd="0" presId="urn:microsoft.com/office/officeart/2005/8/layout/hList1"/>
-    <dgm:cxn modelId="{FE653A71-B637-4906-8286-0850269BBA12}" type="presParOf" srcId="{9B089CB7-82AA-4FEA-A4F9-F64AC534E240}" destId="{20634328-C849-40A6-9118-B99EE558F962}" srcOrd="0" destOrd="0" presId="urn:microsoft.com/office/officeart/2005/8/layout/hList1"/>
-    <dgm:cxn modelId="{17BAACA1-4FEE-4E8B-AE7E-01E63D49E97C}" type="presParOf" srcId="{9B089CB7-82AA-4FEA-A4F9-F64AC534E240}" destId="{80330FD5-D3DA-461B-8B4A-10AB4B75028F}" srcOrd="1" destOrd="0" presId="urn:microsoft.com/office/officeart/2005/8/layout/hList1"/>
-    <dgm:cxn modelId="{3BFB2BDF-573C-4803-A9E6-804E19FCDB5F}" type="presParOf" srcId="{2AA4B0DB-A272-484B-AEC9-82B5AAD172F4}" destId="{AD64F5D1-835B-47D9-A847-3FF161A047BB}" srcOrd="1" destOrd="0" presId="urn:microsoft.com/office/officeart/2005/8/layout/hList1"/>
-    <dgm:cxn modelId="{25520433-4F9E-4299-80E8-60E19D1FBEFD}" type="presParOf" srcId="{2AA4B0DB-A272-484B-AEC9-82B5AAD172F4}" destId="{58D58DA6-D8F6-4016-A95B-606491C8F32C}" srcOrd="2" destOrd="0" presId="urn:microsoft.com/office/officeart/2005/8/layout/hList1"/>
-    <dgm:cxn modelId="{89A0D112-A47D-4E65-9850-CF143F48ACC9}" type="presParOf" srcId="{58D58DA6-D8F6-4016-A95B-606491C8F32C}" destId="{2DF49EDC-C3EC-4A6F-8E23-E8B219C686FE}" srcOrd="0" destOrd="0" presId="urn:microsoft.com/office/officeart/2005/8/layout/hList1"/>
-    <dgm:cxn modelId="{3C254582-0F76-407D-A33A-096DA3728571}" type="presParOf" srcId="{58D58DA6-D8F6-4016-A95B-606491C8F32C}" destId="{12C961DF-9DFB-41A4-AF53-0ACF40F3D72B}" srcOrd="1" destOrd="0" presId="urn:microsoft.com/office/officeart/2005/8/layout/hList1"/>
-  </dgm:cxnLst>
-  <dgm:bg/>
-  <dgm:whole/>
-  <dgm:extLst>
-    <a:ext uri="http://schemas.microsoft.com/office/drawing/2008/diagram">
-      <dsp:dataModelExt xmlns:dsp="http://schemas.microsoft.com/office/drawing/2008/diagram" relId="rId6" minVer="http://schemas.openxmlformats.org/drawingml/2006/diagram"/>
-    </a:ext>
-  </dgm:extLst>
-</dgm:dataModel>
-</file>
-
-<file path=ppt/diagrams/drawing1.xml><?xml version="1.0" encoding="utf-8"?>
-<dsp:drawing xmlns:dgm="http://schemas.openxmlformats.org/drawingml/2006/diagram" xmlns:dsp="http://schemas.microsoft.com/office/drawing/2008/diagram" xmlns:a="http://schemas.openxmlformats.org/drawingml/2006/main">
-  <dsp:spTree>
-    <dsp:nvGrpSpPr>
-      <dsp:cNvPr id="0" name=""/>
-      <dsp:cNvGrpSpPr/>
-    </dsp:nvGrpSpPr>
-    <dsp:grpSpPr/>
-    <dsp:sp modelId="{20634328-C849-40A6-9118-B99EE558F962}">
-      <dsp:nvSpPr>
-        <dsp:cNvPr id="0" name=""/>
-        <dsp:cNvSpPr/>
-      </dsp:nvSpPr>
-      <dsp:spPr>
-        <a:xfrm>
-          <a:off x="39" y="22643"/>
-          <a:ext cx="3768187" cy="1065600"/>
-        </a:xfrm>
-        <a:prstGeom prst="rect">
-          <a:avLst/>
-        </a:prstGeom>
-        <a:solidFill>
-          <a:schemeClr val="dk2">
-            <a:hueOff val="0"/>
-            <a:satOff val="0"/>
-            <a:lumOff val="0"/>
-            <a:alphaOff val="0"/>
-          </a:schemeClr>
-        </a:solidFill>
-        <a:ln w="25400" cap="flat" cmpd="sng" algn="ctr">
-          <a:solidFill>
-            <a:schemeClr val="dk2">
-              <a:hueOff val="0"/>
-              <a:satOff val="0"/>
-              <a:lumOff val="0"/>
-              <a:alphaOff val="0"/>
-            </a:schemeClr>
-          </a:solidFill>
-          <a:prstDash val="solid"/>
-        </a:ln>
-        <a:effectLst/>
-      </dsp:spPr>
-      <dsp:style>
-        <a:lnRef idx="2">
-          <a:scrgbClr r="0" g="0" b="0"/>
-        </a:lnRef>
-        <a:fillRef idx="1">
-          <a:scrgbClr r="0" g="0" b="0"/>
-        </a:fillRef>
-        <a:effectRef idx="0">
-          <a:scrgbClr r="0" g="0" b="0"/>
-        </a:effectRef>
-        <a:fontRef idx="minor">
-          <a:schemeClr val="lt1"/>
-        </a:fontRef>
-      </dsp:style>
-      <dsp:txBody>
-        <a:bodyPr spcFirstLastPara="0" vert="horz" wrap="square" lIns="213360" tIns="121920" rIns="213360" bIns="121920" numCol="1" spcCol="1270" anchor="ctr" anchorCtr="0">
-          <a:noAutofit/>
-        </a:bodyPr>
-        <a:lstStyle/>
-        <a:p>
-          <a:pPr marL="0" lvl="0" indent="0" algn="ctr" defTabSz="1333500">
-            <a:lnSpc>
-              <a:spcPct val="90000"/>
-            </a:lnSpc>
-            <a:spcBef>
-              <a:spcPct val="0"/>
-            </a:spcBef>
-            <a:spcAft>
-              <a:spcPct val="35000"/>
-            </a:spcAft>
-            <a:buNone/>
-          </a:pPr>
-          <a:r>
-            <a:rPr lang="de-DE" sz="3000" kern="1200" dirty="0" err="1"/>
-            <a:t>Transactional</a:t>
-          </a:r>
-          <a:r>
-            <a:rPr lang="de-DE" sz="3000" kern="1200" dirty="0"/>
-            <a:t> Processing (OLTP)</a:t>
-          </a:r>
-        </a:p>
-      </dsp:txBody>
-      <dsp:txXfrm>
-        <a:off x="39" y="22643"/>
-        <a:ext cx="3768187" cy="1065600"/>
-      </dsp:txXfrm>
-    </dsp:sp>
-    <dsp:sp modelId="{80330FD5-D3DA-461B-8B4A-10AB4B75028F}">
-      <dsp:nvSpPr>
-        <dsp:cNvPr id="0" name=""/>
-        <dsp:cNvSpPr/>
-      </dsp:nvSpPr>
-      <dsp:spPr>
-        <a:xfrm>
-          <a:off x="39" y="1088244"/>
-          <a:ext cx="3768187" cy="1625040"/>
-        </a:xfrm>
-        <a:prstGeom prst="rect">
-          <a:avLst/>
-        </a:prstGeom>
-        <a:solidFill>
-          <a:schemeClr val="dk2">
-            <a:alpha val="90000"/>
-            <a:tint val="40000"/>
-            <a:hueOff val="0"/>
-            <a:satOff val="0"/>
-            <a:lumOff val="0"/>
-            <a:alphaOff val="0"/>
-          </a:schemeClr>
-        </a:solidFill>
-        <a:ln w="25400" cap="flat" cmpd="sng" algn="ctr">
-          <a:solidFill>
-            <a:schemeClr val="dk2">
-              <a:alpha val="90000"/>
-              <a:tint val="40000"/>
-              <a:hueOff val="0"/>
-              <a:satOff val="0"/>
-              <a:lumOff val="0"/>
-              <a:alphaOff val="0"/>
-            </a:schemeClr>
-          </a:solidFill>
-          <a:prstDash val="solid"/>
-        </a:ln>
-        <a:effectLst/>
-      </dsp:spPr>
-      <dsp:style>
-        <a:lnRef idx="2">
-          <a:scrgbClr r="0" g="0" b="0"/>
-        </a:lnRef>
-        <a:fillRef idx="1">
-          <a:scrgbClr r="0" g="0" b="0"/>
-        </a:fillRef>
-        <a:effectRef idx="0">
-          <a:scrgbClr r="0" g="0" b="0"/>
-        </a:effectRef>
-        <a:fontRef idx="minor"/>
-      </dsp:style>
-      <dsp:txBody>
-        <a:bodyPr spcFirstLastPara="0" vert="horz" wrap="square" lIns="85344" tIns="85344" rIns="113792" bIns="128016" numCol="1" spcCol="1270" anchor="t" anchorCtr="0">
-          <a:noAutofit/>
-        </a:bodyPr>
-        <a:lstStyle/>
-        <a:p>
-          <a:pPr marL="171450" lvl="1" indent="-171450" algn="l" defTabSz="711200">
-            <a:lnSpc>
-              <a:spcPct val="90000"/>
-            </a:lnSpc>
-            <a:spcBef>
-              <a:spcPct val="0"/>
-            </a:spcBef>
-            <a:spcAft>
-              <a:spcPct val="15000"/>
-            </a:spcAft>
-            <a:buChar char="•"/>
-          </a:pPr>
-          <a:r>
-            <a:rPr lang="de-DE" sz="1600" b="0" kern="1200" dirty="0"/>
-            <a:t>ERP, CRM, Web-</a:t>
-          </a:r>
-          <a:r>
-            <a:rPr lang="de-DE" sz="1600" b="0" kern="1200" dirty="0" err="1"/>
-            <a:t>based</a:t>
-          </a:r>
-          <a:r>
-            <a:rPr lang="de-DE" sz="1600" b="0" kern="1200" dirty="0"/>
-            <a:t> </a:t>
-          </a:r>
-          <a:r>
-            <a:rPr lang="de-DE" sz="1600" b="0" kern="1200" dirty="0" err="1"/>
-            <a:t>Application</a:t>
-          </a:r>
-          <a:endParaRPr lang="de-DE" sz="1600" b="0" kern="1200" dirty="0"/>
-        </a:p>
-        <a:p>
-          <a:pPr marL="171450" lvl="1" indent="-171450" algn="l" defTabSz="711200">
-            <a:lnSpc>
-              <a:spcPct val="90000"/>
-            </a:lnSpc>
-            <a:spcBef>
-              <a:spcPct val="0"/>
-            </a:spcBef>
-            <a:spcAft>
-              <a:spcPct val="15000"/>
-            </a:spcAft>
-            <a:buChar char="•"/>
-          </a:pPr>
-          <a:r>
-            <a:rPr lang="de-DE" sz="1600" b="0" kern="1200" dirty="0"/>
-            <a:t>Rapid</a:t>
-          </a:r>
-        </a:p>
-        <a:p>
-          <a:pPr marL="171450" lvl="1" indent="-171450" algn="l" defTabSz="711200">
-            <a:lnSpc>
-              <a:spcPct val="90000"/>
-            </a:lnSpc>
-            <a:spcBef>
-              <a:spcPct val="0"/>
-            </a:spcBef>
-            <a:spcAft>
-              <a:spcPct val="15000"/>
-            </a:spcAft>
-            <a:buChar char="•"/>
-          </a:pPr>
-          <a:r>
-            <a:rPr lang="de-DE" sz="1600" b="0" kern="1200" dirty="0"/>
-            <a:t>Multiple Services </a:t>
-          </a:r>
-          <a:r>
-            <a:rPr lang="de-DE" sz="1600" b="0" kern="1200" dirty="0" err="1"/>
-            <a:t>connected</a:t>
-          </a:r>
-          <a:r>
-            <a:rPr lang="de-DE" sz="1600" b="0" kern="1200" dirty="0"/>
-            <a:t> </a:t>
-          </a:r>
-        </a:p>
-        <a:p>
-          <a:pPr marL="171450" lvl="1" indent="-171450" algn="l" defTabSz="711200">
-            <a:lnSpc>
-              <a:spcPct val="90000"/>
-            </a:lnSpc>
-            <a:spcBef>
-              <a:spcPct val="0"/>
-            </a:spcBef>
-            <a:spcAft>
-              <a:spcPct val="15000"/>
-            </a:spcAft>
-            <a:buChar char="•"/>
-          </a:pPr>
-          <a:endParaRPr lang="de-DE" sz="1600" b="1" kern="1200" dirty="0"/>
-        </a:p>
-      </dsp:txBody>
-      <dsp:txXfrm>
-        <a:off x="39" y="1088244"/>
-        <a:ext cx="3768187" cy="1625040"/>
-      </dsp:txXfrm>
-    </dsp:sp>
-    <dsp:sp modelId="{2DF49EDC-C3EC-4A6F-8E23-E8B219C686FE}">
-      <dsp:nvSpPr>
-        <dsp:cNvPr id="0" name=""/>
-        <dsp:cNvSpPr/>
-      </dsp:nvSpPr>
-      <dsp:spPr>
-        <a:xfrm>
-          <a:off x="4295773" y="22643"/>
-          <a:ext cx="3768187" cy="1065600"/>
-        </a:xfrm>
-        <a:prstGeom prst="rect">
-          <a:avLst/>
-        </a:prstGeom>
-        <a:solidFill>
-          <a:schemeClr val="dk2">
-            <a:hueOff val="0"/>
-            <a:satOff val="0"/>
-            <a:lumOff val="0"/>
-            <a:alphaOff val="0"/>
-          </a:schemeClr>
-        </a:solidFill>
-        <a:ln w="25400" cap="flat" cmpd="sng" algn="ctr">
-          <a:solidFill>
-            <a:schemeClr val="dk2">
-              <a:hueOff val="0"/>
-              <a:satOff val="0"/>
-              <a:lumOff val="0"/>
-              <a:alphaOff val="0"/>
-            </a:schemeClr>
-          </a:solidFill>
-          <a:prstDash val="solid"/>
-        </a:ln>
-        <a:effectLst/>
-      </dsp:spPr>
-      <dsp:style>
-        <a:lnRef idx="2">
-          <a:scrgbClr r="0" g="0" b="0"/>
-        </a:lnRef>
-        <a:fillRef idx="1">
-          <a:scrgbClr r="0" g="0" b="0"/>
-        </a:fillRef>
-        <a:effectRef idx="0">
-          <a:scrgbClr r="0" g="0" b="0"/>
-        </a:effectRef>
-        <a:fontRef idx="minor">
-          <a:schemeClr val="lt1"/>
-        </a:fontRef>
-      </dsp:style>
-      <dsp:txBody>
-        <a:bodyPr spcFirstLastPara="0" vert="horz" wrap="square" lIns="213360" tIns="121920" rIns="213360" bIns="121920" numCol="1" spcCol="1270" anchor="ctr" anchorCtr="0">
-          <a:noAutofit/>
-        </a:bodyPr>
-        <a:lstStyle/>
-        <a:p>
-          <a:pPr marL="0" lvl="0" indent="0" algn="ctr" defTabSz="1333500">
-            <a:lnSpc>
-              <a:spcPct val="90000"/>
-            </a:lnSpc>
-            <a:spcBef>
-              <a:spcPct val="0"/>
-            </a:spcBef>
-            <a:spcAft>
-              <a:spcPct val="35000"/>
-            </a:spcAft>
-            <a:buNone/>
-          </a:pPr>
-          <a:r>
-            <a:rPr lang="de-DE" sz="3000" kern="1200" dirty="0"/>
-            <a:t>Analytical Processing (OLAP)</a:t>
-          </a:r>
-        </a:p>
-      </dsp:txBody>
-      <dsp:txXfrm>
-        <a:off x="4295773" y="22643"/>
-        <a:ext cx="3768187" cy="1065600"/>
-      </dsp:txXfrm>
-    </dsp:sp>
-    <dsp:sp modelId="{12C961DF-9DFB-41A4-AF53-0ACF40F3D72B}">
-      <dsp:nvSpPr>
-        <dsp:cNvPr id="0" name=""/>
-        <dsp:cNvSpPr/>
-      </dsp:nvSpPr>
-      <dsp:spPr>
-        <a:xfrm>
-          <a:off x="4295773" y="1088244"/>
-          <a:ext cx="3768187" cy="1625040"/>
-        </a:xfrm>
-        <a:prstGeom prst="rect">
-          <a:avLst/>
-        </a:prstGeom>
-        <a:solidFill>
-          <a:schemeClr val="dk2">
-            <a:alpha val="90000"/>
-            <a:tint val="40000"/>
-            <a:hueOff val="0"/>
-            <a:satOff val="0"/>
-            <a:lumOff val="0"/>
-            <a:alphaOff val="0"/>
-          </a:schemeClr>
-        </a:solidFill>
-        <a:ln w="25400" cap="flat" cmpd="sng" algn="ctr">
-          <a:solidFill>
-            <a:schemeClr val="dk2">
-              <a:alpha val="90000"/>
-              <a:tint val="40000"/>
-              <a:hueOff val="0"/>
-              <a:satOff val="0"/>
-              <a:lumOff val="0"/>
-              <a:alphaOff val="0"/>
-            </a:schemeClr>
-          </a:solidFill>
-          <a:prstDash val="solid"/>
-        </a:ln>
-        <a:effectLst/>
-      </dsp:spPr>
-      <dsp:style>
-        <a:lnRef idx="2">
-          <a:scrgbClr r="0" g="0" b="0"/>
-        </a:lnRef>
-        <a:fillRef idx="1">
-          <a:scrgbClr r="0" g="0" b="0"/>
-        </a:fillRef>
-        <a:effectRef idx="0">
-          <a:scrgbClr r="0" g="0" b="0"/>
-        </a:effectRef>
-        <a:fontRef idx="minor"/>
-      </dsp:style>
-      <dsp:txBody>
-        <a:bodyPr spcFirstLastPara="0" vert="horz" wrap="square" lIns="85344" tIns="85344" rIns="113792" bIns="128016" numCol="1" spcCol="1270" anchor="t" anchorCtr="0">
-          <a:noAutofit/>
-        </a:bodyPr>
-        <a:lstStyle/>
-        <a:p>
-          <a:pPr marL="171450" lvl="1" indent="-171450" algn="l" defTabSz="711200">
-            <a:lnSpc>
-              <a:spcPct val="90000"/>
-            </a:lnSpc>
-            <a:spcBef>
-              <a:spcPct val="0"/>
-            </a:spcBef>
-            <a:spcAft>
-              <a:spcPct val="15000"/>
-            </a:spcAft>
-            <a:buChar char="•"/>
-          </a:pPr>
-          <a:r>
-            <a:rPr lang="de-DE" sz="1600" b="0" kern="1200" dirty="0" err="1"/>
-            <a:t>Stored</a:t>
-          </a:r>
-          <a:r>
-            <a:rPr lang="de-DE" sz="1600" b="0" kern="1200" dirty="0"/>
-            <a:t> </a:t>
-          </a:r>
-          <a:r>
-            <a:rPr lang="de-DE" sz="1600" b="0" kern="1200" dirty="0" err="1"/>
-            <a:t>transactional</a:t>
-          </a:r>
-          <a:r>
-            <a:rPr lang="de-DE" sz="1600" b="0" kern="1200" dirty="0"/>
-            <a:t> </a:t>
-          </a:r>
-          <a:r>
-            <a:rPr lang="de-DE" sz="1600" b="0" kern="1200" dirty="0" err="1"/>
-            <a:t>databases</a:t>
-          </a:r>
-          <a:endParaRPr lang="de-DE" sz="1600" b="0" kern="1200" dirty="0"/>
-        </a:p>
-        <a:p>
-          <a:pPr marL="171450" lvl="1" indent="-171450" algn="l" defTabSz="711200">
-            <a:lnSpc>
-              <a:spcPct val="90000"/>
-            </a:lnSpc>
-            <a:spcBef>
-              <a:spcPct val="0"/>
-            </a:spcBef>
-            <a:spcAft>
-              <a:spcPct val="15000"/>
-            </a:spcAft>
-            <a:buChar char="•"/>
-          </a:pPr>
-          <a:r>
-            <a:rPr lang="de-DE" sz="1600" b="0" kern="1200" dirty="0"/>
-            <a:t>Databases </a:t>
-          </a:r>
-          <a:r>
-            <a:rPr lang="de-DE" sz="1600" b="0" kern="1200" dirty="0" err="1"/>
-            <a:t>disconnected</a:t>
-          </a:r>
-          <a:endParaRPr lang="de-DE" sz="1600" b="0" kern="1200" dirty="0"/>
-        </a:p>
-        <a:p>
-          <a:pPr marL="171450" lvl="1" indent="-171450" algn="l" defTabSz="711200">
-            <a:lnSpc>
-              <a:spcPct val="90000"/>
-            </a:lnSpc>
-            <a:spcBef>
-              <a:spcPct val="0"/>
-            </a:spcBef>
-            <a:spcAft>
-              <a:spcPct val="15000"/>
-            </a:spcAft>
-            <a:buChar char="•"/>
-          </a:pPr>
-          <a:r>
-            <a:rPr lang="de-DE" sz="1600" b="0" kern="1200" dirty="0"/>
-            <a:t> </a:t>
-          </a:r>
-        </a:p>
-      </dsp:txBody>
-      <dsp:txXfrm>
-        <a:off x="4295773" y="1088244"/>
-        <a:ext cx="3768187" cy="1625040"/>
-      </dsp:txXfrm>
-    </dsp:sp>
-  </dsp:spTree>
-</dsp:drawing>
-</file>
-
-<file path=ppt/diagrams/layout1.xml><?xml version="1.0" encoding="utf-8"?>
-<dgm:layoutDef xmlns:dgm="http://schemas.openxmlformats.org/drawingml/2006/diagram" xmlns:a="http://schemas.openxmlformats.org/drawingml/2006/main" uniqueId="urn:microsoft.com/office/officeart/2005/8/layout/hList1">
-  <dgm:title val=""/>
-  <dgm:desc val=""/>
-  <dgm:catLst>
-    <dgm:cat type="list" pri="5000"/>
-    <dgm:cat type="convert" pri="5000"/>
-  </dgm:catLst>
-  <dgm:sampData>
-    <dgm:dataModel>
-      <dgm:ptLst>
-        <dgm:pt modelId="0" type="doc"/>
-        <dgm:pt modelId="1">
-          <dgm:prSet phldr="1"/>
-        </dgm:pt>
-        <dgm:pt modelId="11">
-          <dgm:prSet phldr="1"/>
-        </dgm:pt>
-        <dgm:pt modelId="12">
-          <dgm:prSet phldr="1"/>
-        </dgm:pt>
-        <dgm:pt modelId="2">
-          <dgm:prSet phldr="1"/>
-        </dgm:pt>
-        <dgm:pt modelId="21">
-          <dgm:prSet phldr="1"/>
-        </dgm:pt>
-        <dgm:pt modelId="22">
-          <dgm:prSet phldr="1"/>
-        </dgm:pt>
-        <dgm:pt modelId="3">
-          <dgm:prSet phldr="1"/>
-        </dgm:pt>
-        <dgm:pt modelId="31">
-          <dgm:prSet phldr="1"/>
-        </dgm:pt>
-        <dgm:pt modelId="32">
-          <dgm:prSet phldr="1"/>
-        </dgm:pt>
-      </dgm:ptLst>
-      <dgm:cxnLst>
-        <dgm:cxn modelId="4" srcId="0" destId="1" srcOrd="0" destOrd="0"/>
-        <dgm:cxn modelId="5" srcId="0" destId="2" srcOrd="1" destOrd="0"/>
-        <dgm:cxn modelId="6" srcId="0" destId="3" srcOrd="2" destOrd="0"/>
-        <dgm:cxn modelId="13" srcId="1" destId="11" srcOrd="0" destOrd="0"/>
-        <dgm:cxn modelId="14" srcId="1" destId="12" srcOrd="1" destOrd="0"/>
-        <dgm:cxn modelId="23" srcId="2" destId="21" srcOrd="0" destOrd="0"/>
-        <dgm:cxn modelId="24" srcId="2" destId="22" srcOrd="1" destOrd="0"/>
-        <dgm:cxn modelId="33" srcId="3" destId="31" srcOrd="0" destOrd="0"/>
-        <dgm:cxn modelId="34" srcId="3" destId="32" srcOrd="1" destOrd="0"/>
-      </dgm:cxnLst>
-      <dgm:bg/>
-      <dgm:whole/>
-    </dgm:dataModel>
-  </dgm:sampData>
-  <dgm:styleData>
-    <dgm:dataModel>
-      <dgm:ptLst>
-        <dgm:pt modelId="0" type="doc"/>
-        <dgm:pt modelId="1">
-          <dgm:prSet phldr="1"/>
-        </dgm:pt>
-        <dgm:pt modelId="2">
-          <dgm:prSet phldr="1"/>
-        </dgm:pt>
-      </dgm:ptLst>
-      <dgm:cxnLst>
-        <dgm:cxn modelId="3" srcId="0" destId="1" srcOrd="0" destOrd="0"/>
-        <dgm:cxn modelId="4" srcId="0" destId="2" srcOrd="1" destOrd="0"/>
-      </dgm:cxnLst>
-      <dgm:bg/>
-      <dgm:whole/>
-    </dgm:dataModel>
-  </dgm:styleData>
-  <dgm:clrData>
-    <dgm:dataModel>
-      <dgm:ptLst>
-        <dgm:pt modelId="0" type="doc"/>
-        <dgm:pt modelId="1">
-          <dgm:prSet phldr="1"/>
-        </dgm:pt>
-        <dgm:pt modelId="2">
-          <dgm:prSet phldr="1"/>
-        </dgm:pt>
-        <dgm:pt modelId="3">
-          <dgm:prSet phldr="1"/>
-        </dgm:pt>
-        <dgm:pt modelId="4">
-          <dgm:prSet phldr="1"/>
-        </dgm:pt>
-      </dgm:ptLst>
-      <dgm:cxnLst>
-        <dgm:cxn modelId="5" srcId="0" destId="1" srcOrd="0" destOrd="0"/>
-        <dgm:cxn modelId="6" srcId="0" destId="2" srcOrd="1" destOrd="0"/>
-        <dgm:cxn modelId="7" srcId="0" destId="3" srcOrd="2" destOrd="0"/>
-        <dgm:cxn modelId="8" srcId="0" destId="4" srcOrd="3" destOrd="0"/>
-      </dgm:cxnLst>
-      <dgm:bg/>
-      <dgm:whole/>
-    </dgm:dataModel>
-  </dgm:clrData>
-  <dgm:layoutNode name="Name0">
-    <dgm:varLst>
-      <dgm:dir/>
-      <dgm:animLvl val="lvl"/>
-      <dgm:resizeHandles val="exact"/>
-    </dgm:varLst>
-    <dgm:choose name="Name1">
-      <dgm:if name="Name2" func="var" arg="dir" op="equ" val="norm">
-        <dgm:alg type="lin"/>
-      </dgm:if>
-      <dgm:else name="Name3">
-        <dgm:alg type="lin">
-          <dgm:param type="linDir" val="fromR"/>
-        </dgm:alg>
-      </dgm:else>
-    </dgm:choose>
-    <dgm:shape xmlns:r="http://schemas.openxmlformats.org/officeDocument/2006/relationships" r:blip="">
-      <dgm:adjLst/>
-    </dgm:shape>
-    <dgm:presOf/>
-    <dgm:constrLst>
-      <dgm:constr type="h" for="ch" forName="composite" refType="h"/>
-      <dgm:constr type="w" for="ch" forName="composite" refType="w"/>
-      <dgm:constr type="w" for="des" forName="parTx"/>
-      <dgm:constr type="h" for="des" forName="parTx" op="equ"/>
-      <dgm:constr type="w" for="des" forName="desTx"/>
-      <dgm:constr type="h" for="des" forName="desTx" op="equ"/>
-      <dgm:constr type="primFontSz" for="des" forName="parTx" val="65"/>
-      <dgm:constr type="secFontSz" for="des" forName="desTx" refType="primFontSz" refFor="des" refForName="parTx" op="equ"/>
-      <dgm:constr type="h" for="des" forName="parTx" refType="primFontSz" refFor="des" refForName="parTx" fact="0.8"/>
-      <dgm:constr type="h" for="des" forName="desTx" refType="primFontSz" refFor="des" refForName="parTx" fact="1.22"/>
-      <dgm:constr type="w" for="ch" forName="space" refType="w" refFor="ch" refForName="composite" op="equ" fact="0.14"/>
-    </dgm:constrLst>
-    <dgm:ruleLst>
-      <dgm:rule type="w" for="ch" forName="composite" val="0" fact="NaN" max="NaN"/>
-      <dgm:rule type="primFontSz" for="des" forName="parTx" val="5" fact="NaN" max="NaN"/>
-    </dgm:ruleLst>
-    <dgm:forEach name="Name4" axis="ch" ptType="node">
-      <dgm:layoutNode name="composite">
-        <dgm:alg type="composite"/>
-        <dgm:shape xmlns:r="http://schemas.openxmlformats.org/officeDocument/2006/relationships" r:blip="">
-          <dgm:adjLst/>
-        </dgm:shape>
-        <dgm:presOf/>
-        <dgm:constrLst>
-          <dgm:constr type="l" for="ch" forName="parTx"/>
-          <dgm:constr type="w" for="ch" forName="parTx" refType="w"/>
-          <dgm:constr type="t" for="ch" forName="parTx"/>
-          <dgm:constr type="l" for="ch" forName="desTx"/>
-          <dgm:constr type="w" for="ch" forName="desTx" refType="w" refFor="ch" refForName="parTx"/>
-          <dgm:constr type="t" for="ch" forName="desTx" refType="h" refFor="ch" refForName="parTx"/>
-        </dgm:constrLst>
-        <dgm:ruleLst>
-          <dgm:rule type="h" val="INF" fact="NaN" max="NaN"/>
-        </dgm:ruleLst>
-        <dgm:layoutNode name="parTx" styleLbl="alignNode1">
-          <dgm:varLst>
-            <dgm:chMax val="0"/>
-            <dgm:chPref val="0"/>
-            <dgm:bulletEnabled val="1"/>
-          </dgm:varLst>
-          <dgm:alg type="tx"/>
-          <dgm:shape xmlns:r="http://schemas.openxmlformats.org/officeDocument/2006/relationships" type="rect" r:blip="">
-            <dgm:adjLst/>
-          </dgm:shape>
-          <dgm:presOf axis="self" ptType="node"/>
-          <dgm:constrLst>
-            <dgm:constr type="h" refType="w" op="lte" fact="0.4"/>
-            <dgm:constr type="h"/>
-            <dgm:constr type="tMarg" refType="primFontSz" fact="0.32"/>
-            <dgm:constr type="bMarg" refType="primFontSz" fact="0.32"/>
-          </dgm:constrLst>
-          <dgm:ruleLst>
-            <dgm:rule type="h" val="INF" fact="NaN" max="NaN"/>
-          </dgm:ruleLst>
-        </dgm:layoutNode>
-        <dgm:layoutNode name="desTx" styleLbl="alignAccFollowNode1">
-          <dgm:varLst>
-            <dgm:bulletEnabled val="1"/>
-          </dgm:varLst>
-          <dgm:alg type="tx">
-            <dgm:param type="stBulletLvl" val="1"/>
-          </dgm:alg>
-          <dgm:shape xmlns:r="http://schemas.openxmlformats.org/officeDocument/2006/relationships" type="rect" r:blip="">
-            <dgm:adjLst/>
-          </dgm:shape>
-          <dgm:presOf axis="des" ptType="node"/>
-          <dgm:constrLst>
-            <dgm:constr type="secFontSz" val="65"/>
-            <dgm:constr type="primFontSz" refType="secFontSz"/>
-            <dgm:constr type="h"/>
-            <dgm:constr type="lMarg" refType="primFontSz" fact="0.42"/>
-            <dgm:constr type="tMarg" refType="primFontSz" fact="0.42"/>
-            <dgm:constr type="bMarg" refType="primFontSz" fact="0.63"/>
-          </dgm:constrLst>
-          <dgm:ruleLst>
-            <dgm:rule type="h" val="INF" fact="NaN" max="NaN"/>
-          </dgm:ruleLst>
-        </dgm:layoutNode>
-      </dgm:layoutNode>
-      <dgm:forEach name="Name5" axis="followSib" ptType="sibTrans" cnt="1">
-        <dgm:layoutNode name="space">
-          <dgm:alg type="sp"/>
-          <dgm:shape xmlns:r="http://schemas.openxmlformats.org/officeDocument/2006/relationships" r:blip="">
-            <dgm:adjLst/>
-          </dgm:shape>
-          <dgm:presOf/>
-          <dgm:constrLst/>
-          <dgm:ruleLst/>
-        </dgm:layoutNode>
-      </dgm:forEach>
-    </dgm:forEach>
-  </dgm:layoutNode>
-</dgm:layoutDef>
-</file>
-
-<file path=ppt/diagrams/quickStyle1.xml><?xml version="1.0" encoding="utf-8"?>
-<dgm:styleDef xmlns:dgm="http://schemas.openxmlformats.org/drawingml/2006/diagram" xmlns:a="http://schemas.openxmlformats.org/drawingml/2006/main" uniqueId="urn:microsoft.com/office/officeart/2005/8/quickstyle/simple1">
-  <dgm:title val=""/>
-  <dgm:desc val=""/>
-  <dgm:catLst>
-    <dgm:cat type="simple" pri="10100"/>
-  </dgm:catLst>
-  <dgm:scene3d>
-    <a:camera prst="orthographicFront"/>
-    <a:lightRig rig="threePt" dir="t"/>
-  </dgm:scene3d>
-  <dgm:styleLbl name="node0">
-    <dgm:scene3d>
-      <a:camera prst="orthographicFront"/>
-      <a:lightRig rig="threePt" dir="t"/>
-    </dgm:scene3d>
-    <dgm:sp3d/>
-    <dgm:txPr/>
-    <dgm:style>
-      <a:lnRef idx="2">
-        <a:scrgbClr r="0" g="0" b="0"/>
-      </a:lnRef>
-      <a:fillRef idx="1">
-        <a:scrgbClr r="0" g="0" b="0"/>
-      </a:fillRef>
-      <a:effectRef idx="0">
-        <a:scrgbClr r="0" g="0" b="0"/>
-      </a:effectRef>
-      <a:fontRef idx="minor">
-        <a:schemeClr val="lt1"/>
-      </a:fontRef>
-    </dgm:style>
-  </dgm:styleLbl>
-  <dgm:styleLbl name="lnNode1">
-    <dgm:scene3d>
-      <a:camera prst="orthographicFront"/>
-      <a:lightRig rig="threePt" dir="t"/>
-    </dgm:scene3d>
-    <dgm:sp3d/>
-    <dgm:txPr/>
-    <dgm:style>
-      <a:lnRef idx="2">
-        <a:scrgbClr r="0" g="0" b="0"/>
-      </a:lnRef>
-      <a:fillRef idx="1">
-        <a:scrgbClr r="0" g="0" b="0"/>
-      </a:fillRef>
-      <a:effectRef idx="0">
-        <a:scrgbClr r="0" g="0" b="0"/>
-      </a:effectRef>
-      <a:fontRef idx="minor">
-        <a:schemeClr val="lt1"/>
-      </a:fontRef>
-    </dgm:style>
-  </dgm:styleLbl>
-  <dgm:styleLbl name="vennNode1">
-    <dgm:scene3d>
-      <a:camera prst="orthographicFront"/>
-      <a:lightRig rig="threePt" dir="t"/>
-    </dgm:scene3d>
-    <dgm:sp3d/>
-    <dgm:txPr/>
-    <dgm:style>
-      <a:lnRef idx="2">
-        <a:scrgbClr r="0" g="0" b="0"/>
-      </a:lnRef>
-      <a:fillRef idx="1">
-        <a:scrgbClr r="0" g="0" b="0"/>
-      </a:fillRef>
-      <a:effectRef idx="0">
-        <a:scrgbClr r="0" g="0" b="0"/>
-      </a:effectRef>
-      <a:fontRef idx="minor">
-        <a:schemeClr val="tx1"/>
-      </a:fontRef>
-    </dgm:style>
-  </dgm:styleLbl>
-  <dgm:styleLbl name="alignNode1">
-    <dgm:scene3d>
-      <a:camera prst="orthographicFront"/>
-      <a:lightRig rig="threePt" dir="t"/>
-    </dgm:scene3d>
-    <dgm:sp3d/>
-    <dgm:txPr/>
-    <dgm:style>
-      <a:lnRef idx="2">
-        <a:scrgbClr r="0" g="0" b="0"/>
-      </a:lnRef>
-      <a:fillRef idx="1">
-        <a:scrgbClr r="0" g="0" b="0"/>
-      </a:fillRef>
-      <a:effectRef idx="0">
-        <a:scrgbClr r="0" g="0" b="0"/>
-      </a:effectRef>
-      <a:fontRef idx="minor">
-        <a:schemeClr val="lt1"/>
-      </a:fontRef>
-    </dgm:style>
-  </dgm:styleLbl>
-  <dgm:styleLbl name="node1">
-    <dgm:scene3d>
-      <a:camera prst="orthographicFront"/>
-      <a:lightRig rig="threePt" dir="t"/>
-    </dgm:scene3d>
-    <dgm:sp3d/>
-    <dgm:txPr/>
-    <dgm:style>
-      <a:lnRef idx="2">
-        <a:scrgbClr r="0" g="0" b="0"/>
-      </a:lnRef>
-      <a:fillRef idx="1">
-        <a:scrgbClr r="0" g="0" b="0"/>
-      </a:fillRef>
-      <a:effectRef idx="0">
-        <a:scrgbClr r="0" g="0" b="0"/>
-      </a:effectRef>
-      <a:fontRef idx="minor">
-        <a:schemeClr val="lt1"/>
-      </a:fontRef>
-    </dgm:style>
-  </dgm:styleLbl>
-  <dgm:styleLbl name="node2">
-    <dgm:scene3d>
-      <a:camera prst="orthographicFront"/>
-      <a:lightRig rig="threePt" dir="t"/>
-    </dgm:scene3d>
-    <dgm:sp3d/>
-    <dgm:txPr/>
-    <dgm:style>
-      <a:lnRef idx="2">
-        <a:scrgbClr r="0" g="0" b="0"/>
-      </a:lnRef>
-      <a:fillRef idx="1">
-        <a:scrgbClr r="0" g="0" b="0"/>
-      </a:fillRef>
-      <a:effectRef idx="0">
-        <a:scrgbClr r="0" g="0" b="0"/>
-      </a:effectRef>
-      <a:fontRef idx="minor">
-        <a:schemeClr val="lt1"/>
-      </a:fontRef>
-    </dgm:style>
-  </dgm:styleLbl>
-  <dgm:styleLbl name="node3">
-    <dgm:scene3d>
-      <a:camera prst="orthographicFront"/>
-      <a:lightRig rig="threePt" dir="t"/>
-    </dgm:scene3d>
-    <dgm:sp3d/>
-    <dgm:txPr/>
-    <dgm:style>
-      <a:lnRef idx="2">
-        <a:scrgbClr r="0" g="0" b="0"/>
-      </a:lnRef>
-      <a:fillRef idx="1">
-        <a:scrgbClr r="0" g="0" b="0"/>
-      </a:fillRef>
-      <a:effectRef idx="0">
-        <a:scrgbClr r="0" g="0" b="0"/>
-      </a:effectRef>
-      <a:fontRef idx="minor">
-        <a:schemeClr val="lt1"/>
-      </a:fontRef>
-    </dgm:style>
-  </dgm:styleLbl>
-  <dgm:styleLbl name="node4">
-    <dgm:scene3d>
-      <a:camera prst="orthographicFront"/>
-      <a:lightRig rig="threePt" dir="t"/>
-    </dgm:scene3d>
-    <dgm:sp3d/>
-    <dgm:txPr/>
-    <dgm:style>
-      <a:lnRef idx="2">
-        <a:scrgbClr r="0" g="0" b="0"/>
-      </a:lnRef>
-      <a:fillRef idx="1">
-        <a:scrgbClr r="0" g="0" b="0"/>
-      </a:fillRef>
-      <a:effectRef idx="0">
-        <a:scrgbClr r="0" g="0" b="0"/>
-      </a:effectRef>
-      <a:fontRef idx="minor">
-        <a:schemeClr val="lt1"/>
-      </a:fontRef>
-    </dgm:style>
-  </dgm:styleLbl>
-  <dgm:styleLbl name="fgImgPlace1">
-    <dgm:scene3d>
-      <a:camera prst="orthographicFront"/>
-      <a:lightRig rig="threePt" dir="t"/>
-    </dgm:scene3d>
-    <dgm:sp3d/>
-    <dgm:txPr/>
-    <dgm:style>
-      <a:lnRef idx="2">
-        <a:scrgbClr r="0" g="0" b="0"/>
-      </a:lnRef>
-      <a:fillRef idx="1">
-        <a:scrgbClr r="0" g="0" b="0"/>
-      </a:fillRef>
-      <a:effectRef idx="0">
-        <a:scrgbClr r="0" g="0" b="0"/>
-      </a:effectRef>
-      <a:fontRef idx="minor"/>
-    </dgm:style>
-  </dgm:styleLbl>
-  <dgm:styleLbl name="alignImgPlace1">
-    <dgm:scene3d>
-      <a:camera prst="orthographicFront"/>
-      <a:lightRig rig="threePt" dir="t"/>
-    </dgm:scene3d>
-    <dgm:sp3d/>
-    <dgm:txPr/>
-    <dgm:style>
-      <a:lnRef idx="2">
-        <a:scrgbClr r="0" g="0" b="0"/>
-      </a:lnRef>
-      <a:fillRef idx="1">
-        <a:scrgbClr r="0" g="0" b="0"/>
-      </a:fillRef>
-      <a:effectRef idx="0">
-        <a:scrgbClr r="0" g="0" b="0"/>
-      </a:effectRef>
-      <a:fontRef idx="minor"/>
-    </dgm:style>
-  </dgm:styleLbl>
-  <dgm:styleLbl name="bgImgPlace1">
-    <dgm:scene3d>
-      <a:camera prst="orthographicFront"/>
-      <a:lightRig rig="threePt" dir="t"/>
-    </dgm:scene3d>
-    <dgm:sp3d/>
-    <dgm:txPr/>
-    <dgm:style>
-      <a:lnRef idx="2">
-        <a:scrgbClr r="0" g="0" b="0"/>
-      </a:lnRef>
-      <a:fillRef idx="1">
-        <a:scrgbClr r="0" g="0" b="0"/>
-      </a:fillRef>
-      <a:effectRef idx="0">
-        <a:scrgbClr r="0" g="0" b="0"/>
-      </a:effectRef>
-      <a:fontRef idx="minor"/>
-    </dgm:style>
-  </dgm:styleLbl>
-  <dgm:styleLbl name="sibTrans2D1">
-    <dgm:scene3d>
-      <a:camera prst="orthographicFront"/>
-      <a:lightRig rig="threePt" dir="t"/>
-    </dgm:scene3d>
-    <dgm:sp3d/>
-    <dgm:txPr/>
-    <dgm:style>
-      <a:lnRef idx="0">
-        <a:scrgbClr r="0" g="0" b="0"/>
-      </a:lnRef>
-      <a:fillRef idx="1">
-        <a:scrgbClr r="0" g="0" b="0"/>
-      </a:fillRef>
-      <a:effectRef idx="0">
-        <a:scrgbClr r="0" g="0" b="0"/>
-      </a:effectRef>
-      <a:fontRef idx="minor">
-        <a:schemeClr val="lt1"/>
-      </a:fontRef>
-    </dgm:style>
-  </dgm:styleLbl>
-  <dgm:styleLbl name="fgSibTrans2D1">
-    <dgm:scene3d>
-      <a:camera prst="orthographicFront"/>
-      <a:lightRig rig="threePt" dir="t"/>
-    </dgm:scene3d>
-    <dgm:sp3d/>
-    <dgm:txPr/>
-    <dgm:style>
-      <a:lnRef idx="0">
-        <a:scrgbClr r="0" g="0" b="0"/>
-      </a:lnRef>
-      <a:fillRef idx="1">
-        <a:scrgbClr r="0" g="0" b="0"/>
-      </a:fillRef>
-      <a:effectRef idx="0">
-        <a:scrgbClr r="0" g="0" b="0"/>
-      </a:effectRef>
-      <a:fontRef idx="minor">
-        <a:schemeClr val="lt1"/>
-      </a:fontRef>
-    </dgm:style>
-  </dgm:styleLbl>
-  <dgm:styleLbl name="bgSibTrans2D1">
-    <dgm:scene3d>
-      <a:camera prst="orthographicFront"/>
-      <a:lightRig rig="threePt" dir="t"/>
-    </dgm:scene3d>
-    <dgm:sp3d/>
-    <dgm:txPr/>
-    <dgm:style>
-      <a:lnRef idx="0">
-        <a:scrgbClr r="0" g="0" b="0"/>
-      </a:lnRef>
-      <a:fillRef idx="1">
-        <a:scrgbClr r="0" g="0" b="0"/>
-      </a:fillRef>
-      <a:effectRef idx="0">
-        <a:scrgbClr r="0" g="0" b="0"/>
-      </a:effectRef>
-      <a:fontRef idx="minor">
-        <a:schemeClr val="lt1"/>
-      </a:fontRef>
-    </dgm:style>
-  </dgm:styleLbl>
-  <dgm:styleLbl name="sibTrans1D1">
-    <dgm:scene3d>
-      <a:camera prst="orthographicFront"/>
-      <a:lightRig rig="threePt" dir="t"/>
-    </dgm:scene3d>
-    <dgm:sp3d/>
-    <dgm:txPr/>
-    <dgm:style>
-      <a:lnRef idx="1">
-        <a:scrgbClr r="0" g="0" b="0"/>
-      </a:lnRef>
-      <a:fillRef idx="0">
-        <a:scrgbClr r="0" g="0" b="0"/>
-      </a:fillRef>
-      <a:effectRef idx="0">
-        <a:scrgbClr r="0" g="0" b="0"/>
-      </a:effectRef>
-      <a:fontRef idx="minor"/>
-    </dgm:style>
-  </dgm:styleLbl>
-  <dgm:styleLbl name="callout">
-    <dgm:scene3d>
-      <a:camera prst="orthographicFront"/>
-      <a:lightRig rig="threePt" dir="t"/>
-    </dgm:scene3d>
-    <dgm:sp3d/>
-    <dgm:txPr/>
-    <dgm:style>
-      <a:lnRef idx="2">
-        <a:scrgbClr r="0" g="0" b="0"/>
-      </a:lnRef>
-      <a:fillRef idx="1">
-        <a:scrgbClr r="0" g="0" b="0"/>
-      </a:fillRef>
-      <a:effectRef idx="0">
-        <a:scrgbClr r="0" g="0" b="0"/>
-      </a:effectRef>
-      <a:fontRef idx="minor"/>
-    </dgm:style>
-  </dgm:styleLbl>
-  <dgm:styleLbl name="asst0">
-    <dgm:scene3d>
-      <a:camera prst="orthographicFront"/>
-      <a:lightRig rig="threePt" dir="t"/>
-    </dgm:scene3d>
-    <dgm:sp3d/>
-    <dgm:txPr/>
-    <dgm:style>
-      <a:lnRef idx="2">
-        <a:scrgbClr r="0" g="0" b="0"/>
-      </a:lnRef>
-      <a:fillRef idx="1">
-        <a:scrgbClr r="0" g="0" b="0"/>
-      </a:fillRef>
-      <a:effectRef idx="0">
-        <a:scrgbClr r="0" g="0" b="0"/>
-      </a:effectRef>
-      <a:fontRef idx="minor">
-        <a:schemeClr val="lt1"/>
-      </a:fontRef>
-    </dgm:style>
-  </dgm:styleLbl>
-  <dgm:styleLbl name="asst1">
-    <dgm:scene3d>
-      <a:camera prst="orthographicFront"/>
-      <a:lightRig rig="threePt" dir="t"/>
-    </dgm:scene3d>
-    <dgm:sp3d/>
-    <dgm:txPr/>
-    <dgm:style>
-      <a:lnRef idx="2">
-        <a:scrgbClr r="0" g="0" b="0"/>
-      </a:lnRef>
-      <a:fillRef idx="1">
-        <a:scrgbClr r="0" g="0" b="0"/>
-      </a:fillRef>
-      <a:effectRef idx="0">
-        <a:scrgbClr r="0" g="0" b="0"/>
-      </a:effectRef>
-      <a:fontRef idx="minor">
-        <a:schemeClr val="lt1"/>
-      </a:fontRef>
-    </dgm:style>
-  </dgm:styleLbl>
-  <dgm:styleLbl name="asst2">
-    <dgm:scene3d>
-      <a:camera prst="orthographicFront"/>
-      <a:lightRig rig="threePt" dir="t"/>
-    </dgm:scene3d>
-    <dgm:sp3d/>
-    <dgm:txPr/>
-    <dgm:style>
-      <a:lnRef idx="2">
-        <a:scrgbClr r="0" g="0" b="0"/>
-      </a:lnRef>
-      <a:fillRef idx="1">
-        <a:scrgbClr r="0" g="0" b="0"/>
-      </a:fillRef>
-      <a:effectRef idx="0">
-        <a:scrgbClr r="0" g="0" b="0"/>
-      </a:effectRef>
-      <a:fontRef idx="minor">
-        <a:schemeClr val="lt1"/>
-      </a:fontRef>
-    </dgm:style>
-  </dgm:styleLbl>
-  <dgm:styleLbl name="asst3">
-    <dgm:scene3d>
-      <a:camera prst="orthographicFront"/>
-      <a:lightRig rig="threePt" dir="t"/>
-    </dgm:scene3d>
-    <dgm:sp3d/>
-    <dgm:txPr/>
-    <dgm:style>
-      <a:lnRef idx="2">
-        <a:scrgbClr r="0" g="0" b="0"/>
-      </a:lnRef>
-      <a:fillRef idx="1">
-        <a:scrgbClr r="0" g="0" b="0"/>
-      </a:fillRef>
-      <a:effectRef idx="0">
-        <a:scrgbClr r="0" g="0" b="0"/>
-      </a:effectRef>
-      <a:fontRef idx="minor">
-        <a:schemeClr val="lt1"/>
-      </a:fontRef>
-    </dgm:style>
-  </dgm:styleLbl>
-  <dgm:styleLbl name="asst4">
-    <dgm:scene3d>
-      <a:camera prst="orthographicFront"/>
-      <a:lightRig rig="threePt" dir="t"/>
-    </dgm:scene3d>
-    <dgm:sp3d/>
-    <dgm:txPr/>
-    <dgm:style>
-      <a:lnRef idx="2">
-        <a:scrgbClr r="0" g="0" b="0"/>
-      </a:lnRef>
-      <a:fillRef idx="1">
-        <a:scrgbClr r="0" g="0" b="0"/>
-      </a:fillRef>
-      <a:effectRef idx="0">
-        <a:scrgbClr r="0" g="0" b="0"/>
-      </a:effectRef>
-      <a:fontRef idx="minor">
-        <a:schemeClr val="lt1"/>
-      </a:fontRef>
-    </dgm:style>
-  </dgm:styleLbl>
-  <dgm:styleLbl name="parChTrans2D1">
-    <dgm:scene3d>
-      <a:camera prst="orthographicFront"/>
-      <a:lightRig rig="threePt" dir="t"/>
-    </dgm:scene3d>
-    <dgm:sp3d/>
-    <dgm:txPr/>
-    <dgm:style>
-      <a:lnRef idx="2">
-        <a:scrgbClr r="0" g="0" b="0"/>
-      </a:lnRef>
-      <a:fillRef idx="1">
-        <a:scrgbClr r="0" g="0" b="0"/>
-      </a:fillRef>
-      <a:effectRef idx="0">
-        <a:scrgbClr r="0" g="0" b="0"/>
-      </a:effectRef>
-      <a:fontRef idx="minor">
-        <a:schemeClr val="lt1"/>
-      </a:fontRef>
-    </dgm:style>
-  </dgm:styleLbl>
-  <dgm:styleLbl name="parChTrans2D2">
-    <dgm:scene3d>
-      <a:camera prst="orthographicFront"/>
-      <a:lightRig rig="threePt" dir="t"/>
-    </dgm:scene3d>
-    <dgm:sp3d/>
-    <dgm:txPr/>
-    <dgm:style>
-      <a:lnRef idx="2">
-        <a:scrgbClr r="0" g="0" b="0"/>
-      </a:lnRef>
-      <a:fillRef idx="1">
-        <a:scrgbClr r="0" g="0" b="0"/>
-      </a:fillRef>
-      <a:effectRef idx="0">
-        <a:scrgbClr r="0" g="0" b="0"/>
-      </a:effectRef>
-      <a:fontRef idx="minor">
-        <a:schemeClr val="lt1"/>
-      </a:fontRef>
-    </dgm:style>
-  </dgm:styleLbl>
-  <dgm:styleLbl name="parChTrans2D3">
-    <dgm:scene3d>
-      <a:camera prst="orthographicFront"/>
-      <a:lightRig rig="threePt" dir="t"/>
-    </dgm:scene3d>
-    <dgm:sp3d/>
-    <dgm:txPr/>
-    <dgm:style>
-      <a:lnRef idx="2">
-        <a:scrgbClr r="0" g="0" b="0"/>
-      </a:lnRef>
-      <a:fillRef idx="1">
-        <a:scrgbClr r="0" g="0" b="0"/>
-      </a:fillRef>
-      <a:effectRef idx="0">
-        <a:scrgbClr r="0" g="0" b="0"/>
-      </a:effectRef>
-      <a:fontRef idx="minor">
-        <a:schemeClr val="lt1"/>
-      </a:fontRef>
-    </dgm:style>
-  </dgm:styleLbl>
-  <dgm:styleLbl name="parChTrans2D4">
-    <dgm:scene3d>
-      <a:camera prst="orthographicFront"/>
-      <a:lightRig rig="threePt" dir="t"/>
-    </dgm:scene3d>
-    <dgm:sp3d/>
-    <dgm:txPr/>
-    <dgm:style>
-      <a:lnRef idx="2">
-        <a:scrgbClr r="0" g="0" b="0"/>
-      </a:lnRef>
-      <a:fillRef idx="1">
-        <a:scrgbClr r="0" g="0" b="0"/>
-      </a:fillRef>
-      <a:effectRef idx="0">
-        <a:scrgbClr r="0" g="0" b="0"/>
-      </a:effectRef>
-      <a:fontRef idx="minor">
-        <a:schemeClr val="lt1"/>
-      </a:fontRef>
-    </dgm:style>
-  </dgm:styleLbl>
-  <dgm:styleLbl name="parChTrans1D1">
-    <dgm:scene3d>
-      <a:camera prst="orthographicFront"/>
-      <a:lightRig rig="threePt" dir="t"/>
-    </dgm:scene3d>
-    <dgm:sp3d/>
-    <dgm:txPr/>
-    <dgm:style>
-      <a:lnRef idx="2">
-        <a:scrgbClr r="0" g="0" b="0"/>
-      </a:lnRef>
-      <a:fillRef idx="0">
-        <a:scrgbClr r="0" g="0" b="0"/>
-      </a:fillRef>
-      <a:effectRef idx="0">
-        <a:scrgbClr r="0" g="0" b="0"/>
-      </a:effectRef>
-      <a:fontRef idx="minor"/>
-    </dgm:style>
-  </dgm:styleLbl>
-  <dgm:styleLbl name="parChTrans1D2">
-    <dgm:scene3d>
-      <a:camera prst="orthographicFront"/>
-      <a:lightRig rig="threePt" dir="t"/>
-    </dgm:scene3d>
-    <dgm:sp3d/>
-    <dgm:txPr/>
-    <dgm:style>
-      <a:lnRef idx="2">
-        <a:scrgbClr r="0" g="0" b="0"/>
-      </a:lnRef>
-      <a:fillRef idx="0">
-        <a:scrgbClr r="0" g="0" b="0"/>
-      </a:fillRef>
-      <a:effectRef idx="0">
-        <a:scrgbClr r="0" g="0" b="0"/>
-      </a:effectRef>
-      <a:fontRef idx="minor"/>
-    </dgm:style>
-  </dgm:styleLbl>
-  <dgm:styleLbl name="parChTrans1D3">
-    <dgm:scene3d>
-      <a:camera prst="orthographicFront"/>
-      <a:lightRig rig="threePt" dir="t"/>
-    </dgm:scene3d>
-    <dgm:sp3d/>
-    <dgm:txPr/>
-    <dgm:style>
-      <a:lnRef idx="2">
-        <a:scrgbClr r="0" g="0" b="0"/>
-      </a:lnRef>
-      <a:fillRef idx="0">
-        <a:scrgbClr r="0" g="0" b="0"/>
-      </a:fillRef>
-      <a:effectRef idx="0">
-        <a:scrgbClr r="0" g="0" b="0"/>
-      </a:effectRef>
-      <a:fontRef idx="minor"/>
-    </dgm:style>
-  </dgm:styleLbl>
-  <dgm:styleLbl name="parChTrans1D4">
-    <dgm:scene3d>
-      <a:camera prst="orthographicFront"/>
-      <a:lightRig rig="threePt" dir="t"/>
-    </dgm:scene3d>
-    <dgm:sp3d/>
-    <dgm:txPr/>
-    <dgm:style>
-      <a:lnRef idx="2">
-        <a:scrgbClr r="0" g="0" b="0"/>
-      </a:lnRef>
-      <a:fillRef idx="0">
-        <a:scrgbClr r="0" g="0" b="0"/>
-      </a:fillRef>
-      <a:effectRef idx="0">
-        <a:scrgbClr r="0" g="0" b="0"/>
-      </a:effectRef>
-      <a:fontRef idx="minor"/>
-    </dgm:style>
-  </dgm:styleLbl>
-  <dgm:styleLbl name="fgAcc1">
-    <dgm:scene3d>
-      <a:camera prst="orthographicFront"/>
-      <a:lightRig rig="threePt" dir="t"/>
-    </dgm:scene3d>
-    <dgm:sp3d/>
-    <dgm:txPr/>
-    <dgm:style>
-      <a:lnRef idx="2">
-        <a:scrgbClr r="0" g="0" b="0"/>
-      </a:lnRef>
-      <a:fillRef idx="1">
-        <a:scrgbClr r="0" g="0" b="0"/>
-      </a:fillRef>
-      <a:effectRef idx="0">
-        <a:scrgbClr r="0" g="0" b="0"/>
-      </a:effectRef>
-      <a:fontRef idx="minor"/>
-    </dgm:style>
-  </dgm:styleLbl>
-  <dgm:styleLbl name="conFgAcc1">
-    <dgm:scene3d>
-      <a:camera prst="orthographicFront"/>
-      <a:lightRig rig="threePt" dir="t"/>
-    </dgm:scene3d>
-    <dgm:sp3d/>
-    <dgm:txPr/>
-    <dgm:style>
-      <a:lnRef idx="2">
-        <a:scrgbClr r="0" g="0" b="0"/>
-      </a:lnRef>
-      <a:fillRef idx="1">
-        <a:scrgbClr r="0" g="0" b="0"/>
-      </a:fillRef>
-      <a:effectRef idx="0">
-        <a:scrgbClr r="0" g="0" b="0"/>
-      </a:effectRef>
-      <a:fontRef idx="minor"/>
-    </dgm:style>
-  </dgm:styleLbl>
-  <dgm:styleLbl name="alignAcc1">
-    <dgm:scene3d>
-      <a:camera prst="orthographicFront"/>
-      <a:lightRig rig="threePt" dir="t"/>
-    </dgm:scene3d>
-    <dgm:sp3d/>
-    <dgm:txPr/>
-    <dgm:style>
-      <a:lnRef idx="2">
-        <a:scrgbClr r="0" g="0" b="0"/>
-      </a:lnRef>
-      <a:fillRef idx="1">
-        <a:scrgbClr r="0" g="0" b="0"/>
-      </a:fillRef>
-      <a:effectRef idx="0">
-        <a:scrgbClr r="0" g="0" b="0"/>
-      </a:effectRef>
-      <a:fontRef idx="minor"/>
-    </dgm:style>
-  </dgm:styleLbl>
-  <dgm:styleLbl name="trAlignAcc1">
-    <dgm:scene3d>
-      <a:camera prst="orthographicFront"/>
-      <a:lightRig rig="threePt" dir="t"/>
-    </dgm:scene3d>
-    <dgm:sp3d/>
-    <dgm:txPr/>
-    <dgm:style>
-      <a:lnRef idx="1">
-        <a:scrgbClr r="0" g="0" b="0"/>
-      </a:lnRef>
-      <a:fillRef idx="1">
-        <a:scrgbClr r="0" g="0" b="0"/>
-      </a:fillRef>
-      <a:effectRef idx="0">
-        <a:scrgbClr r="0" g="0" b="0"/>
-      </a:effectRef>
-      <a:fontRef idx="minor"/>
-    </dgm:style>
-  </dgm:styleLbl>
-  <dgm:styleLbl name="bgAcc1">
-    <dgm:scene3d>
-      <a:camera prst="orthographicFront"/>
-      <a:lightRig rig="threePt" dir="t"/>
-    </dgm:scene3d>
-    <dgm:sp3d/>
-    <dgm:txPr/>
-    <dgm:style>
-      <a:lnRef idx="2">
-        <a:scrgbClr r="0" g="0" b="0"/>
-      </a:lnRef>
-      <a:fillRef idx="1">
-        <a:scrgbClr r="0" g="0" b="0"/>
-      </a:fillRef>
-      <a:effectRef idx="0">
-        <a:scrgbClr r="0" g="0" b="0"/>
-      </a:effectRef>
-      <a:fontRef idx="minor"/>
-    </dgm:style>
-  </dgm:styleLbl>
-  <dgm:styleLbl name="solidFgAcc1">
-    <dgm:scene3d>
-      <a:camera prst="orthographicFront"/>
-      <a:lightRig rig="threePt" dir="t"/>
-    </dgm:scene3d>
-    <dgm:sp3d/>
-    <dgm:txPr/>
-    <dgm:style>
-      <a:lnRef idx="2">
-        <a:scrgbClr r="0" g="0" b="0"/>
-      </a:lnRef>
-      <a:fillRef idx="1">
-        <a:scrgbClr r="0" g="0" b="0"/>
-      </a:fillRef>
-      <a:effectRef idx="0">
-        <a:scrgbClr r="0" g="0" b="0"/>
-      </a:effectRef>
-      <a:fontRef idx="minor"/>
-    </dgm:style>
-  </dgm:styleLbl>
-  <dgm:styleLbl name="solidAlignAcc1">
-    <dgm:scene3d>
-      <a:camera prst="orthographicFront"/>
-      <a:lightRig rig="threePt" dir="t"/>
-    </dgm:scene3d>
-    <dgm:sp3d/>
-    <dgm:txPr/>
-    <dgm:style>
-      <a:lnRef idx="2">
-        <a:scrgbClr r="0" g="0" b="0"/>
-      </a:lnRef>
-      <a:fillRef idx="1">
-        <a:scrgbClr r="0" g="0" b="0"/>
-      </a:fillRef>
-      <a:effectRef idx="0">
-        <a:scrgbClr r="0" g="0" b="0"/>
-      </a:effectRef>
-      <a:fontRef idx="minor"/>
-    </dgm:style>
-  </dgm:styleLbl>
-  <dgm:styleLbl name="solidBgAcc1">
-    <dgm:scene3d>
-      <a:camera prst="orthographicFront"/>
-      <a:lightRig rig="threePt" dir="t"/>
-    </dgm:scene3d>
-    <dgm:sp3d/>
-    <dgm:txPr/>
-    <dgm:style>
-      <a:lnRef idx="2">
-        <a:scrgbClr r="0" g="0" b="0"/>
-      </a:lnRef>
-      <a:fillRef idx="1">
-        <a:scrgbClr r="0" g="0" b="0"/>
-      </a:fillRef>
-      <a:effectRef idx="0">
-        <a:scrgbClr r="0" g="0" b="0"/>
-      </a:effectRef>
-      <a:fontRef idx="minor"/>
-    </dgm:style>
-  </dgm:styleLbl>
-  <dgm:styleLbl name="fgAccFollowNode1">
-    <dgm:scene3d>
-      <a:camera prst="orthographicFront"/>
-      <a:lightRig rig="threePt" dir="t"/>
-    </dgm:scene3d>
-    <dgm:sp3d/>
-    <dgm:txPr/>
-    <dgm:style>
-      <a:lnRef idx="2">
-        <a:scrgbClr r="0" g="0" b="0"/>
-      </a:lnRef>
-      <a:fillRef idx="1">
-        <a:scrgbClr r="0" g="0" b="0"/>
-      </a:fillRef>
-      <a:effectRef idx="0">
-        <a:scrgbClr r="0" g="0" b="0"/>
-      </a:effectRef>
-      <a:fontRef idx="minor"/>
-    </dgm:style>
-  </dgm:styleLbl>
-  <dgm:styleLbl name="alignAccFollowNode1">
-    <dgm:scene3d>
-      <a:camera prst="orthographicFront"/>
-      <a:lightRig rig="threePt" dir="t"/>
-    </dgm:scene3d>
-    <dgm:sp3d/>
-    <dgm:txPr/>
-    <dgm:style>
-      <a:lnRef idx="2">
-        <a:scrgbClr r="0" g="0" b="0"/>
-      </a:lnRef>
-      <a:fillRef idx="1">
-        <a:scrgbClr r="0" g="0" b="0"/>
-      </a:fillRef>
-      <a:effectRef idx="0">
-        <a:scrgbClr r="0" g="0" b="0"/>
-      </a:effectRef>
-      <a:fontRef idx="minor"/>
-    </dgm:style>
-  </dgm:styleLbl>
-  <dgm:styleLbl name="bgAccFollowNode1">
-    <dgm:scene3d>
-      <a:camera prst="orthographicFront"/>
-      <a:lightRig rig="threePt" dir="t"/>
-    </dgm:scene3d>
-    <dgm:sp3d/>
-    <dgm:txPr/>
-    <dgm:style>
-      <a:lnRef idx="2">
-        <a:scrgbClr r="0" g="0" b="0"/>
-      </a:lnRef>
-      <a:fillRef idx="1">
-        <a:scrgbClr r="0" g="0" b="0"/>
-      </a:fillRef>
-      <a:effectRef idx="0">
-        <a:scrgbClr r="0" g="0" b="0"/>
-      </a:effectRef>
-      <a:fontRef idx="minor"/>
-    </dgm:style>
-  </dgm:styleLbl>
-  <dgm:styleLbl name="fgAcc0">
-    <dgm:scene3d>
-      <a:camera prst="orthographicFront"/>
-      <a:lightRig rig="threePt" dir="t"/>
-    </dgm:scene3d>
-    <dgm:sp3d/>
-    <dgm:txPr/>
-    <dgm:style>
-      <a:lnRef idx="2">
-        <a:scrgbClr r="0" g="0" b="0"/>
-      </a:lnRef>
-      <a:fillRef idx="1">
-        <a:scrgbClr r="0" g="0" b="0"/>
-      </a:fillRef>
-      <a:effectRef idx="0">
-        <a:scrgbClr r="0" g="0" b="0"/>
-      </a:effectRef>
-      <a:fontRef idx="minor"/>
-    </dgm:style>
-  </dgm:styleLbl>
-  <dgm:styleLbl name="fgAcc2">
-    <dgm:scene3d>
-      <a:camera prst="orthographicFront"/>
-      <a:lightRig rig="threePt" dir="t"/>
-    </dgm:scene3d>
-    <dgm:sp3d/>
-    <dgm:txPr/>
-    <dgm:style>
-      <a:lnRef idx="2">
-        <a:scrgbClr r="0" g="0" b="0"/>
-      </a:lnRef>
-      <a:fillRef idx="1">
-        <a:scrgbClr r="0" g="0" b="0"/>
-      </a:fillRef>
-      <a:effectRef idx="0">
-        <a:scrgbClr r="0" g="0" b="0"/>
-      </a:effectRef>
-      <a:fontRef idx="minor"/>
-    </dgm:style>
-  </dgm:styleLbl>
-  <dgm:styleLbl name="fgAcc3">
-    <dgm:scene3d>
-      <a:camera prst="orthographicFront"/>
-      <a:lightRig rig="threePt" dir="t"/>
-    </dgm:scene3d>
-    <dgm:sp3d/>
-    <dgm:txPr/>
-    <dgm:style>
-      <a:lnRef idx="2">
-        <a:scrgbClr r="0" g="0" b="0"/>
-      </a:lnRef>
-      <a:fillRef idx="1">
-        <a:scrgbClr r="0" g="0" b="0"/>
-      </a:fillRef>
-      <a:effectRef idx="0">
-        <a:scrgbClr r="0" g="0" b="0"/>
-      </a:effectRef>
-      <a:fontRef idx="minor"/>
-    </dgm:style>
-  </dgm:styleLbl>
-  <dgm:styleLbl name="fgAcc4">
-    <dgm:scene3d>
-      <a:camera prst="orthographicFront"/>
-      <a:lightRig rig="threePt" dir="t"/>
-    </dgm:scene3d>
-    <dgm:sp3d/>
-    <dgm:txPr/>
-    <dgm:style>
-      <a:lnRef idx="2">
-        <a:scrgbClr r="0" g="0" b="0"/>
-      </a:lnRef>
-      <a:fillRef idx="1">
-        <a:scrgbClr r="0" g="0" b="0"/>
-      </a:fillRef>
-      <a:effectRef idx="0">
-        <a:scrgbClr r="0" g="0" b="0"/>
-      </a:effectRef>
-      <a:fontRef idx="minor"/>
-    </dgm:style>
-  </dgm:styleLbl>
-  <dgm:styleLbl name="bgShp">
-    <dgm:scene3d>
-      <a:camera prst="orthographicFront"/>
-      <a:lightRig rig="threePt" dir="t"/>
-    </dgm:scene3d>
-    <dgm:sp3d/>
-    <dgm:txPr/>
-    <dgm:style>
-      <a:lnRef idx="0">
-        <a:scrgbClr r="0" g="0" b="0"/>
-      </a:lnRef>
-      <a:fillRef idx="1">
-        <a:scrgbClr r="0" g="0" b="0"/>
-      </a:fillRef>
-      <a:effectRef idx="0">
-        <a:scrgbClr r="0" g="0" b="0"/>
-      </a:effectRef>
-      <a:fontRef idx="minor"/>
-    </dgm:style>
-  </dgm:styleLbl>
-  <dgm:styleLbl name="dkBgShp">
-    <dgm:scene3d>
-      <a:camera prst="orthographicFront"/>
-      <a:lightRig rig="threePt" dir="t"/>
-    </dgm:scene3d>
-    <dgm:sp3d/>
-    <dgm:txPr/>
-    <dgm:style>
-      <a:lnRef idx="0">
-        <a:scrgbClr r="0" g="0" b="0"/>
-      </a:lnRef>
-      <a:fillRef idx="1">
-        <a:scrgbClr r="0" g="0" b="0"/>
-      </a:fillRef>
-      <a:effectRef idx="0">
-        <a:scrgbClr r="0" g="0" b="0"/>
-      </a:effectRef>
-      <a:fontRef idx="minor"/>
-    </dgm:style>
-  </dgm:styleLbl>
-  <dgm:styleLbl name="trBgShp">
-    <dgm:scene3d>
-      <a:camera prst="orthographicFront"/>
-      <a:lightRig rig="threePt" dir="t"/>
-    </dgm:scene3d>
-    <dgm:sp3d/>
-    <dgm:txPr/>
-    <dgm:style>
-      <a:lnRef idx="0">
-        <a:scrgbClr r="0" g="0" b="0"/>
-      </a:lnRef>
-      <a:fillRef idx="1">
-        <a:scrgbClr r="0" g="0" b="0"/>
-      </a:fillRef>
-      <a:effectRef idx="0">
-        <a:scrgbClr r="0" g="0" b="0"/>
-      </a:effectRef>
-      <a:fontRef idx="minor"/>
-    </dgm:style>
-  </dgm:styleLbl>
-  <dgm:styleLbl name="fgShp">
-    <dgm:scene3d>
-      <a:camera prst="orthographicFront"/>
-      <a:lightRig rig="threePt" dir="t"/>
-    </dgm:scene3d>
-    <dgm:sp3d/>
-    <dgm:txPr/>
-    <dgm:style>
-      <a:lnRef idx="2">
-        <a:scrgbClr r="0" g="0" b="0"/>
-      </a:lnRef>
-      <a:fillRef idx="1">
-        <a:scrgbClr r="0" g="0" b="0"/>
-      </a:fillRef>
-      <a:effectRef idx="0">
-        <a:scrgbClr r="0" g="0" b="0"/>
-      </a:effectRef>
-      <a:fontRef idx="minor"/>
-    </dgm:style>
-  </dgm:styleLbl>
-  <dgm:styleLbl name="revTx">
-    <dgm:scene3d>
-      <a:camera prst="orthographicFront"/>
-      <a:lightRig rig="threePt" dir="t"/>
-    </dgm:scene3d>
-    <dgm:sp3d/>
-    <dgm:txPr/>
-    <dgm:style>
-      <a:lnRef idx="0">
-        <a:scrgbClr r="0" g="0" b="0"/>
-      </a:lnRef>
-      <a:fillRef idx="0">
-        <a:scrgbClr r="0" g="0" b="0"/>
-      </a:fillRef>
-      <a:effectRef idx="0">
-        <a:scrgbClr r="0" g="0" b="0"/>
-      </a:effectRef>
-      <a:fontRef idx="minor"/>
-    </dgm:style>
-  </dgm:styleLbl>
-</dgm:styleDef>
 </file>
 
 <file path=ppt/handoutMasters/handoutMaster1.xml><?xml version="1.0" encoding="utf-8"?>
@@ -8190,10 +5251,6 @@
           <a:bodyPr/>
           <a:lstStyle/>
           <a:p>
-            <a:r>
-              <a:rPr lang="de-DE"/>
-              <a:t>a</a:t>
-            </a:r>
             <a:endParaRPr lang="de-DE" dirty="0"/>
           </a:p>
         </p:txBody>
@@ -8371,7 +5428,15 @@
             </a:r>
             <a:r>
               <a:rPr lang="en-US" sz="900" dirty="0"/>
-              <a:t>, V. (2019) </a:t>
+              <a:t>, V. (2019), </a:t>
+            </a:r>
+            <a:r>
+              <a:rPr lang="en-US" sz="900" dirty="0" err="1"/>
+              <a:t>Kleppmann</a:t>
+            </a:r>
+            <a:r>
+              <a:rPr lang="en-US" sz="900" dirty="0"/>
+              <a:t>, M. (2017)</a:t>
             </a:r>
             <a:endParaRPr lang="de-DE" dirty="0"/>
           </a:p>
@@ -8404,50 +5469,1084 @@
             </a:r>
             <a:r>
               <a:rPr lang="de-DE" dirty="0"/>
-              <a:t>: Traditional </a:t>
-            </a:r>
-            <a:r>
-              <a:rPr lang="de-DE" dirty="0" err="1"/>
-              <a:t>Infrastructures</a:t>
-            </a:r>
-            <a:endParaRPr lang="de-DE" dirty="0"/>
+              <a:t>: Traditional Infrastructure</a:t>
+            </a:r>
           </a:p>
         </p:txBody>
       </p:sp>
-      <p:graphicFrame>
-        <p:nvGraphicFramePr>
-          <p:cNvPr id="7" name="Diagramm 6">
+      <p:sp>
+        <p:nvSpPr>
+          <p:cNvPr id="26" name="Flussdiagramm: Prozess 25">
             <a:extLst>
               <a:ext uri="{FF2B5EF4-FFF2-40B4-BE49-F238E27FC236}">
-                <a16:creationId xmlns:a16="http://schemas.microsoft.com/office/drawing/2014/main" id="{06F76D44-4FCB-E875-5914-855BEAE538A6}"/>
+                <a16:creationId xmlns:a16="http://schemas.microsoft.com/office/drawing/2014/main" id="{A2BBF822-0849-F1E0-8B38-5E45554481ED}"/>
               </a:ext>
             </a:extLst>
           </p:cNvPr>
-          <p:cNvGraphicFramePr/>
-          <p:nvPr>
-            <p:extLst>
-              <p:ext uri="{D42A27DB-BD31-4B8C-83A1-F6EECF244321}">
-                <p14:modId xmlns:p14="http://schemas.microsoft.com/office/powerpoint/2010/main" val="2802445984"/>
-              </p:ext>
-            </p:extLst>
-          </p:nvPr>
-        </p:nvGraphicFramePr>
-        <p:xfrm>
-          <a:off x="540000" y="1260000"/>
-          <a:ext cx="8064000" cy="2735928"/>
-        </p:xfrm>
-        <a:graphic>
-          <a:graphicData uri="http://schemas.openxmlformats.org/drawingml/2006/diagram">
-            <dgm:relIds xmlns:dgm="http://schemas.openxmlformats.org/drawingml/2006/diagram" xmlns:r="http://schemas.openxmlformats.org/officeDocument/2006/relationships" r:dm="rId2" r:lo="rId3" r:qs="rId4" r:cs="rId5"/>
-          </a:graphicData>
-        </a:graphic>
-      </p:graphicFrame>
+          <p:cNvSpPr/>
+          <p:nvPr/>
+        </p:nvSpPr>
+        <p:spPr bwMode="auto">
+          <a:xfrm>
+            <a:off x="393919" y="1208590"/>
+            <a:ext cx="1522805" cy="246221"/>
+          </a:xfrm>
+          <a:prstGeom prst="flowChartProcess">
+            <a:avLst/>
+          </a:prstGeom>
+          <a:ln w="3175">
+            <a:solidFill>
+              <a:schemeClr val="accent6"/>
+            </a:solidFill>
+            <a:prstDash val="dash"/>
+            <a:headEnd type="none" w="med" len="med"/>
+            <a:tailEnd type="none" w="med" len="med"/>
+          </a:ln>
+          <a:extLst>
+            <a:ext uri="{909E8E84-426E-40dd-AFC4-6F175D3DCCD1}">
+              <a14:hiddenFill xmlns:a14="http://schemas.microsoft.com/office/drawing/2010/main" xmlns="">
+                <a:solidFill>
+                  <a:schemeClr val="accent2"/>
+                </a:solidFill>
+              </a14:hiddenFill>
+            </a:ext>
+            <a:ext uri="{AF507438-7753-43e0-B8FC-AC1667EBCBE1}">
+              <a14:hiddenEffects xmlns:a14="http://schemas.microsoft.com/office/drawing/2010/main" xmlns="">
+                <a:effectLst>
+                  <a:outerShdw blurRad="63500" dist="35921" dir="2700000" algn="ctr" rotWithShape="0">
+                    <a:schemeClr val="bg2"/>
+                  </a:outerShdw>
+                </a:effectLst>
+              </a14:hiddenEffects>
+            </a:ext>
+          </a:extLst>
+        </p:spPr>
+        <p:style>
+          <a:lnRef idx="2">
+            <a:schemeClr val="accent6"/>
+          </a:lnRef>
+          <a:fillRef idx="1">
+            <a:schemeClr val="lt1"/>
+          </a:fillRef>
+          <a:effectRef idx="0">
+            <a:schemeClr val="accent6"/>
+          </a:effectRef>
+          <a:fontRef idx="minor">
+            <a:schemeClr val="dk1"/>
+          </a:fontRef>
+        </p:style>
+        <p:txBody>
+          <a:bodyPr vert="horz" wrap="square" lIns="0" tIns="0" rIns="0" bIns="0" numCol="1" rtlCol="0" anchor="ctr" anchorCtr="0" compatLnSpc="1">
+            <a:prstTxWarp prst="textNoShape">
+              <a:avLst/>
+            </a:prstTxWarp>
+            <a:spAutoFit/>
+          </a:bodyPr>
+          <a:lstStyle/>
+          <a:p>
+            <a:r>
+              <a:rPr lang="de-DE" sz="1600" b="1" dirty="0">
+                <a:solidFill>
+                  <a:schemeClr val="accent6">
+                    <a:lumMod val="60000"/>
+                    <a:lumOff val="40000"/>
+                  </a:schemeClr>
+                </a:solidFill>
+              </a:rPr>
+              <a:t>Users</a:t>
+            </a:r>
+          </a:p>
+        </p:txBody>
+      </p:sp>
+      <p:grpSp>
+        <p:nvGrpSpPr>
+          <p:cNvPr id="84" name="Gruppieren 83">
+            <a:extLst>
+              <a:ext uri="{FF2B5EF4-FFF2-40B4-BE49-F238E27FC236}">
+                <a16:creationId xmlns:a16="http://schemas.microsoft.com/office/drawing/2014/main" id="{ACEBCDAE-A384-9C8D-20AD-335ECA4C3577}"/>
+              </a:ext>
+            </a:extLst>
+          </p:cNvPr>
+          <p:cNvGrpSpPr/>
+          <p:nvPr/>
+        </p:nvGrpSpPr>
+        <p:grpSpPr>
+          <a:xfrm>
+            <a:off x="476347" y="1553189"/>
+            <a:ext cx="1368310" cy="982519"/>
+            <a:chOff x="832630" y="1342084"/>
+            <a:chExt cx="1368310" cy="982519"/>
+          </a:xfrm>
+        </p:grpSpPr>
+        <p:sp>
+          <p:nvSpPr>
+            <p:cNvPr id="47" name="Rectangle 170">
+              <a:extLst>
+                <a:ext uri="{FF2B5EF4-FFF2-40B4-BE49-F238E27FC236}">
+                  <a16:creationId xmlns:a16="http://schemas.microsoft.com/office/drawing/2014/main" id="{696F7C1F-F653-A28A-C6B3-6F128A9113B1}"/>
+                </a:ext>
+                <a:ext uri="{C183D7F6-B498-43B3-948B-1728B52AA6E4}">
+                  <adec:decorative xmlns:adec="http://schemas.microsoft.com/office/drawing/2017/decorative" val="1"/>
+                </a:ext>
+              </a:extLst>
+            </p:cNvPr>
+            <p:cNvSpPr>
+              <a:spLocks noChangeArrowheads="1"/>
+            </p:cNvSpPr>
+            <p:nvPr/>
+          </p:nvSpPr>
+          <p:spPr bwMode="auto">
+            <a:xfrm>
+              <a:off x="1012092" y="1342084"/>
+              <a:ext cx="1012911" cy="982519"/>
+            </a:xfrm>
+            <a:prstGeom prst="rect">
+              <a:avLst/>
+            </a:prstGeom>
+            <a:solidFill>
+              <a:schemeClr val="accent2"/>
+            </a:solidFill>
+            <a:ln>
+              <a:noFill/>
+            </a:ln>
+          </p:spPr>
+          <p:txBody>
+            <a:bodyPr vert="horz" wrap="square" lIns="91440" tIns="45720" rIns="91440" bIns="45720" numCol="1" anchor="t" anchorCtr="0" compatLnSpc="1">
+              <a:prstTxWarp prst="textNoShape">
+                <a:avLst/>
+              </a:prstTxWarp>
+            </a:bodyPr>
+            <a:lstStyle/>
+            <a:p>
+              <a:endParaRPr lang="en-US" sz="1400" dirty="0">
+                <a:solidFill>
+                  <a:schemeClr val="bg1"/>
+                </a:solidFill>
+              </a:endParaRPr>
+            </a:p>
+            <a:p>
+              <a:endParaRPr lang="en-US" sz="1400" dirty="0">
+                <a:solidFill>
+                  <a:schemeClr val="bg1"/>
+                </a:solidFill>
+              </a:endParaRPr>
+            </a:p>
+            <a:p>
+              <a:r>
+                <a:rPr lang="en-US" sz="1400" dirty="0">
+                  <a:solidFill>
+                    <a:schemeClr val="bg1"/>
+                  </a:solidFill>
+                </a:rPr>
+                <a:t>Call a</a:t>
+              </a:r>
+            </a:p>
+            <a:p>
+              <a:r>
+                <a:rPr lang="en-US" sz="1400" dirty="0">
+                  <a:solidFill>
+                    <a:schemeClr val="bg1"/>
+                  </a:solidFill>
+                </a:rPr>
+                <a:t>Taxi</a:t>
+              </a:r>
+            </a:p>
+          </p:txBody>
+        </p:sp>
+        <p:grpSp>
+          <p:nvGrpSpPr>
+            <p:cNvPr id="58" name="Gruppieren 57">
+              <a:extLst>
+                <a:ext uri="{FF2B5EF4-FFF2-40B4-BE49-F238E27FC236}">
+                  <a16:creationId xmlns:a16="http://schemas.microsoft.com/office/drawing/2014/main" id="{A2669368-D77E-F66D-EA91-87E807BB6A10}"/>
+                </a:ext>
+              </a:extLst>
+            </p:cNvPr>
+            <p:cNvGrpSpPr/>
+            <p:nvPr/>
+          </p:nvGrpSpPr>
+          <p:grpSpPr>
+            <a:xfrm>
+              <a:off x="832630" y="1347035"/>
+              <a:ext cx="1368310" cy="490405"/>
+              <a:chOff x="4389216" y="3744315"/>
+              <a:chExt cx="2179638" cy="822406"/>
+            </a:xfrm>
+          </p:grpSpPr>
+          <p:sp>
+            <p:nvSpPr>
+              <p:cNvPr id="54" name="Freeform 79">
+                <a:extLst>
+                  <a:ext uri="{FF2B5EF4-FFF2-40B4-BE49-F238E27FC236}">
+                    <a16:creationId xmlns:a16="http://schemas.microsoft.com/office/drawing/2014/main" id="{673AE5A4-71F5-7A7F-7FA2-65032778B99D}"/>
+                  </a:ext>
+                  <a:ext uri="{C183D7F6-B498-43B3-948B-1728B52AA6E4}">
+                    <adec:decorative xmlns:adec="http://schemas.microsoft.com/office/drawing/2017/decorative" val="1"/>
+                  </a:ext>
+                </a:extLst>
+              </p:cNvPr>
+              <p:cNvSpPr>
+                <a:spLocks/>
+              </p:cNvSpPr>
+              <p:nvPr/>
+            </p:nvSpPr>
+            <p:spPr bwMode="auto">
+              <a:xfrm>
+                <a:off x="6286279" y="4353996"/>
+                <a:ext cx="282575" cy="212725"/>
+              </a:xfrm>
+              <a:custGeom>
+                <a:avLst/>
+                <a:gdLst>
+                  <a:gd name="T0" fmla="*/ 178 w 178"/>
+                  <a:gd name="T1" fmla="*/ 0 h 134"/>
+                  <a:gd name="T2" fmla="*/ 0 w 178"/>
+                  <a:gd name="T3" fmla="*/ 0 h 134"/>
+                  <a:gd name="T4" fmla="*/ 0 w 178"/>
+                  <a:gd name="T5" fmla="*/ 134 h 134"/>
+                  <a:gd name="T6" fmla="*/ 178 w 178"/>
+                  <a:gd name="T7" fmla="*/ 0 h 134"/>
+                </a:gdLst>
+                <a:ahLst/>
+                <a:cxnLst>
+                  <a:cxn ang="0">
+                    <a:pos x="T0" y="T1"/>
+                  </a:cxn>
+                  <a:cxn ang="0">
+                    <a:pos x="T2" y="T3"/>
+                  </a:cxn>
+                  <a:cxn ang="0">
+                    <a:pos x="T4" y="T5"/>
+                  </a:cxn>
+                  <a:cxn ang="0">
+                    <a:pos x="T6" y="T7"/>
+                  </a:cxn>
+                </a:cxnLst>
+                <a:rect l="0" t="0" r="r" b="b"/>
+                <a:pathLst>
+                  <a:path w="178" h="134">
+                    <a:moveTo>
+                      <a:pt x="178" y="0"/>
+                    </a:moveTo>
+                    <a:lnTo>
+                      <a:pt x="0" y="0"/>
+                    </a:lnTo>
+                    <a:lnTo>
+                      <a:pt x="0" y="134"/>
+                    </a:lnTo>
+                    <a:lnTo>
+                      <a:pt x="178" y="0"/>
+                    </a:lnTo>
+                    <a:close/>
+                  </a:path>
+                </a:pathLst>
+              </a:custGeom>
+              <a:solidFill>
+                <a:schemeClr val="accent6">
+                  <a:lumMod val="50000"/>
+                </a:schemeClr>
+              </a:solidFill>
+              <a:ln>
+                <a:noFill/>
+              </a:ln>
+            </p:spPr>
+            <p:txBody>
+              <a:bodyPr vert="horz" wrap="square" lIns="91440" tIns="45720" rIns="91440" bIns="45720" numCol="1" anchor="t" anchorCtr="0" compatLnSpc="1">
+                <a:prstTxWarp prst="textNoShape">
+                  <a:avLst/>
+                </a:prstTxWarp>
+              </a:bodyPr>
+              <a:lstStyle/>
+              <a:p>
+                <a:endParaRPr lang="en-US" dirty="0"/>
+              </a:p>
+            </p:txBody>
+          </p:sp>
+          <p:sp>
+            <p:nvSpPr>
+              <p:cNvPr id="56" name="Freeform 78">
+                <a:extLst>
+                  <a:ext uri="{FF2B5EF4-FFF2-40B4-BE49-F238E27FC236}">
+                    <a16:creationId xmlns:a16="http://schemas.microsoft.com/office/drawing/2014/main" id="{95AB1296-45D0-90F3-CF15-76FDD71F9E4F}"/>
+                  </a:ext>
+                  <a:ext uri="{C183D7F6-B498-43B3-948B-1728B52AA6E4}">
+                    <adec:decorative xmlns:adec="http://schemas.microsoft.com/office/drawing/2017/decorative" val="1"/>
+                  </a:ext>
+                </a:extLst>
+              </p:cNvPr>
+              <p:cNvSpPr>
+                <a:spLocks/>
+              </p:cNvSpPr>
+              <p:nvPr/>
+            </p:nvSpPr>
+            <p:spPr bwMode="auto">
+              <a:xfrm>
+                <a:off x="4399694" y="3744315"/>
+                <a:ext cx="282575" cy="212725"/>
+              </a:xfrm>
+              <a:custGeom>
+                <a:avLst/>
+                <a:gdLst>
+                  <a:gd name="T0" fmla="*/ 178 w 178"/>
+                  <a:gd name="T1" fmla="*/ 0 h 134"/>
+                  <a:gd name="T2" fmla="*/ 0 w 178"/>
+                  <a:gd name="T3" fmla="*/ 134 h 134"/>
+                  <a:gd name="T4" fmla="*/ 178 w 178"/>
+                  <a:gd name="T5" fmla="*/ 134 h 134"/>
+                  <a:gd name="T6" fmla="*/ 178 w 178"/>
+                  <a:gd name="T7" fmla="*/ 0 h 134"/>
+                </a:gdLst>
+                <a:ahLst/>
+                <a:cxnLst>
+                  <a:cxn ang="0">
+                    <a:pos x="T0" y="T1"/>
+                  </a:cxn>
+                  <a:cxn ang="0">
+                    <a:pos x="T2" y="T3"/>
+                  </a:cxn>
+                  <a:cxn ang="0">
+                    <a:pos x="T4" y="T5"/>
+                  </a:cxn>
+                  <a:cxn ang="0">
+                    <a:pos x="T6" y="T7"/>
+                  </a:cxn>
+                </a:cxnLst>
+                <a:rect l="0" t="0" r="r" b="b"/>
+                <a:pathLst>
+                  <a:path w="178" h="134">
+                    <a:moveTo>
+                      <a:pt x="178" y="0"/>
+                    </a:moveTo>
+                    <a:lnTo>
+                      <a:pt x="0" y="134"/>
+                    </a:lnTo>
+                    <a:lnTo>
+                      <a:pt x="178" y="134"/>
+                    </a:lnTo>
+                    <a:lnTo>
+                      <a:pt x="178" y="0"/>
+                    </a:lnTo>
+                  </a:path>
+                </a:pathLst>
+              </a:custGeom>
+              <a:solidFill>
+                <a:schemeClr val="accent6">
+                  <a:lumMod val="50000"/>
+                </a:schemeClr>
+              </a:solidFill>
+              <a:ln>
+                <a:noFill/>
+              </a:ln>
+            </p:spPr>
+            <p:txBody>
+              <a:bodyPr vert="horz" wrap="square" lIns="91440" tIns="45720" rIns="91440" bIns="45720" numCol="1" anchor="t" anchorCtr="0" compatLnSpc="1">
+                <a:prstTxWarp prst="textNoShape">
+                  <a:avLst/>
+                </a:prstTxWarp>
+              </a:bodyPr>
+              <a:lstStyle/>
+              <a:p>
+                <a:endParaRPr lang="en-US" dirty="0"/>
+              </a:p>
+            </p:txBody>
+          </p:sp>
+          <p:sp>
+            <p:nvSpPr>
+              <p:cNvPr id="57" name="Rectangle 81">
+                <a:extLst>
+                  <a:ext uri="{FF2B5EF4-FFF2-40B4-BE49-F238E27FC236}">
+                    <a16:creationId xmlns:a16="http://schemas.microsoft.com/office/drawing/2014/main" id="{D5AC91B6-E37E-F79F-A78E-942EDEDDE198}"/>
+                  </a:ext>
+                  <a:ext uri="{C183D7F6-B498-43B3-948B-1728B52AA6E4}">
+                    <adec:decorative xmlns:adec="http://schemas.microsoft.com/office/drawing/2017/decorative" val="1"/>
+                  </a:ext>
+                </a:extLst>
+              </p:cNvPr>
+              <p:cNvSpPr>
+                <a:spLocks noChangeArrowheads="1"/>
+              </p:cNvSpPr>
+              <p:nvPr/>
+            </p:nvSpPr>
+            <p:spPr bwMode="auto">
+              <a:xfrm>
+                <a:off x="4389216" y="3946009"/>
+                <a:ext cx="2179638" cy="407988"/>
+              </a:xfrm>
+              <a:prstGeom prst="rect">
+                <a:avLst/>
+              </a:prstGeom>
+              <a:solidFill>
+                <a:srgbClr val="92D050"/>
+              </a:solidFill>
+              <a:ln>
+                <a:noFill/>
+              </a:ln>
+            </p:spPr>
+            <p:txBody>
+              <a:bodyPr vert="horz" wrap="square" lIns="91440" tIns="45720" rIns="91440" bIns="45720" numCol="1" anchor="t" anchorCtr="0" compatLnSpc="1">
+                <a:prstTxWarp prst="textNoShape">
+                  <a:avLst/>
+                </a:prstTxWarp>
+              </a:bodyPr>
+              <a:lstStyle/>
+              <a:p>
+                <a:r>
+                  <a:rPr lang="en-US" sz="1200" dirty="0">
+                    <a:solidFill>
+                      <a:schemeClr val="bg1"/>
+                    </a:solidFill>
+                  </a:rPr>
+                  <a:t>Customer</a:t>
+                </a:r>
+              </a:p>
+            </p:txBody>
+          </p:sp>
+        </p:grpSp>
+      </p:grpSp>
+      <p:sp>
+        <p:nvSpPr>
+          <p:cNvPr id="60" name="Rectangle 170">
+            <a:extLst>
+              <a:ext uri="{FF2B5EF4-FFF2-40B4-BE49-F238E27FC236}">
+                <a16:creationId xmlns:a16="http://schemas.microsoft.com/office/drawing/2014/main" id="{495F9973-8E2C-0531-0CCC-9079E51AB0CB}"/>
+              </a:ext>
+              <a:ext uri="{C183D7F6-B498-43B3-948B-1728B52AA6E4}">
+                <adec:decorative xmlns:adec="http://schemas.microsoft.com/office/drawing/2017/decorative" val="1"/>
+              </a:ext>
+            </a:extLst>
+          </p:cNvPr>
+          <p:cNvSpPr>
+            <a:spLocks noChangeArrowheads="1"/>
+          </p:cNvSpPr>
+          <p:nvPr/>
+        </p:nvSpPr>
+        <p:spPr bwMode="auto">
+          <a:xfrm>
+            <a:off x="659943" y="3104714"/>
+            <a:ext cx="1012911" cy="982519"/>
+          </a:xfrm>
+          <a:prstGeom prst="rect">
+            <a:avLst/>
+          </a:prstGeom>
+          <a:solidFill>
+            <a:schemeClr val="accent2"/>
+          </a:solidFill>
+          <a:ln>
+            <a:noFill/>
+          </a:ln>
+        </p:spPr>
+        <p:txBody>
+          <a:bodyPr vert="horz" wrap="square" lIns="91440" tIns="45720" rIns="91440" bIns="45720" numCol="1" anchor="t" anchorCtr="0" compatLnSpc="1">
+            <a:prstTxWarp prst="textNoShape">
+              <a:avLst/>
+            </a:prstTxWarp>
+          </a:bodyPr>
+          <a:lstStyle/>
+          <a:p>
+            <a:endParaRPr lang="en-US" sz="1400" dirty="0">
+              <a:solidFill>
+                <a:schemeClr val="bg1"/>
+              </a:solidFill>
+            </a:endParaRPr>
+          </a:p>
+          <a:p>
+            <a:endParaRPr lang="en-US" sz="1400" dirty="0">
+              <a:solidFill>
+                <a:schemeClr val="bg1"/>
+              </a:solidFill>
+            </a:endParaRPr>
+          </a:p>
+          <a:p>
+            <a:r>
+              <a:rPr lang="en-US" sz="1400" dirty="0">
+                <a:solidFill>
+                  <a:schemeClr val="bg1"/>
+                </a:solidFill>
+              </a:rPr>
+              <a:t>Accept</a:t>
+            </a:r>
+          </a:p>
+          <a:p>
+            <a:r>
+              <a:rPr lang="en-US" sz="1400" dirty="0">
+                <a:solidFill>
+                  <a:schemeClr val="bg1"/>
+                </a:solidFill>
+              </a:rPr>
+              <a:t>Order</a:t>
+            </a:r>
+          </a:p>
+        </p:txBody>
+      </p:sp>
+      <p:grpSp>
+        <p:nvGrpSpPr>
+          <p:cNvPr id="62" name="Gruppieren 61">
+            <a:extLst>
+              <a:ext uri="{FF2B5EF4-FFF2-40B4-BE49-F238E27FC236}">
+                <a16:creationId xmlns:a16="http://schemas.microsoft.com/office/drawing/2014/main" id="{EAB5A5D5-04B7-034D-6821-0BC404333CDD}"/>
+              </a:ext>
+            </a:extLst>
+          </p:cNvPr>
+          <p:cNvGrpSpPr/>
+          <p:nvPr/>
+        </p:nvGrpSpPr>
+        <p:grpSpPr>
+          <a:xfrm>
+            <a:off x="480481" y="3109665"/>
+            <a:ext cx="1368310" cy="490405"/>
+            <a:chOff x="4389216" y="3744315"/>
+            <a:chExt cx="2179638" cy="822406"/>
+          </a:xfrm>
+        </p:grpSpPr>
+        <p:sp>
+          <p:nvSpPr>
+            <p:cNvPr id="63" name="Freeform 79">
+              <a:extLst>
+                <a:ext uri="{FF2B5EF4-FFF2-40B4-BE49-F238E27FC236}">
+                  <a16:creationId xmlns:a16="http://schemas.microsoft.com/office/drawing/2014/main" id="{A79E5339-DAF7-FB93-3AAB-8E8F27CA8E38}"/>
+                </a:ext>
+                <a:ext uri="{C183D7F6-B498-43B3-948B-1728B52AA6E4}">
+                  <adec:decorative xmlns:adec="http://schemas.microsoft.com/office/drawing/2017/decorative" val="1"/>
+                </a:ext>
+              </a:extLst>
+            </p:cNvPr>
+            <p:cNvSpPr>
+              <a:spLocks/>
+            </p:cNvSpPr>
+            <p:nvPr/>
+          </p:nvSpPr>
+          <p:spPr bwMode="auto">
+            <a:xfrm>
+              <a:off x="6286279" y="4353996"/>
+              <a:ext cx="282575" cy="212725"/>
+            </a:xfrm>
+            <a:custGeom>
+              <a:avLst/>
+              <a:gdLst>
+                <a:gd name="T0" fmla="*/ 178 w 178"/>
+                <a:gd name="T1" fmla="*/ 0 h 134"/>
+                <a:gd name="T2" fmla="*/ 0 w 178"/>
+                <a:gd name="T3" fmla="*/ 0 h 134"/>
+                <a:gd name="T4" fmla="*/ 0 w 178"/>
+                <a:gd name="T5" fmla="*/ 134 h 134"/>
+                <a:gd name="T6" fmla="*/ 178 w 178"/>
+                <a:gd name="T7" fmla="*/ 0 h 134"/>
+              </a:gdLst>
+              <a:ahLst/>
+              <a:cxnLst>
+                <a:cxn ang="0">
+                  <a:pos x="T0" y="T1"/>
+                </a:cxn>
+                <a:cxn ang="0">
+                  <a:pos x="T2" y="T3"/>
+                </a:cxn>
+                <a:cxn ang="0">
+                  <a:pos x="T4" y="T5"/>
+                </a:cxn>
+                <a:cxn ang="0">
+                  <a:pos x="T6" y="T7"/>
+                </a:cxn>
+              </a:cxnLst>
+              <a:rect l="0" t="0" r="r" b="b"/>
+              <a:pathLst>
+                <a:path w="178" h="134">
+                  <a:moveTo>
+                    <a:pt x="178" y="0"/>
+                  </a:moveTo>
+                  <a:lnTo>
+                    <a:pt x="0" y="0"/>
+                  </a:lnTo>
+                  <a:lnTo>
+                    <a:pt x="0" y="134"/>
+                  </a:lnTo>
+                  <a:lnTo>
+                    <a:pt x="178" y="0"/>
+                  </a:lnTo>
+                  <a:close/>
+                </a:path>
+              </a:pathLst>
+            </a:custGeom>
+            <a:solidFill>
+              <a:schemeClr val="accent6">
+                <a:lumMod val="50000"/>
+              </a:schemeClr>
+            </a:solidFill>
+            <a:ln>
+              <a:noFill/>
+            </a:ln>
+          </p:spPr>
+          <p:txBody>
+            <a:bodyPr vert="horz" wrap="square" lIns="91440" tIns="45720" rIns="91440" bIns="45720" numCol="1" anchor="t" anchorCtr="0" compatLnSpc="1">
+              <a:prstTxWarp prst="textNoShape">
+                <a:avLst/>
+              </a:prstTxWarp>
+            </a:bodyPr>
+            <a:lstStyle/>
+            <a:p>
+              <a:endParaRPr lang="en-US" dirty="0"/>
+            </a:p>
+          </p:txBody>
+        </p:sp>
+        <p:sp>
+          <p:nvSpPr>
+            <p:cNvPr id="64" name="Freeform 78">
+              <a:extLst>
+                <a:ext uri="{FF2B5EF4-FFF2-40B4-BE49-F238E27FC236}">
+                  <a16:creationId xmlns:a16="http://schemas.microsoft.com/office/drawing/2014/main" id="{8BE28485-950D-CB8F-C305-70E3BEA5AEF9}"/>
+                </a:ext>
+                <a:ext uri="{C183D7F6-B498-43B3-948B-1728B52AA6E4}">
+                  <adec:decorative xmlns:adec="http://schemas.microsoft.com/office/drawing/2017/decorative" val="1"/>
+                </a:ext>
+              </a:extLst>
+            </p:cNvPr>
+            <p:cNvSpPr>
+              <a:spLocks/>
+            </p:cNvSpPr>
+            <p:nvPr/>
+          </p:nvSpPr>
+          <p:spPr bwMode="auto">
+            <a:xfrm>
+              <a:off x="4399694" y="3744315"/>
+              <a:ext cx="282575" cy="212725"/>
+            </a:xfrm>
+            <a:custGeom>
+              <a:avLst/>
+              <a:gdLst>
+                <a:gd name="T0" fmla="*/ 178 w 178"/>
+                <a:gd name="T1" fmla="*/ 0 h 134"/>
+                <a:gd name="T2" fmla="*/ 0 w 178"/>
+                <a:gd name="T3" fmla="*/ 134 h 134"/>
+                <a:gd name="T4" fmla="*/ 178 w 178"/>
+                <a:gd name="T5" fmla="*/ 134 h 134"/>
+                <a:gd name="T6" fmla="*/ 178 w 178"/>
+                <a:gd name="T7" fmla="*/ 0 h 134"/>
+              </a:gdLst>
+              <a:ahLst/>
+              <a:cxnLst>
+                <a:cxn ang="0">
+                  <a:pos x="T0" y="T1"/>
+                </a:cxn>
+                <a:cxn ang="0">
+                  <a:pos x="T2" y="T3"/>
+                </a:cxn>
+                <a:cxn ang="0">
+                  <a:pos x="T4" y="T5"/>
+                </a:cxn>
+                <a:cxn ang="0">
+                  <a:pos x="T6" y="T7"/>
+                </a:cxn>
+              </a:cxnLst>
+              <a:rect l="0" t="0" r="r" b="b"/>
+              <a:pathLst>
+                <a:path w="178" h="134">
+                  <a:moveTo>
+                    <a:pt x="178" y="0"/>
+                  </a:moveTo>
+                  <a:lnTo>
+                    <a:pt x="0" y="134"/>
+                  </a:lnTo>
+                  <a:lnTo>
+                    <a:pt x="178" y="134"/>
+                  </a:lnTo>
+                  <a:lnTo>
+                    <a:pt x="178" y="0"/>
+                  </a:lnTo>
+                </a:path>
+              </a:pathLst>
+            </a:custGeom>
+            <a:solidFill>
+              <a:schemeClr val="accent6">
+                <a:lumMod val="50000"/>
+              </a:schemeClr>
+            </a:solidFill>
+            <a:ln>
+              <a:noFill/>
+            </a:ln>
+          </p:spPr>
+          <p:txBody>
+            <a:bodyPr vert="horz" wrap="square" lIns="91440" tIns="45720" rIns="91440" bIns="45720" numCol="1" anchor="t" anchorCtr="0" compatLnSpc="1">
+              <a:prstTxWarp prst="textNoShape">
+                <a:avLst/>
+              </a:prstTxWarp>
+            </a:bodyPr>
+            <a:lstStyle/>
+            <a:p>
+              <a:endParaRPr lang="en-US" dirty="0"/>
+            </a:p>
+          </p:txBody>
+        </p:sp>
+        <p:sp>
+          <p:nvSpPr>
+            <p:cNvPr id="65" name="Rectangle 81">
+              <a:extLst>
+                <a:ext uri="{FF2B5EF4-FFF2-40B4-BE49-F238E27FC236}">
+                  <a16:creationId xmlns:a16="http://schemas.microsoft.com/office/drawing/2014/main" id="{D10AAD19-5C58-D8D8-1697-B9173CD5156B}"/>
+                </a:ext>
+                <a:ext uri="{C183D7F6-B498-43B3-948B-1728B52AA6E4}">
+                  <adec:decorative xmlns:adec="http://schemas.microsoft.com/office/drawing/2017/decorative" val="1"/>
+                </a:ext>
+              </a:extLst>
+            </p:cNvPr>
+            <p:cNvSpPr>
+              <a:spLocks noChangeArrowheads="1"/>
+            </p:cNvSpPr>
+            <p:nvPr/>
+          </p:nvSpPr>
+          <p:spPr bwMode="auto">
+            <a:xfrm>
+              <a:off x="4389216" y="3946009"/>
+              <a:ext cx="2179638" cy="407988"/>
+            </a:xfrm>
+            <a:prstGeom prst="rect">
+              <a:avLst/>
+            </a:prstGeom>
+            <a:solidFill>
+              <a:srgbClr val="92D050"/>
+            </a:solidFill>
+            <a:ln>
+              <a:noFill/>
+            </a:ln>
+          </p:spPr>
+          <p:txBody>
+            <a:bodyPr vert="horz" wrap="square" lIns="91440" tIns="45720" rIns="91440" bIns="45720" numCol="1" anchor="t" anchorCtr="0" compatLnSpc="1">
+              <a:prstTxWarp prst="textNoShape">
+                <a:avLst/>
+              </a:prstTxWarp>
+            </a:bodyPr>
+            <a:lstStyle/>
+            <a:p>
+              <a:r>
+                <a:rPr lang="en-US" sz="1200" dirty="0">
+                  <a:solidFill>
+                    <a:schemeClr val="bg1"/>
+                  </a:solidFill>
+                </a:rPr>
+                <a:t>Taxi Driver</a:t>
+              </a:r>
+            </a:p>
+          </p:txBody>
+        </p:sp>
+      </p:grpSp>
+      <p:sp>
+        <p:nvSpPr>
+          <p:cNvPr id="74" name="Rectangle 170">
+            <a:extLst>
+              <a:ext uri="{FF2B5EF4-FFF2-40B4-BE49-F238E27FC236}">
+                <a16:creationId xmlns:a16="http://schemas.microsoft.com/office/drawing/2014/main" id="{EDDD05D2-6ED3-717E-1EB3-46436F54CF49}"/>
+              </a:ext>
+              <a:ext uri="{C183D7F6-B498-43B3-948B-1728B52AA6E4}">
+                <adec:decorative xmlns:adec="http://schemas.microsoft.com/office/drawing/2017/decorative" val="1"/>
+              </a:ext>
+            </a:extLst>
+          </p:cNvPr>
+          <p:cNvSpPr>
+            <a:spLocks noChangeArrowheads="1"/>
+          </p:cNvSpPr>
+          <p:nvPr/>
+        </p:nvSpPr>
+        <p:spPr bwMode="auto">
+          <a:xfrm>
+            <a:off x="667265" y="4639434"/>
+            <a:ext cx="1012911" cy="982519"/>
+          </a:xfrm>
+          <a:prstGeom prst="rect">
+            <a:avLst/>
+          </a:prstGeom>
+          <a:solidFill>
+            <a:schemeClr val="accent2"/>
+          </a:solidFill>
+          <a:ln>
+            <a:noFill/>
+          </a:ln>
+        </p:spPr>
+        <p:txBody>
+          <a:bodyPr vert="horz" wrap="square" lIns="91440" tIns="45720" rIns="91440" bIns="45720" numCol="1" anchor="t" anchorCtr="0" compatLnSpc="1">
+            <a:prstTxWarp prst="textNoShape">
+              <a:avLst/>
+            </a:prstTxWarp>
+          </a:bodyPr>
+          <a:lstStyle/>
+          <a:p>
+            <a:endParaRPr lang="en-US" sz="1400" dirty="0">
+              <a:solidFill>
+                <a:schemeClr val="bg1"/>
+              </a:solidFill>
+            </a:endParaRPr>
+          </a:p>
+          <a:p>
+            <a:endParaRPr lang="en-US" sz="1400" dirty="0">
+              <a:solidFill>
+                <a:schemeClr val="bg1"/>
+              </a:solidFill>
+            </a:endParaRPr>
+          </a:p>
+          <a:p>
+            <a:r>
+              <a:rPr lang="en-US" sz="1400" dirty="0">
+                <a:solidFill>
+                  <a:schemeClr val="bg1"/>
+                </a:solidFill>
+              </a:rPr>
+              <a:t>Plan the route</a:t>
+            </a:r>
+          </a:p>
+        </p:txBody>
+      </p:sp>
+      <p:grpSp>
+        <p:nvGrpSpPr>
+          <p:cNvPr id="76" name="Gruppieren 75">
+            <a:extLst>
+              <a:ext uri="{FF2B5EF4-FFF2-40B4-BE49-F238E27FC236}">
+                <a16:creationId xmlns:a16="http://schemas.microsoft.com/office/drawing/2014/main" id="{83499FAB-9D03-20BD-726E-128842C6FEDD}"/>
+              </a:ext>
+            </a:extLst>
+          </p:cNvPr>
+          <p:cNvGrpSpPr/>
+          <p:nvPr/>
+        </p:nvGrpSpPr>
+        <p:grpSpPr>
+          <a:xfrm>
+            <a:off x="501710" y="4644268"/>
+            <a:ext cx="1354470" cy="496983"/>
+            <a:chOff x="4399694" y="3733284"/>
+            <a:chExt cx="2179746" cy="833437"/>
+          </a:xfrm>
+        </p:grpSpPr>
+        <p:sp>
+          <p:nvSpPr>
+            <p:cNvPr id="77" name="Freeform 79">
+              <a:extLst>
+                <a:ext uri="{FF2B5EF4-FFF2-40B4-BE49-F238E27FC236}">
+                  <a16:creationId xmlns:a16="http://schemas.microsoft.com/office/drawing/2014/main" id="{C85757D9-6092-EF5D-EC13-0FEBC7A3FA7A}"/>
+                </a:ext>
+                <a:ext uri="{C183D7F6-B498-43B3-948B-1728B52AA6E4}">
+                  <adec:decorative xmlns:adec="http://schemas.microsoft.com/office/drawing/2017/decorative" val="1"/>
+                </a:ext>
+              </a:extLst>
+            </p:cNvPr>
+            <p:cNvSpPr>
+              <a:spLocks/>
+            </p:cNvSpPr>
+            <p:nvPr/>
+          </p:nvSpPr>
+          <p:spPr bwMode="auto">
+            <a:xfrm>
+              <a:off x="6286279" y="4353996"/>
+              <a:ext cx="282575" cy="212725"/>
+            </a:xfrm>
+            <a:custGeom>
+              <a:avLst/>
+              <a:gdLst>
+                <a:gd name="T0" fmla="*/ 178 w 178"/>
+                <a:gd name="T1" fmla="*/ 0 h 134"/>
+                <a:gd name="T2" fmla="*/ 0 w 178"/>
+                <a:gd name="T3" fmla="*/ 0 h 134"/>
+                <a:gd name="T4" fmla="*/ 0 w 178"/>
+                <a:gd name="T5" fmla="*/ 134 h 134"/>
+                <a:gd name="T6" fmla="*/ 178 w 178"/>
+                <a:gd name="T7" fmla="*/ 0 h 134"/>
+              </a:gdLst>
+              <a:ahLst/>
+              <a:cxnLst>
+                <a:cxn ang="0">
+                  <a:pos x="T0" y="T1"/>
+                </a:cxn>
+                <a:cxn ang="0">
+                  <a:pos x="T2" y="T3"/>
+                </a:cxn>
+                <a:cxn ang="0">
+                  <a:pos x="T4" y="T5"/>
+                </a:cxn>
+                <a:cxn ang="0">
+                  <a:pos x="T6" y="T7"/>
+                </a:cxn>
+              </a:cxnLst>
+              <a:rect l="0" t="0" r="r" b="b"/>
+              <a:pathLst>
+                <a:path w="178" h="134">
+                  <a:moveTo>
+                    <a:pt x="178" y="0"/>
+                  </a:moveTo>
+                  <a:lnTo>
+                    <a:pt x="0" y="0"/>
+                  </a:lnTo>
+                  <a:lnTo>
+                    <a:pt x="0" y="134"/>
+                  </a:lnTo>
+                  <a:lnTo>
+                    <a:pt x="178" y="0"/>
+                  </a:lnTo>
+                  <a:close/>
+                </a:path>
+              </a:pathLst>
+            </a:custGeom>
+            <a:solidFill>
+              <a:schemeClr val="accent6">
+                <a:lumMod val="50000"/>
+              </a:schemeClr>
+            </a:solidFill>
+            <a:ln>
+              <a:noFill/>
+            </a:ln>
+          </p:spPr>
+          <p:txBody>
+            <a:bodyPr vert="horz" wrap="square" lIns="91440" tIns="45720" rIns="91440" bIns="45720" numCol="1" anchor="t" anchorCtr="0" compatLnSpc="1">
+              <a:prstTxWarp prst="textNoShape">
+                <a:avLst/>
+              </a:prstTxWarp>
+            </a:bodyPr>
+            <a:lstStyle/>
+            <a:p>
+              <a:endParaRPr lang="en-US" dirty="0"/>
+            </a:p>
+          </p:txBody>
+        </p:sp>
+        <p:sp>
+          <p:nvSpPr>
+            <p:cNvPr id="78" name="Freeform 78">
+              <a:extLst>
+                <a:ext uri="{FF2B5EF4-FFF2-40B4-BE49-F238E27FC236}">
+                  <a16:creationId xmlns:a16="http://schemas.microsoft.com/office/drawing/2014/main" id="{7E1A581F-E552-9B00-D534-59A3698B4AB5}"/>
+                </a:ext>
+                <a:ext uri="{C183D7F6-B498-43B3-948B-1728B52AA6E4}">
+                  <adec:decorative xmlns:adec="http://schemas.microsoft.com/office/drawing/2017/decorative" val="1"/>
+                </a:ext>
+              </a:extLst>
+            </p:cNvPr>
+            <p:cNvSpPr>
+              <a:spLocks/>
+            </p:cNvSpPr>
+            <p:nvPr/>
+          </p:nvSpPr>
+          <p:spPr bwMode="auto">
+            <a:xfrm>
+              <a:off x="4399694" y="3733284"/>
+              <a:ext cx="282575" cy="212725"/>
+            </a:xfrm>
+            <a:custGeom>
+              <a:avLst/>
+              <a:gdLst>
+                <a:gd name="T0" fmla="*/ 178 w 178"/>
+                <a:gd name="T1" fmla="*/ 0 h 134"/>
+                <a:gd name="T2" fmla="*/ 0 w 178"/>
+                <a:gd name="T3" fmla="*/ 134 h 134"/>
+                <a:gd name="T4" fmla="*/ 178 w 178"/>
+                <a:gd name="T5" fmla="*/ 134 h 134"/>
+                <a:gd name="T6" fmla="*/ 178 w 178"/>
+                <a:gd name="T7" fmla="*/ 0 h 134"/>
+              </a:gdLst>
+              <a:ahLst/>
+              <a:cxnLst>
+                <a:cxn ang="0">
+                  <a:pos x="T0" y="T1"/>
+                </a:cxn>
+                <a:cxn ang="0">
+                  <a:pos x="T2" y="T3"/>
+                </a:cxn>
+                <a:cxn ang="0">
+                  <a:pos x="T4" y="T5"/>
+                </a:cxn>
+                <a:cxn ang="0">
+                  <a:pos x="T6" y="T7"/>
+                </a:cxn>
+              </a:cxnLst>
+              <a:rect l="0" t="0" r="r" b="b"/>
+              <a:pathLst>
+                <a:path w="178" h="134">
+                  <a:moveTo>
+                    <a:pt x="178" y="0"/>
+                  </a:moveTo>
+                  <a:lnTo>
+                    <a:pt x="0" y="134"/>
+                  </a:lnTo>
+                  <a:lnTo>
+                    <a:pt x="178" y="134"/>
+                  </a:lnTo>
+                  <a:lnTo>
+                    <a:pt x="178" y="0"/>
+                  </a:lnTo>
+                </a:path>
+              </a:pathLst>
+            </a:custGeom>
+            <a:solidFill>
+              <a:schemeClr val="accent6">
+                <a:lumMod val="50000"/>
+              </a:schemeClr>
+            </a:solidFill>
+            <a:ln>
+              <a:noFill/>
+            </a:ln>
+          </p:spPr>
+          <p:txBody>
+            <a:bodyPr vert="horz" wrap="square" lIns="91440" tIns="45720" rIns="91440" bIns="45720" numCol="1" anchor="t" anchorCtr="0" compatLnSpc="1">
+              <a:prstTxWarp prst="textNoShape">
+                <a:avLst/>
+              </a:prstTxWarp>
+            </a:bodyPr>
+            <a:lstStyle/>
+            <a:p>
+              <a:endParaRPr lang="en-US" dirty="0"/>
+            </a:p>
+          </p:txBody>
+        </p:sp>
+        <p:sp>
+          <p:nvSpPr>
+            <p:cNvPr id="79" name="Rectangle 81">
+              <a:extLst>
+                <a:ext uri="{FF2B5EF4-FFF2-40B4-BE49-F238E27FC236}">
+                  <a16:creationId xmlns:a16="http://schemas.microsoft.com/office/drawing/2014/main" id="{A43D3C92-DEAF-5418-ED5D-B281F963DD7F}"/>
+                </a:ext>
+                <a:ext uri="{C183D7F6-B498-43B3-948B-1728B52AA6E4}">
+                  <adec:decorative xmlns:adec="http://schemas.microsoft.com/office/drawing/2017/decorative" val="1"/>
+                </a:ext>
+              </a:extLst>
+            </p:cNvPr>
+            <p:cNvSpPr>
+              <a:spLocks noChangeArrowheads="1"/>
+            </p:cNvSpPr>
+            <p:nvPr/>
+          </p:nvSpPr>
+          <p:spPr bwMode="auto">
+            <a:xfrm>
+              <a:off x="4399802" y="3946009"/>
+              <a:ext cx="2179638" cy="407987"/>
+            </a:xfrm>
+            <a:prstGeom prst="rect">
+              <a:avLst/>
+            </a:prstGeom>
+            <a:solidFill>
+              <a:srgbClr val="92D050"/>
+            </a:solidFill>
+            <a:ln>
+              <a:noFill/>
+            </a:ln>
+          </p:spPr>
+          <p:txBody>
+            <a:bodyPr vert="horz" wrap="square" lIns="91440" tIns="45720" rIns="91440" bIns="45720" numCol="1" anchor="t" anchorCtr="0" compatLnSpc="1">
+              <a:prstTxWarp prst="textNoShape">
+                <a:avLst/>
+              </a:prstTxWarp>
+            </a:bodyPr>
+            <a:lstStyle/>
+            <a:p>
+              <a:r>
+                <a:rPr lang="en-US" sz="1200" dirty="0">
+                  <a:solidFill>
+                    <a:schemeClr val="bg1"/>
+                  </a:solidFill>
+                </a:rPr>
+                <a:t>Navigator</a:t>
+              </a:r>
+            </a:p>
+          </p:txBody>
+        </p:sp>
+      </p:grpSp>
       <p:pic>
         <p:nvPicPr>
-          <p:cNvPr id="11" name="Grafik 10" descr="Balkendiagramm mit einfarbiger Füllung">
+          <p:cNvPr id="97" name="Grafik 96" descr="Smartphone Silhouette">
             <a:extLst>
               <a:ext uri="{FF2B5EF4-FFF2-40B4-BE49-F238E27FC236}">
-                <a16:creationId xmlns:a16="http://schemas.microsoft.com/office/drawing/2014/main" id="{444A4D1A-147D-DB9D-14FA-1AF68C7D2414}"/>
+                <a16:creationId xmlns:a16="http://schemas.microsoft.com/office/drawing/2014/main" id="{E5E36AE3-AC87-C466-C13F-984FB306CB87}"/>
               </a:ext>
             </a:extLst>
           </p:cNvPr>
@@ -8457,10 +6556,10 @@
           <p:nvPr/>
         </p:nvPicPr>
         <p:blipFill>
-          <a:blip r:embed="rId7">
+          <a:blip r:embed="rId2">
             <a:extLst>
               <a:ext uri="{96DAC541-7B7A-43D3-8B79-37D633B846F1}">
-                <asvg:svgBlip xmlns:asvg="http://schemas.microsoft.com/office/drawing/2016/SVG/main" r:embed="rId8"/>
+                <asvg:svgBlip xmlns:asvg="http://schemas.microsoft.com/office/drawing/2016/SVG/main" r:embed="rId3"/>
               </a:ext>
             </a:extLst>
           </a:blip>
@@ -8470,7 +6569,1738 @@
         </p:blipFill>
         <p:spPr>
           <a:xfrm>
-            <a:off x="5083560" y="4160520"/>
+            <a:off x="1219709" y="2592572"/>
+            <a:ext cx="360000" cy="360000"/>
+          </a:xfrm>
+          <a:prstGeom prst="rect">
+            <a:avLst/>
+          </a:prstGeom>
+        </p:spPr>
+      </p:pic>
+      <p:cxnSp>
+        <p:nvCxnSpPr>
+          <p:cNvPr id="100" name="Gerade Verbindung mit Pfeil 99">
+            <a:extLst>
+              <a:ext uri="{FF2B5EF4-FFF2-40B4-BE49-F238E27FC236}">
+                <a16:creationId xmlns:a16="http://schemas.microsoft.com/office/drawing/2014/main" id="{50938838-1D66-4EDE-A114-AE041EDB4040}"/>
+              </a:ext>
+            </a:extLst>
+          </p:cNvPr>
+          <p:cNvCxnSpPr>
+            <a:cxnSpLocks/>
+            <a:stCxn id="47" idx="2"/>
+            <a:endCxn id="60" idx="0"/>
+          </p:cNvCxnSpPr>
+          <p:nvPr/>
+        </p:nvCxnSpPr>
+        <p:spPr bwMode="auto">
+          <a:xfrm>
+            <a:off x="1162265" y="2535708"/>
+            <a:ext cx="4134" cy="569006"/>
+          </a:xfrm>
+          <a:prstGeom prst="straightConnector1">
+            <a:avLst/>
+          </a:prstGeom>
+          <a:noFill/>
+          <a:ln w="6350" cap="flat" cmpd="sng" algn="ctr">
+            <a:solidFill>
+              <a:schemeClr val="accent6"/>
+            </a:solidFill>
+            <a:prstDash val="solid"/>
+            <a:round/>
+            <a:headEnd type="none" w="med" len="med"/>
+            <a:tailEnd type="triangle"/>
+          </a:ln>
+          <a:effectLst/>
+          <a:extLst>
+            <a:ext uri="{909E8E84-426E-40dd-AFC4-6F175D3DCCD1}">
+              <a14:hiddenFill xmlns:a14="http://schemas.microsoft.com/office/drawing/2010/main" xmlns="">
+                <a:solidFill>
+                  <a:schemeClr val="accent2"/>
+                </a:solidFill>
+              </a14:hiddenFill>
+            </a:ext>
+            <a:ext uri="{AF507438-7753-43e0-B8FC-AC1667EBCBE1}">
+              <a14:hiddenEffects xmlns:a14="http://schemas.microsoft.com/office/drawing/2010/main" xmlns="">
+                <a:effectLst>
+                  <a:outerShdw blurRad="63500" dist="35921" dir="2700000" algn="ctr" rotWithShape="0">
+                    <a:schemeClr val="bg2"/>
+                  </a:outerShdw>
+                </a:effectLst>
+              </a14:hiddenEffects>
+            </a:ext>
+          </a:extLst>
+        </p:spPr>
+      </p:cxnSp>
+      <p:pic>
+        <p:nvPicPr>
+          <p:cNvPr id="103" name="Grafik 102" descr="Kompass Silhouette">
+            <a:extLst>
+              <a:ext uri="{FF2B5EF4-FFF2-40B4-BE49-F238E27FC236}">
+                <a16:creationId xmlns:a16="http://schemas.microsoft.com/office/drawing/2014/main" id="{E291A487-22D9-2802-3EB8-77B19C64ACC9}"/>
+              </a:ext>
+            </a:extLst>
+          </p:cNvPr>
+          <p:cNvPicPr>
+            <a:picLocks noChangeAspect="1"/>
+          </p:cNvPicPr>
+          <p:nvPr/>
+        </p:nvPicPr>
+        <p:blipFill>
+          <a:blip r:embed="rId4">
+            <a:extLst>
+              <a:ext uri="{96DAC541-7B7A-43D3-8B79-37D633B846F1}">
+                <asvg:svgBlip xmlns:asvg="http://schemas.microsoft.com/office/drawing/2016/SVG/main" r:embed="rId5"/>
+              </a:ext>
+            </a:extLst>
+          </a:blip>
+          <a:stretch>
+            <a:fillRect/>
+          </a:stretch>
+        </p:blipFill>
+        <p:spPr>
+          <a:xfrm>
+            <a:off x="723163" y="4159199"/>
+            <a:ext cx="360000" cy="360000"/>
+          </a:xfrm>
+          <a:prstGeom prst="rect">
+            <a:avLst/>
+          </a:prstGeom>
+        </p:spPr>
+      </p:pic>
+      <p:sp>
+        <p:nvSpPr>
+          <p:cNvPr id="109" name="Textfeld 108">
+            <a:extLst>
+              <a:ext uri="{FF2B5EF4-FFF2-40B4-BE49-F238E27FC236}">
+                <a16:creationId xmlns:a16="http://schemas.microsoft.com/office/drawing/2014/main" id="{02870838-80EC-5AC2-CE1C-4A601F590F4D}"/>
+              </a:ext>
+            </a:extLst>
+          </p:cNvPr>
+          <p:cNvSpPr txBox="1"/>
+          <p:nvPr/>
+        </p:nvSpPr>
+        <p:spPr>
+          <a:xfrm>
+            <a:off x="2164174" y="4755023"/>
+            <a:ext cx="1012911" cy="276999"/>
+          </a:xfrm>
+          <a:prstGeom prst="rect">
+            <a:avLst/>
+          </a:prstGeom>
+          <a:ln w="3175">
+            <a:solidFill>
+              <a:srgbClr val="92D050"/>
+            </a:solidFill>
+            <a:prstDash val="dashDot"/>
+          </a:ln>
+        </p:spPr>
+        <p:style>
+          <a:lnRef idx="2">
+            <a:schemeClr val="accent1"/>
+          </a:lnRef>
+          <a:fillRef idx="1">
+            <a:schemeClr val="lt1"/>
+          </a:fillRef>
+          <a:effectRef idx="0">
+            <a:schemeClr val="accent1"/>
+          </a:effectRef>
+          <a:fontRef idx="minor">
+            <a:schemeClr val="dk1"/>
+          </a:fontRef>
+        </p:style>
+        <p:txBody>
+          <a:bodyPr wrap="square" rtlCol="0">
+            <a:spAutoFit/>
+          </a:bodyPr>
+          <a:lstStyle/>
+          <a:p>
+            <a:r>
+              <a:rPr lang="de-DE" sz="1200" b="1" dirty="0" err="1">
+                <a:solidFill>
+                  <a:schemeClr val="accent6"/>
+                </a:solidFill>
+              </a:rPr>
+              <a:t>Rout</a:t>
+            </a:r>
+            <a:r>
+              <a:rPr lang="de-DE" sz="1200" b="1" dirty="0">
+                <a:solidFill>
+                  <a:schemeClr val="accent6"/>
+                </a:solidFill>
+              </a:rPr>
+              <a:t>-App</a:t>
+            </a:r>
+          </a:p>
+        </p:txBody>
+      </p:sp>
+      <p:pic>
+        <p:nvPicPr>
+          <p:cNvPr id="115" name="Grafik 114" descr="Datenbank Silhouette">
+            <a:extLst>
+              <a:ext uri="{FF2B5EF4-FFF2-40B4-BE49-F238E27FC236}">
+                <a16:creationId xmlns:a16="http://schemas.microsoft.com/office/drawing/2014/main" id="{B77225B0-6F4D-4B63-2F53-F359A4F73475}"/>
+              </a:ext>
+            </a:extLst>
+          </p:cNvPr>
+          <p:cNvPicPr>
+            <a:picLocks noChangeAspect="1"/>
+          </p:cNvPicPr>
+          <p:nvPr/>
+        </p:nvPicPr>
+        <p:blipFill>
+          <a:blip r:embed="rId6">
+            <a:extLst>
+              <a:ext uri="{96DAC541-7B7A-43D3-8B79-37D633B846F1}">
+                <asvg:svgBlip xmlns:asvg="http://schemas.microsoft.com/office/drawing/2016/SVG/main" r:embed="rId7"/>
+              </a:ext>
+            </a:extLst>
+          </a:blip>
+          <a:stretch>
+            <a:fillRect/>
+          </a:stretch>
+        </p:blipFill>
+        <p:spPr>
+          <a:xfrm>
+            <a:off x="3672489" y="4564350"/>
+            <a:ext cx="649619" cy="649619"/>
+          </a:xfrm>
+          <a:prstGeom prst="rect">
+            <a:avLst/>
+          </a:prstGeom>
+        </p:spPr>
+      </p:pic>
+      <p:sp>
+        <p:nvSpPr>
+          <p:cNvPr id="116" name="Textfeld 115">
+            <a:extLst>
+              <a:ext uri="{FF2B5EF4-FFF2-40B4-BE49-F238E27FC236}">
+                <a16:creationId xmlns:a16="http://schemas.microsoft.com/office/drawing/2014/main" id="{4854245F-A7A9-7C61-B6F4-69ECAD55EFD9}"/>
+              </a:ext>
+            </a:extLst>
+          </p:cNvPr>
+          <p:cNvSpPr txBox="1"/>
+          <p:nvPr/>
+        </p:nvSpPr>
+        <p:spPr>
+          <a:xfrm>
+            <a:off x="3462801" y="5122142"/>
+            <a:ext cx="1068993" cy="276999"/>
+          </a:xfrm>
+          <a:prstGeom prst="rect">
+            <a:avLst/>
+          </a:prstGeom>
+          <a:noFill/>
+        </p:spPr>
+        <p:txBody>
+          <a:bodyPr wrap="square">
+            <a:spAutoFit/>
+          </a:bodyPr>
+          <a:lstStyle/>
+          <a:p>
+            <a:r>
+              <a:rPr lang="de-DE" sz="1200" b="1" dirty="0" err="1">
+                <a:solidFill>
+                  <a:schemeClr val="accent6"/>
+                </a:solidFill>
+              </a:rPr>
+              <a:t>Geo</a:t>
+            </a:r>
+            <a:r>
+              <a:rPr lang="de-DE" sz="1200" b="1" dirty="0">
+                <a:solidFill>
+                  <a:schemeClr val="accent6"/>
+                </a:solidFill>
+              </a:rPr>
+              <a:t> DB</a:t>
+            </a:r>
+          </a:p>
+        </p:txBody>
+      </p:sp>
+      <p:sp>
+        <p:nvSpPr>
+          <p:cNvPr id="122" name="Rechteck 121">
+            <a:extLst>
+              <a:ext uri="{FF2B5EF4-FFF2-40B4-BE49-F238E27FC236}">
+                <a16:creationId xmlns:a16="http://schemas.microsoft.com/office/drawing/2014/main" id="{DB51AEC7-7515-EDC8-8073-9FE726A28B7A}"/>
+              </a:ext>
+            </a:extLst>
+          </p:cNvPr>
+          <p:cNvSpPr/>
+          <p:nvPr/>
+        </p:nvSpPr>
+        <p:spPr bwMode="auto">
+          <a:xfrm>
+            <a:off x="1973734" y="2865066"/>
+            <a:ext cx="2591442" cy="2880000"/>
+          </a:xfrm>
+          <a:prstGeom prst="rect">
+            <a:avLst/>
+          </a:prstGeom>
+          <a:noFill/>
+          <a:ln w="3175" cap="flat" cmpd="sng" algn="ctr">
+            <a:solidFill>
+              <a:schemeClr val="bg1">
+                <a:lumMod val="50000"/>
+              </a:schemeClr>
+            </a:solidFill>
+            <a:prstDash val="dashDot"/>
+            <a:round/>
+            <a:headEnd type="none" w="med" len="med"/>
+            <a:tailEnd type="none" w="med" len="med"/>
+          </a:ln>
+          <a:effectLst/>
+          <a:extLst>
+            <a:ext uri="{909E8E84-426E-40dd-AFC4-6F175D3DCCD1}">
+              <a14:hiddenFill xmlns:a14="http://schemas.microsoft.com/office/drawing/2010/main" xmlns="">
+                <a:solidFill>
+                  <a:schemeClr val="accent2"/>
+                </a:solidFill>
+              </a14:hiddenFill>
+            </a:ext>
+            <a:ext uri="{AF507438-7753-43e0-B8FC-AC1667EBCBE1}">
+              <a14:hiddenEffects xmlns:a14="http://schemas.microsoft.com/office/drawing/2010/main" xmlns="">
+                <a:effectLst>
+                  <a:outerShdw blurRad="63500" dist="35921" dir="2700000" algn="ctr" rotWithShape="0">
+                    <a:schemeClr val="bg2"/>
+                  </a:outerShdw>
+                </a:effectLst>
+              </a14:hiddenEffects>
+            </a:ext>
+          </a:extLst>
+        </p:spPr>
+        <p:txBody>
+          <a:bodyPr vert="horz" wrap="square" lIns="0" tIns="0" rIns="0" bIns="0" numCol="1" rtlCol="0" anchor="ctr" anchorCtr="0" compatLnSpc="1">
+            <a:prstTxWarp prst="textNoShape">
+              <a:avLst/>
+            </a:prstTxWarp>
+            <a:spAutoFit/>
+          </a:bodyPr>
+          <a:lstStyle/>
+          <a:p>
+            <a:pPr marL="0" marR="0" indent="0" algn="ctr" defTabSz="914400" rtl="0" eaLnBrk="0" fontAlgn="base" latinLnBrk="0" hangingPunct="0">
+              <a:lnSpc>
+                <a:spcPct val="100000"/>
+              </a:lnSpc>
+              <a:spcBef>
+                <a:spcPct val="0"/>
+              </a:spcBef>
+              <a:spcAft>
+                <a:spcPct val="0"/>
+              </a:spcAft>
+              <a:buClrTx/>
+              <a:buSzTx/>
+              <a:buFontTx/>
+              <a:buNone/>
+              <a:tabLst/>
+            </a:pPr>
+            <a:endParaRPr kumimoji="0" lang="de-DE" sz="2400" b="0" i="0" u="none" strike="noStrike" cap="none" normalizeH="0" baseline="0">
+              <a:ln>
+                <a:noFill/>
+              </a:ln>
+              <a:solidFill>
+                <a:srgbClr val="000000"/>
+              </a:solidFill>
+              <a:effectLst/>
+              <a:latin typeface="Arial" charset="0"/>
+              <a:ea typeface="ＭＳ Ｐゴシック" charset="0"/>
+            </a:endParaRPr>
+          </a:p>
+        </p:txBody>
+      </p:sp>
+      <p:sp>
+        <p:nvSpPr>
+          <p:cNvPr id="130" name="Textfeld 129">
+            <a:extLst>
+              <a:ext uri="{FF2B5EF4-FFF2-40B4-BE49-F238E27FC236}">
+                <a16:creationId xmlns:a16="http://schemas.microsoft.com/office/drawing/2014/main" id="{27063BDF-3F48-6CB5-CB7E-C2A5BA8438B6}"/>
+              </a:ext>
+            </a:extLst>
+          </p:cNvPr>
+          <p:cNvSpPr txBox="1"/>
+          <p:nvPr/>
+        </p:nvSpPr>
+        <p:spPr>
+          <a:xfrm>
+            <a:off x="5147026" y="5052641"/>
+            <a:ext cx="1594420" cy="276999"/>
+          </a:xfrm>
+          <a:prstGeom prst="rect">
+            <a:avLst/>
+          </a:prstGeom>
+          <a:noFill/>
+        </p:spPr>
+        <p:txBody>
+          <a:bodyPr wrap="square">
+            <a:spAutoFit/>
+          </a:bodyPr>
+          <a:lstStyle/>
+          <a:p>
+            <a:r>
+              <a:rPr lang="de-DE" sz="1200" b="1" dirty="0">
+                <a:solidFill>
+                  <a:schemeClr val="accent6"/>
+                </a:solidFill>
+              </a:rPr>
+              <a:t>Data </a:t>
+            </a:r>
+            <a:r>
+              <a:rPr lang="de-DE" sz="1200" b="1" dirty="0" err="1">
+                <a:solidFill>
+                  <a:schemeClr val="accent6"/>
+                </a:solidFill>
+              </a:rPr>
+              <a:t>warehouse</a:t>
+            </a:r>
+            <a:endParaRPr lang="de-DE" sz="1200" b="1" dirty="0">
+              <a:solidFill>
+                <a:schemeClr val="accent6"/>
+              </a:solidFill>
+            </a:endParaRPr>
+          </a:p>
+        </p:txBody>
+      </p:sp>
+      <p:sp>
+        <p:nvSpPr>
+          <p:cNvPr id="135" name="Flussdiagramm: Magnetplattenspeicher 134">
+            <a:extLst>
+              <a:ext uri="{FF2B5EF4-FFF2-40B4-BE49-F238E27FC236}">
+                <a16:creationId xmlns:a16="http://schemas.microsoft.com/office/drawing/2014/main" id="{5A754574-AC50-D795-B368-F085A8A78161}"/>
+              </a:ext>
+            </a:extLst>
+          </p:cNvPr>
+          <p:cNvSpPr/>
+          <p:nvPr/>
+        </p:nvSpPr>
+        <p:spPr bwMode="auto">
+          <a:xfrm>
+            <a:off x="5324765" y="4572818"/>
+            <a:ext cx="1238941" cy="491217"/>
+          </a:xfrm>
+          <a:prstGeom prst="flowChartMagneticDisk">
+            <a:avLst/>
+          </a:prstGeom>
+          <a:noFill/>
+          <a:ln w="12700" cap="flat" cmpd="sng" algn="ctr">
+            <a:solidFill>
+              <a:schemeClr val="accent6"/>
+            </a:solidFill>
+            <a:prstDash val="solid"/>
+            <a:round/>
+            <a:headEnd type="none" w="med" len="med"/>
+            <a:tailEnd type="none" w="med" len="med"/>
+          </a:ln>
+          <a:effectLst/>
+          <a:extLst>
+            <a:ext uri="{909E8E84-426E-40dd-AFC4-6F175D3DCCD1}">
+              <a14:hiddenFill xmlns:a14="http://schemas.microsoft.com/office/drawing/2010/main" xmlns="">
+                <a:solidFill>
+                  <a:schemeClr val="accent2"/>
+                </a:solidFill>
+              </a14:hiddenFill>
+            </a:ext>
+            <a:ext uri="{AF507438-7753-43e0-B8FC-AC1667EBCBE1}">
+              <a14:hiddenEffects xmlns:a14="http://schemas.microsoft.com/office/drawing/2010/main" xmlns="">
+                <a:effectLst>
+                  <a:outerShdw blurRad="63500" dist="35921" dir="2700000" algn="ctr" rotWithShape="0">
+                    <a:schemeClr val="bg2"/>
+                  </a:outerShdw>
+                </a:effectLst>
+              </a14:hiddenEffects>
+            </a:ext>
+          </a:extLst>
+        </p:spPr>
+        <p:txBody>
+          <a:bodyPr vert="horz" wrap="square" lIns="0" tIns="0" rIns="0" bIns="0" numCol="1" rtlCol="0" anchor="ctr" anchorCtr="0" compatLnSpc="1">
+            <a:prstTxWarp prst="textNoShape">
+              <a:avLst/>
+            </a:prstTxWarp>
+            <a:spAutoFit/>
+          </a:bodyPr>
+          <a:lstStyle/>
+          <a:p>
+            <a:pPr marL="0" marR="0" indent="0" algn="ctr" defTabSz="914400" rtl="0" eaLnBrk="0" fontAlgn="base" latinLnBrk="0" hangingPunct="0">
+              <a:lnSpc>
+                <a:spcPct val="100000"/>
+              </a:lnSpc>
+              <a:spcBef>
+                <a:spcPct val="0"/>
+              </a:spcBef>
+              <a:spcAft>
+                <a:spcPct val="0"/>
+              </a:spcAft>
+              <a:buClrTx/>
+              <a:buSzTx/>
+              <a:buFontTx/>
+              <a:buNone/>
+              <a:tabLst/>
+            </a:pPr>
+            <a:endParaRPr kumimoji="0" lang="de-DE" sz="2400" b="0" i="0" u="none" strike="noStrike" cap="none" normalizeH="0" baseline="0">
+              <a:ln>
+                <a:noFill/>
+              </a:ln>
+              <a:solidFill>
+                <a:srgbClr val="000000"/>
+              </a:solidFill>
+              <a:effectLst/>
+              <a:latin typeface="Arial" charset="0"/>
+              <a:ea typeface="ＭＳ Ｐゴシック" charset="0"/>
+            </a:endParaRPr>
+          </a:p>
+        </p:txBody>
+      </p:sp>
+      <p:sp>
+        <p:nvSpPr>
+          <p:cNvPr id="137" name="Textfeld 136">
+            <a:extLst>
+              <a:ext uri="{FF2B5EF4-FFF2-40B4-BE49-F238E27FC236}">
+                <a16:creationId xmlns:a16="http://schemas.microsoft.com/office/drawing/2014/main" id="{83F7605B-E979-DCF9-6FA2-EB2B77C08DB4}"/>
+              </a:ext>
+            </a:extLst>
+          </p:cNvPr>
+          <p:cNvSpPr txBox="1"/>
+          <p:nvPr/>
+        </p:nvSpPr>
+        <p:spPr>
+          <a:xfrm>
+            <a:off x="4731854" y="3041081"/>
+            <a:ext cx="1012911" cy="276999"/>
+          </a:xfrm>
+          <a:prstGeom prst="rect">
+            <a:avLst/>
+          </a:prstGeom>
+          <a:ln w="3175">
+            <a:solidFill>
+              <a:srgbClr val="92D050"/>
+            </a:solidFill>
+            <a:prstDash val="dash"/>
+          </a:ln>
+        </p:spPr>
+        <p:style>
+          <a:lnRef idx="2">
+            <a:schemeClr val="accent1"/>
+          </a:lnRef>
+          <a:fillRef idx="1">
+            <a:schemeClr val="lt1"/>
+          </a:fillRef>
+          <a:effectRef idx="0">
+            <a:schemeClr val="accent1"/>
+          </a:effectRef>
+          <a:fontRef idx="minor">
+            <a:schemeClr val="dk1"/>
+          </a:fontRef>
+        </p:style>
+        <p:txBody>
+          <a:bodyPr wrap="square" rtlCol="0">
+            <a:spAutoFit/>
+          </a:bodyPr>
+          <a:lstStyle/>
+          <a:p>
+            <a:r>
+              <a:rPr lang="de-DE" sz="1200" b="1" dirty="0" err="1">
+                <a:solidFill>
+                  <a:schemeClr val="accent6"/>
+                </a:solidFill>
+              </a:rPr>
+              <a:t>extract</a:t>
+            </a:r>
+            <a:endParaRPr lang="de-DE" sz="1200" b="1" dirty="0">
+              <a:solidFill>
+                <a:schemeClr val="accent6"/>
+              </a:solidFill>
+            </a:endParaRPr>
+          </a:p>
+        </p:txBody>
+      </p:sp>
+      <p:sp>
+        <p:nvSpPr>
+          <p:cNvPr id="138" name="Textfeld 137">
+            <a:extLst>
+              <a:ext uri="{FF2B5EF4-FFF2-40B4-BE49-F238E27FC236}">
+                <a16:creationId xmlns:a16="http://schemas.microsoft.com/office/drawing/2014/main" id="{2D1FA85D-92A1-F99B-A12C-C8D040FA85B9}"/>
+              </a:ext>
+            </a:extLst>
+          </p:cNvPr>
+          <p:cNvSpPr txBox="1"/>
+          <p:nvPr/>
+        </p:nvSpPr>
+        <p:spPr>
+          <a:xfrm>
+            <a:off x="4731783" y="3403921"/>
+            <a:ext cx="1012911" cy="276999"/>
+          </a:xfrm>
+          <a:prstGeom prst="rect">
+            <a:avLst/>
+          </a:prstGeom>
+          <a:ln w="3175">
+            <a:solidFill>
+              <a:srgbClr val="92D050"/>
+            </a:solidFill>
+            <a:prstDash val="dash"/>
+          </a:ln>
+        </p:spPr>
+        <p:style>
+          <a:lnRef idx="2">
+            <a:schemeClr val="accent1"/>
+          </a:lnRef>
+          <a:fillRef idx="1">
+            <a:schemeClr val="lt1"/>
+          </a:fillRef>
+          <a:effectRef idx="0">
+            <a:schemeClr val="accent1"/>
+          </a:effectRef>
+          <a:fontRef idx="minor">
+            <a:schemeClr val="dk1"/>
+          </a:fontRef>
+        </p:style>
+        <p:txBody>
+          <a:bodyPr wrap="square" rtlCol="0">
+            <a:spAutoFit/>
+          </a:bodyPr>
+          <a:lstStyle/>
+          <a:p>
+            <a:r>
+              <a:rPr lang="de-DE" sz="1200" b="1" dirty="0" err="1">
+                <a:solidFill>
+                  <a:schemeClr val="accent6"/>
+                </a:solidFill>
+              </a:rPr>
+              <a:t>transform</a:t>
+            </a:r>
+            <a:endParaRPr lang="de-DE" sz="1200" b="1" dirty="0">
+              <a:solidFill>
+                <a:schemeClr val="accent6"/>
+              </a:solidFill>
+            </a:endParaRPr>
+          </a:p>
+        </p:txBody>
+      </p:sp>
+      <p:sp>
+        <p:nvSpPr>
+          <p:cNvPr id="139" name="Textfeld 138">
+            <a:extLst>
+              <a:ext uri="{FF2B5EF4-FFF2-40B4-BE49-F238E27FC236}">
+                <a16:creationId xmlns:a16="http://schemas.microsoft.com/office/drawing/2014/main" id="{8FB1B327-2335-4554-1902-9962C1BA8232}"/>
+              </a:ext>
+            </a:extLst>
+          </p:cNvPr>
+          <p:cNvSpPr txBox="1"/>
+          <p:nvPr/>
+        </p:nvSpPr>
+        <p:spPr>
+          <a:xfrm>
+            <a:off x="4731782" y="3758373"/>
+            <a:ext cx="1012911" cy="276999"/>
+          </a:xfrm>
+          <a:prstGeom prst="rect">
+            <a:avLst/>
+          </a:prstGeom>
+          <a:ln w="3175">
+            <a:solidFill>
+              <a:srgbClr val="92D050"/>
+            </a:solidFill>
+            <a:prstDash val="dash"/>
+          </a:ln>
+        </p:spPr>
+        <p:style>
+          <a:lnRef idx="2">
+            <a:schemeClr val="accent1"/>
+          </a:lnRef>
+          <a:fillRef idx="1">
+            <a:schemeClr val="lt1"/>
+          </a:fillRef>
+          <a:effectRef idx="0">
+            <a:schemeClr val="accent1"/>
+          </a:effectRef>
+          <a:fontRef idx="minor">
+            <a:schemeClr val="dk1"/>
+          </a:fontRef>
+        </p:style>
+        <p:txBody>
+          <a:bodyPr wrap="square" rtlCol="0">
+            <a:spAutoFit/>
+          </a:bodyPr>
+          <a:lstStyle/>
+          <a:p>
+            <a:r>
+              <a:rPr lang="de-DE" sz="1200" b="1" dirty="0" err="1">
+                <a:solidFill>
+                  <a:schemeClr val="accent6"/>
+                </a:solidFill>
+              </a:rPr>
+              <a:t>laod</a:t>
+            </a:r>
+            <a:endParaRPr lang="de-DE" sz="1200" b="1" dirty="0">
+              <a:solidFill>
+                <a:schemeClr val="accent6"/>
+              </a:solidFill>
+            </a:endParaRPr>
+          </a:p>
+        </p:txBody>
+      </p:sp>
+      <p:cxnSp>
+        <p:nvCxnSpPr>
+          <p:cNvPr id="158" name="Gerade Verbindung mit Pfeil 157">
+            <a:extLst>
+              <a:ext uri="{FF2B5EF4-FFF2-40B4-BE49-F238E27FC236}">
+                <a16:creationId xmlns:a16="http://schemas.microsoft.com/office/drawing/2014/main" id="{AB9E7046-2C23-D8C2-197A-5B17E95C6290}"/>
+              </a:ext>
+            </a:extLst>
+          </p:cNvPr>
+          <p:cNvCxnSpPr>
+            <a:cxnSpLocks/>
+            <a:stCxn id="60" idx="2"/>
+            <a:endCxn id="74" idx="0"/>
+          </p:cNvCxnSpPr>
+          <p:nvPr/>
+        </p:nvCxnSpPr>
+        <p:spPr bwMode="auto">
+          <a:xfrm>
+            <a:off x="1166399" y="4087233"/>
+            <a:ext cx="7322" cy="552201"/>
+          </a:xfrm>
+          <a:prstGeom prst="straightConnector1">
+            <a:avLst/>
+          </a:prstGeom>
+          <a:noFill/>
+          <a:ln w="6350" cap="flat" cmpd="sng" algn="ctr">
+            <a:solidFill>
+              <a:schemeClr val="accent6"/>
+            </a:solidFill>
+            <a:prstDash val="solid"/>
+            <a:round/>
+            <a:headEnd type="none" w="med" len="med"/>
+            <a:tailEnd type="triangle"/>
+          </a:ln>
+          <a:effectLst/>
+          <a:extLst>
+            <a:ext uri="{909E8E84-426E-40dd-AFC4-6F175D3DCCD1}">
+              <a14:hiddenFill xmlns:a14="http://schemas.microsoft.com/office/drawing/2010/main" xmlns="">
+                <a:solidFill>
+                  <a:schemeClr val="accent2"/>
+                </a:solidFill>
+              </a14:hiddenFill>
+            </a:ext>
+            <a:ext uri="{AF507438-7753-43e0-B8FC-AC1667EBCBE1}">
+              <a14:hiddenEffects xmlns:a14="http://schemas.microsoft.com/office/drawing/2010/main" xmlns="">
+                <a:effectLst>
+                  <a:outerShdw blurRad="63500" dist="35921" dir="2700000" algn="ctr" rotWithShape="0">
+                    <a:schemeClr val="bg2"/>
+                  </a:outerShdw>
+                </a:effectLst>
+              </a14:hiddenEffects>
+            </a:ext>
+          </a:extLst>
+        </p:spPr>
+      </p:cxnSp>
+      <p:sp>
+        <p:nvSpPr>
+          <p:cNvPr id="163" name="Rechteck 162">
+            <a:extLst>
+              <a:ext uri="{FF2B5EF4-FFF2-40B4-BE49-F238E27FC236}">
+                <a16:creationId xmlns:a16="http://schemas.microsoft.com/office/drawing/2014/main" id="{5243CE04-61B6-2E63-AAFD-27008AB3CA09}"/>
+              </a:ext>
+            </a:extLst>
+          </p:cNvPr>
+          <p:cNvSpPr/>
+          <p:nvPr/>
+        </p:nvSpPr>
+        <p:spPr bwMode="auto">
+          <a:xfrm>
+            <a:off x="393919" y="1498910"/>
+            <a:ext cx="1522805" cy="4248000"/>
+          </a:xfrm>
+          <a:prstGeom prst="rect">
+            <a:avLst/>
+          </a:prstGeom>
+          <a:noFill/>
+          <a:ln w="3175" cap="flat" cmpd="sng" algn="ctr">
+            <a:solidFill>
+              <a:schemeClr val="bg1">
+                <a:lumMod val="50000"/>
+              </a:schemeClr>
+            </a:solidFill>
+            <a:prstDash val="dashDot"/>
+            <a:round/>
+            <a:headEnd type="none" w="med" len="med"/>
+            <a:tailEnd type="none" w="med" len="med"/>
+          </a:ln>
+          <a:effectLst/>
+          <a:extLst>
+            <a:ext uri="{909E8E84-426E-40dd-AFC4-6F175D3DCCD1}">
+              <a14:hiddenFill xmlns:a14="http://schemas.microsoft.com/office/drawing/2010/main" xmlns="">
+                <a:solidFill>
+                  <a:schemeClr val="accent2"/>
+                </a:solidFill>
+              </a14:hiddenFill>
+            </a:ext>
+            <a:ext uri="{AF507438-7753-43e0-B8FC-AC1667EBCBE1}">
+              <a14:hiddenEffects xmlns:a14="http://schemas.microsoft.com/office/drawing/2010/main" xmlns="">
+                <a:effectLst>
+                  <a:outerShdw blurRad="63500" dist="35921" dir="2700000" algn="ctr" rotWithShape="0">
+                    <a:schemeClr val="bg2"/>
+                  </a:outerShdw>
+                </a:effectLst>
+              </a14:hiddenEffects>
+            </a:ext>
+          </a:extLst>
+        </p:spPr>
+        <p:txBody>
+          <a:bodyPr vert="horz" wrap="square" lIns="0" tIns="0" rIns="0" bIns="0" numCol="1" rtlCol="0" anchor="ctr" anchorCtr="0" compatLnSpc="1">
+            <a:prstTxWarp prst="textNoShape">
+              <a:avLst/>
+            </a:prstTxWarp>
+            <a:spAutoFit/>
+          </a:bodyPr>
+          <a:lstStyle/>
+          <a:p>
+            <a:pPr marL="0" marR="0" indent="0" algn="ctr" defTabSz="914400" rtl="0" eaLnBrk="0" fontAlgn="base" latinLnBrk="0" hangingPunct="0">
+              <a:lnSpc>
+                <a:spcPct val="100000"/>
+              </a:lnSpc>
+              <a:spcBef>
+                <a:spcPct val="0"/>
+              </a:spcBef>
+              <a:spcAft>
+                <a:spcPct val="0"/>
+              </a:spcAft>
+              <a:buClrTx/>
+              <a:buSzTx/>
+              <a:buFontTx/>
+              <a:buNone/>
+              <a:tabLst/>
+            </a:pPr>
+            <a:endParaRPr kumimoji="0" lang="de-DE" sz="2400" b="0" i="0" u="none" strike="noStrike" cap="none" normalizeH="0" baseline="0">
+              <a:ln>
+                <a:noFill/>
+              </a:ln>
+              <a:solidFill>
+                <a:srgbClr val="000000"/>
+              </a:solidFill>
+              <a:effectLst/>
+              <a:latin typeface="Arial" charset="0"/>
+              <a:ea typeface="ＭＳ Ｐゴシック" charset="0"/>
+            </a:endParaRPr>
+          </a:p>
+        </p:txBody>
+      </p:sp>
+      <p:cxnSp>
+        <p:nvCxnSpPr>
+          <p:cNvPr id="166" name="Gerade Verbindung mit Pfeil 165">
+            <a:extLst>
+              <a:ext uri="{FF2B5EF4-FFF2-40B4-BE49-F238E27FC236}">
+                <a16:creationId xmlns:a16="http://schemas.microsoft.com/office/drawing/2014/main" id="{8DBF36F6-4DDD-7233-3098-C107FF869C94}"/>
+              </a:ext>
+            </a:extLst>
+          </p:cNvPr>
+          <p:cNvCxnSpPr>
+            <a:cxnSpLocks/>
+            <a:stCxn id="109" idx="3"/>
+            <a:endCxn id="115" idx="1"/>
+          </p:cNvCxnSpPr>
+          <p:nvPr/>
+        </p:nvCxnSpPr>
+        <p:spPr bwMode="auto">
+          <a:xfrm flipV="1">
+            <a:off x="3177085" y="4889160"/>
+            <a:ext cx="495404" cy="4363"/>
+          </a:xfrm>
+          <a:prstGeom prst="straightConnector1">
+            <a:avLst/>
+          </a:prstGeom>
+          <a:noFill/>
+          <a:ln w="6350" cap="flat" cmpd="sng" algn="ctr">
+            <a:solidFill>
+              <a:schemeClr val="accent6"/>
+            </a:solidFill>
+            <a:prstDash val="solid"/>
+            <a:round/>
+            <a:headEnd type="none" w="med" len="med"/>
+            <a:tailEnd type="triangle"/>
+          </a:ln>
+          <a:effectLst/>
+          <a:extLst>
+            <a:ext uri="{909E8E84-426E-40dd-AFC4-6F175D3DCCD1}">
+              <a14:hiddenFill xmlns:a14="http://schemas.microsoft.com/office/drawing/2010/main" xmlns="">
+                <a:solidFill>
+                  <a:schemeClr val="accent2"/>
+                </a:solidFill>
+              </a14:hiddenFill>
+            </a:ext>
+            <a:ext uri="{AF507438-7753-43e0-B8FC-AC1667EBCBE1}">
+              <a14:hiddenEffects xmlns:a14="http://schemas.microsoft.com/office/drawing/2010/main" xmlns="">
+                <a:effectLst>
+                  <a:outerShdw blurRad="63500" dist="35921" dir="2700000" algn="ctr" rotWithShape="0">
+                    <a:schemeClr val="bg2"/>
+                  </a:outerShdw>
+                </a:effectLst>
+              </a14:hiddenEffects>
+            </a:ext>
+          </a:extLst>
+        </p:spPr>
+      </p:cxnSp>
+      <p:cxnSp>
+        <p:nvCxnSpPr>
+          <p:cNvPr id="170" name="Gerade Verbindung mit Pfeil 169">
+            <a:extLst>
+              <a:ext uri="{FF2B5EF4-FFF2-40B4-BE49-F238E27FC236}">
+                <a16:creationId xmlns:a16="http://schemas.microsoft.com/office/drawing/2014/main" id="{D8FD4C95-1EBE-B93F-0D58-68168BFFFBDD}"/>
+              </a:ext>
+            </a:extLst>
+          </p:cNvPr>
+          <p:cNvCxnSpPr>
+            <a:cxnSpLocks/>
+            <a:stCxn id="79" idx="3"/>
+            <a:endCxn id="109" idx="1"/>
+          </p:cNvCxnSpPr>
+          <p:nvPr/>
+        </p:nvCxnSpPr>
+        <p:spPr bwMode="auto">
+          <a:xfrm>
+            <a:off x="1856180" y="4892760"/>
+            <a:ext cx="307994" cy="763"/>
+          </a:xfrm>
+          <a:prstGeom prst="straightConnector1">
+            <a:avLst/>
+          </a:prstGeom>
+          <a:noFill/>
+          <a:ln w="6350" cap="flat" cmpd="sng" algn="ctr">
+            <a:solidFill>
+              <a:schemeClr val="accent6"/>
+            </a:solidFill>
+            <a:prstDash val="solid"/>
+            <a:round/>
+            <a:headEnd type="none" w="med" len="med"/>
+            <a:tailEnd type="triangle"/>
+          </a:ln>
+          <a:effectLst/>
+          <a:extLst>
+            <a:ext uri="{909E8E84-426E-40dd-AFC4-6F175D3DCCD1}">
+              <a14:hiddenFill xmlns:a14="http://schemas.microsoft.com/office/drawing/2010/main" xmlns="">
+                <a:solidFill>
+                  <a:schemeClr val="accent2"/>
+                </a:solidFill>
+              </a14:hiddenFill>
+            </a:ext>
+            <a:ext uri="{AF507438-7753-43e0-B8FC-AC1667EBCBE1}">
+              <a14:hiddenEffects xmlns:a14="http://schemas.microsoft.com/office/drawing/2010/main" xmlns="">
+                <a:effectLst>
+                  <a:outerShdw blurRad="63500" dist="35921" dir="2700000" algn="ctr" rotWithShape="0">
+                    <a:schemeClr val="bg2"/>
+                  </a:outerShdw>
+                </a:effectLst>
+              </a14:hiddenEffects>
+            </a:ext>
+          </a:extLst>
+        </p:spPr>
+      </p:cxnSp>
+      <p:sp>
+        <p:nvSpPr>
+          <p:cNvPr id="177" name="Textfeld 176">
+            <a:extLst>
+              <a:ext uri="{FF2B5EF4-FFF2-40B4-BE49-F238E27FC236}">
+                <a16:creationId xmlns:a16="http://schemas.microsoft.com/office/drawing/2014/main" id="{3A4C68B0-FEC7-6BE6-5E02-8E9AC58BDED9}"/>
+              </a:ext>
+            </a:extLst>
+          </p:cNvPr>
+          <p:cNvSpPr txBox="1"/>
+          <p:nvPr/>
+        </p:nvSpPr>
+        <p:spPr>
+          <a:xfrm>
+            <a:off x="2164693" y="3197986"/>
+            <a:ext cx="1012911" cy="276999"/>
+          </a:xfrm>
+          <a:prstGeom prst="rect">
+            <a:avLst/>
+          </a:prstGeom>
+          <a:ln w="3175">
+            <a:solidFill>
+              <a:srgbClr val="92D050"/>
+            </a:solidFill>
+            <a:prstDash val="dashDot"/>
+          </a:ln>
+        </p:spPr>
+        <p:style>
+          <a:lnRef idx="2">
+            <a:schemeClr val="accent1"/>
+          </a:lnRef>
+          <a:fillRef idx="1">
+            <a:schemeClr val="lt1"/>
+          </a:fillRef>
+          <a:effectRef idx="0">
+            <a:schemeClr val="accent1"/>
+          </a:effectRef>
+          <a:fontRef idx="minor">
+            <a:schemeClr val="dk1"/>
+          </a:fontRef>
+        </p:style>
+        <p:txBody>
+          <a:bodyPr wrap="square" rtlCol="0">
+            <a:spAutoFit/>
+          </a:bodyPr>
+          <a:lstStyle/>
+          <a:p>
+            <a:r>
+              <a:rPr lang="de-DE" sz="1200" b="1" dirty="0">
+                <a:solidFill>
+                  <a:schemeClr val="accent6"/>
+                </a:solidFill>
+              </a:rPr>
+              <a:t>Order-App</a:t>
+            </a:r>
+          </a:p>
+        </p:txBody>
+      </p:sp>
+      <p:pic>
+        <p:nvPicPr>
+          <p:cNvPr id="178" name="Grafik 177" descr="Datenbank Silhouette">
+            <a:extLst>
+              <a:ext uri="{FF2B5EF4-FFF2-40B4-BE49-F238E27FC236}">
+                <a16:creationId xmlns:a16="http://schemas.microsoft.com/office/drawing/2014/main" id="{60A0495F-478D-2F66-1512-853B9C4C0E02}"/>
+              </a:ext>
+            </a:extLst>
+          </p:cNvPr>
+          <p:cNvPicPr>
+            <a:picLocks noChangeAspect="1"/>
+          </p:cNvPicPr>
+          <p:nvPr/>
+        </p:nvPicPr>
+        <p:blipFill>
+          <a:blip r:embed="rId6">
+            <a:extLst>
+              <a:ext uri="{96DAC541-7B7A-43D3-8B79-37D633B846F1}">
+                <asvg:svgBlip xmlns:asvg="http://schemas.microsoft.com/office/drawing/2016/SVG/main" r:embed="rId7"/>
+              </a:ext>
+            </a:extLst>
+          </a:blip>
+          <a:stretch>
+            <a:fillRect/>
+          </a:stretch>
+        </p:blipFill>
+        <p:spPr>
+          <a:xfrm>
+            <a:off x="3673008" y="3007313"/>
+            <a:ext cx="649619" cy="649619"/>
+          </a:xfrm>
+          <a:prstGeom prst="rect">
+            <a:avLst/>
+          </a:prstGeom>
+        </p:spPr>
+      </p:pic>
+      <p:sp>
+        <p:nvSpPr>
+          <p:cNvPr id="179" name="Textfeld 178">
+            <a:extLst>
+              <a:ext uri="{FF2B5EF4-FFF2-40B4-BE49-F238E27FC236}">
+                <a16:creationId xmlns:a16="http://schemas.microsoft.com/office/drawing/2014/main" id="{ED12B746-92BB-D53B-A2BE-14200C9AD911}"/>
+              </a:ext>
+            </a:extLst>
+          </p:cNvPr>
+          <p:cNvSpPr txBox="1"/>
+          <p:nvPr/>
+        </p:nvSpPr>
+        <p:spPr>
+          <a:xfrm>
+            <a:off x="3463320" y="3565105"/>
+            <a:ext cx="1068993" cy="276999"/>
+          </a:xfrm>
+          <a:prstGeom prst="rect">
+            <a:avLst/>
+          </a:prstGeom>
+          <a:noFill/>
+        </p:spPr>
+        <p:txBody>
+          <a:bodyPr wrap="square">
+            <a:spAutoFit/>
+          </a:bodyPr>
+          <a:lstStyle/>
+          <a:p>
+            <a:r>
+              <a:rPr lang="de-DE" sz="1200" b="1" dirty="0">
+                <a:solidFill>
+                  <a:schemeClr val="accent6"/>
+                </a:solidFill>
+              </a:rPr>
+              <a:t>Order DB</a:t>
+            </a:r>
+          </a:p>
+        </p:txBody>
+      </p:sp>
+      <p:cxnSp>
+        <p:nvCxnSpPr>
+          <p:cNvPr id="181" name="Gerade Verbindung mit Pfeil 180">
+            <a:extLst>
+              <a:ext uri="{FF2B5EF4-FFF2-40B4-BE49-F238E27FC236}">
+                <a16:creationId xmlns:a16="http://schemas.microsoft.com/office/drawing/2014/main" id="{18DBECD3-B726-D1B3-80C8-08B424E28195}"/>
+              </a:ext>
+            </a:extLst>
+          </p:cNvPr>
+          <p:cNvCxnSpPr>
+            <a:cxnSpLocks/>
+            <a:stCxn id="177" idx="3"/>
+            <a:endCxn id="178" idx="1"/>
+          </p:cNvCxnSpPr>
+          <p:nvPr/>
+        </p:nvCxnSpPr>
+        <p:spPr bwMode="auto">
+          <a:xfrm flipV="1">
+            <a:off x="3177604" y="3332123"/>
+            <a:ext cx="495404" cy="4363"/>
+          </a:xfrm>
+          <a:prstGeom prst="straightConnector1">
+            <a:avLst/>
+          </a:prstGeom>
+          <a:noFill/>
+          <a:ln w="6350" cap="flat" cmpd="sng" algn="ctr">
+            <a:solidFill>
+              <a:schemeClr val="accent6"/>
+            </a:solidFill>
+            <a:prstDash val="solid"/>
+            <a:round/>
+            <a:headEnd type="none" w="med" len="med"/>
+            <a:tailEnd type="triangle"/>
+          </a:ln>
+          <a:effectLst/>
+          <a:extLst>
+            <a:ext uri="{909E8E84-426E-40dd-AFC4-6F175D3DCCD1}">
+              <a14:hiddenFill xmlns:a14="http://schemas.microsoft.com/office/drawing/2010/main" xmlns="">
+                <a:solidFill>
+                  <a:schemeClr val="accent2"/>
+                </a:solidFill>
+              </a14:hiddenFill>
+            </a:ext>
+            <a:ext uri="{AF507438-7753-43e0-B8FC-AC1667EBCBE1}">
+              <a14:hiddenEffects xmlns:a14="http://schemas.microsoft.com/office/drawing/2010/main" xmlns="">
+                <a:effectLst>
+                  <a:outerShdw blurRad="63500" dist="35921" dir="2700000" algn="ctr" rotWithShape="0">
+                    <a:schemeClr val="bg2"/>
+                  </a:outerShdw>
+                </a:effectLst>
+              </a14:hiddenEffects>
+            </a:ext>
+          </a:extLst>
+        </p:spPr>
+      </p:cxnSp>
+      <p:cxnSp>
+        <p:nvCxnSpPr>
+          <p:cNvPr id="182" name="Gerade Verbindung mit Pfeil 181">
+            <a:extLst>
+              <a:ext uri="{FF2B5EF4-FFF2-40B4-BE49-F238E27FC236}">
+                <a16:creationId xmlns:a16="http://schemas.microsoft.com/office/drawing/2014/main" id="{04B6B175-AC06-5692-53A7-BC36ED86302C}"/>
+              </a:ext>
+            </a:extLst>
+          </p:cNvPr>
+          <p:cNvCxnSpPr>
+            <a:cxnSpLocks/>
+            <a:endCxn id="177" idx="1"/>
+          </p:cNvCxnSpPr>
+          <p:nvPr/>
+        </p:nvCxnSpPr>
+        <p:spPr bwMode="auto">
+          <a:xfrm>
+            <a:off x="1856699" y="3335723"/>
+            <a:ext cx="307994" cy="763"/>
+          </a:xfrm>
+          <a:prstGeom prst="straightConnector1">
+            <a:avLst/>
+          </a:prstGeom>
+          <a:noFill/>
+          <a:ln w="6350" cap="flat" cmpd="sng" algn="ctr">
+            <a:solidFill>
+              <a:schemeClr val="accent6"/>
+            </a:solidFill>
+            <a:prstDash val="solid"/>
+            <a:round/>
+            <a:headEnd type="none" w="med" len="med"/>
+            <a:tailEnd type="triangle"/>
+          </a:ln>
+          <a:effectLst/>
+          <a:extLst>
+            <a:ext uri="{909E8E84-426E-40dd-AFC4-6F175D3DCCD1}">
+              <a14:hiddenFill xmlns:a14="http://schemas.microsoft.com/office/drawing/2010/main" xmlns="">
+                <a:solidFill>
+                  <a:schemeClr val="accent2"/>
+                </a:solidFill>
+              </a14:hiddenFill>
+            </a:ext>
+            <a:ext uri="{AF507438-7753-43e0-B8FC-AC1667EBCBE1}">
+              <a14:hiddenEffects xmlns:a14="http://schemas.microsoft.com/office/drawing/2010/main" xmlns="">
+                <a:effectLst>
+                  <a:outerShdw blurRad="63500" dist="35921" dir="2700000" algn="ctr" rotWithShape="0">
+                    <a:schemeClr val="bg2"/>
+                  </a:outerShdw>
+                </a:effectLst>
+              </a14:hiddenEffects>
+            </a:ext>
+          </a:extLst>
+        </p:spPr>
+      </p:cxnSp>
+      <p:cxnSp>
+        <p:nvCxnSpPr>
+          <p:cNvPr id="184" name="Verbinder: gewinkelt 183">
+            <a:extLst>
+              <a:ext uri="{FF2B5EF4-FFF2-40B4-BE49-F238E27FC236}">
+                <a16:creationId xmlns:a16="http://schemas.microsoft.com/office/drawing/2014/main" id="{6127F0D1-4412-7216-E323-981E34F06544}"/>
+              </a:ext>
+            </a:extLst>
+          </p:cNvPr>
+          <p:cNvCxnSpPr>
+            <a:cxnSpLocks/>
+            <a:stCxn id="178" idx="3"/>
+            <a:endCxn id="137" idx="1"/>
+          </p:cNvCxnSpPr>
+          <p:nvPr/>
+        </p:nvCxnSpPr>
+        <p:spPr bwMode="auto">
+          <a:xfrm flipV="1">
+            <a:off x="4322627" y="3179581"/>
+            <a:ext cx="409227" cy="152542"/>
+          </a:xfrm>
+          <a:prstGeom prst="bentConnector3">
+            <a:avLst/>
+          </a:prstGeom>
+          <a:noFill/>
+          <a:ln w="6350" cap="flat" cmpd="sng" algn="ctr">
+            <a:solidFill>
+              <a:schemeClr val="accent6"/>
+            </a:solidFill>
+            <a:prstDash val="solid"/>
+            <a:round/>
+            <a:headEnd type="none" w="med" len="med"/>
+            <a:tailEnd type="triangle"/>
+          </a:ln>
+          <a:effectLst/>
+          <a:extLst>
+            <a:ext uri="{909E8E84-426E-40dd-AFC4-6F175D3DCCD1}">
+              <a14:hiddenFill xmlns:a14="http://schemas.microsoft.com/office/drawing/2010/main" xmlns="">
+                <a:solidFill>
+                  <a:schemeClr val="accent2"/>
+                </a:solidFill>
+              </a14:hiddenFill>
+            </a:ext>
+            <a:ext uri="{AF507438-7753-43e0-B8FC-AC1667EBCBE1}">
+              <a14:hiddenEffects xmlns:a14="http://schemas.microsoft.com/office/drawing/2010/main" xmlns="">
+                <a:effectLst>
+                  <a:outerShdw blurRad="63500" dist="35921" dir="2700000" algn="ctr" rotWithShape="0">
+                    <a:schemeClr val="bg2"/>
+                  </a:outerShdw>
+                </a:effectLst>
+              </a14:hiddenEffects>
+            </a:ext>
+          </a:extLst>
+        </p:spPr>
+      </p:cxnSp>
+      <p:cxnSp>
+        <p:nvCxnSpPr>
+          <p:cNvPr id="187" name="Verbinder: gewinkelt 186">
+            <a:extLst>
+              <a:ext uri="{FF2B5EF4-FFF2-40B4-BE49-F238E27FC236}">
+                <a16:creationId xmlns:a16="http://schemas.microsoft.com/office/drawing/2014/main" id="{E25B3EB3-A9B0-23BA-210F-DD80179B27BD}"/>
+              </a:ext>
+            </a:extLst>
+          </p:cNvPr>
+          <p:cNvCxnSpPr>
+            <a:cxnSpLocks/>
+            <a:stCxn id="115" idx="3"/>
+            <a:endCxn id="137" idx="1"/>
+          </p:cNvCxnSpPr>
+          <p:nvPr/>
+        </p:nvCxnSpPr>
+        <p:spPr bwMode="auto">
+          <a:xfrm flipV="1">
+            <a:off x="4322108" y="3179581"/>
+            <a:ext cx="409746" cy="1709579"/>
+          </a:xfrm>
+          <a:prstGeom prst="bentConnector3">
+            <a:avLst/>
+          </a:prstGeom>
+          <a:noFill/>
+          <a:ln w="6350" cap="flat" cmpd="sng" algn="ctr">
+            <a:solidFill>
+              <a:schemeClr val="accent6"/>
+            </a:solidFill>
+            <a:prstDash val="solid"/>
+            <a:round/>
+            <a:headEnd type="none" w="med" len="med"/>
+            <a:tailEnd type="triangle"/>
+          </a:ln>
+          <a:effectLst/>
+          <a:extLst>
+            <a:ext uri="{909E8E84-426E-40dd-AFC4-6F175D3DCCD1}">
+              <a14:hiddenFill xmlns:a14="http://schemas.microsoft.com/office/drawing/2010/main" xmlns="">
+                <a:solidFill>
+                  <a:schemeClr val="accent2"/>
+                </a:solidFill>
+              </a14:hiddenFill>
+            </a:ext>
+            <a:ext uri="{AF507438-7753-43e0-B8FC-AC1667EBCBE1}">
+              <a14:hiddenEffects xmlns:a14="http://schemas.microsoft.com/office/drawing/2010/main" xmlns="">
+                <a:effectLst>
+                  <a:outerShdw blurRad="63500" dist="35921" dir="2700000" algn="ctr" rotWithShape="0">
+                    <a:schemeClr val="bg2"/>
+                  </a:outerShdw>
+                </a:effectLst>
+              </a14:hiddenEffects>
+            </a:ext>
+          </a:extLst>
+        </p:spPr>
+      </p:cxnSp>
+      <p:grpSp>
+        <p:nvGrpSpPr>
+          <p:cNvPr id="194" name="Gruppieren 193">
+            <a:extLst>
+              <a:ext uri="{FF2B5EF4-FFF2-40B4-BE49-F238E27FC236}">
+                <a16:creationId xmlns:a16="http://schemas.microsoft.com/office/drawing/2014/main" id="{AA8EACD5-AFAD-9B50-4633-9E7F288A72D5}"/>
+              </a:ext>
+            </a:extLst>
+          </p:cNvPr>
+          <p:cNvGrpSpPr/>
+          <p:nvPr/>
+        </p:nvGrpSpPr>
+        <p:grpSpPr>
+          <a:xfrm>
+            <a:off x="7242498" y="3852059"/>
+            <a:ext cx="1368310" cy="982519"/>
+            <a:chOff x="832630" y="1342084"/>
+            <a:chExt cx="1368310" cy="982519"/>
+          </a:xfrm>
+        </p:grpSpPr>
+        <p:sp>
+          <p:nvSpPr>
+            <p:cNvPr id="195" name="Rectangle 170">
+              <a:extLst>
+                <a:ext uri="{FF2B5EF4-FFF2-40B4-BE49-F238E27FC236}">
+                  <a16:creationId xmlns:a16="http://schemas.microsoft.com/office/drawing/2014/main" id="{56809576-556C-2D52-C8D7-D4EAC8D4DC86}"/>
+                </a:ext>
+                <a:ext uri="{C183D7F6-B498-43B3-948B-1728B52AA6E4}">
+                  <adec:decorative xmlns:adec="http://schemas.microsoft.com/office/drawing/2017/decorative" val="1"/>
+                </a:ext>
+              </a:extLst>
+            </p:cNvPr>
+            <p:cNvSpPr>
+              <a:spLocks noChangeArrowheads="1"/>
+            </p:cNvSpPr>
+            <p:nvPr/>
+          </p:nvSpPr>
+          <p:spPr bwMode="auto">
+            <a:xfrm>
+              <a:off x="1012092" y="1342084"/>
+              <a:ext cx="1012911" cy="982519"/>
+            </a:xfrm>
+            <a:prstGeom prst="rect">
+              <a:avLst/>
+            </a:prstGeom>
+            <a:solidFill>
+              <a:schemeClr val="accent2"/>
+            </a:solidFill>
+            <a:ln>
+              <a:noFill/>
+            </a:ln>
+          </p:spPr>
+          <p:txBody>
+            <a:bodyPr vert="horz" wrap="square" lIns="91440" tIns="45720" rIns="91440" bIns="45720" numCol="1" anchor="t" anchorCtr="0" compatLnSpc="1">
+              <a:prstTxWarp prst="textNoShape">
+                <a:avLst/>
+              </a:prstTxWarp>
+            </a:bodyPr>
+            <a:lstStyle/>
+            <a:p>
+              <a:endParaRPr lang="en-US" sz="1400" dirty="0">
+                <a:solidFill>
+                  <a:schemeClr val="bg1"/>
+                </a:solidFill>
+              </a:endParaRPr>
+            </a:p>
+            <a:p>
+              <a:endParaRPr lang="en-US" sz="1400" dirty="0">
+                <a:solidFill>
+                  <a:schemeClr val="bg1"/>
+                </a:solidFill>
+              </a:endParaRPr>
+            </a:p>
+            <a:p>
+              <a:r>
+                <a:rPr lang="en-US" sz="1400" dirty="0">
+                  <a:solidFill>
+                    <a:schemeClr val="bg1"/>
+                  </a:solidFill>
+                </a:rPr>
+                <a:t>Query Database</a:t>
+              </a:r>
+            </a:p>
+          </p:txBody>
+        </p:sp>
+        <p:grpSp>
+          <p:nvGrpSpPr>
+            <p:cNvPr id="196" name="Gruppieren 195">
+              <a:extLst>
+                <a:ext uri="{FF2B5EF4-FFF2-40B4-BE49-F238E27FC236}">
+                  <a16:creationId xmlns:a16="http://schemas.microsoft.com/office/drawing/2014/main" id="{2851B622-F526-48B5-F913-E77FF626140C}"/>
+                </a:ext>
+              </a:extLst>
+            </p:cNvPr>
+            <p:cNvGrpSpPr/>
+            <p:nvPr/>
+          </p:nvGrpSpPr>
+          <p:grpSpPr>
+            <a:xfrm>
+              <a:off x="832630" y="1347035"/>
+              <a:ext cx="1368310" cy="490405"/>
+              <a:chOff x="4389216" y="3744315"/>
+              <a:chExt cx="2179638" cy="822406"/>
+            </a:xfrm>
+          </p:grpSpPr>
+          <p:sp>
+            <p:nvSpPr>
+              <p:cNvPr id="197" name="Freeform 79">
+                <a:extLst>
+                  <a:ext uri="{FF2B5EF4-FFF2-40B4-BE49-F238E27FC236}">
+                    <a16:creationId xmlns:a16="http://schemas.microsoft.com/office/drawing/2014/main" id="{B0F96D94-869B-BE96-D656-0F104A807E98}"/>
+                  </a:ext>
+                  <a:ext uri="{C183D7F6-B498-43B3-948B-1728B52AA6E4}">
+                    <adec:decorative xmlns:adec="http://schemas.microsoft.com/office/drawing/2017/decorative" val="1"/>
+                  </a:ext>
+                </a:extLst>
+              </p:cNvPr>
+              <p:cNvSpPr>
+                <a:spLocks/>
+              </p:cNvSpPr>
+              <p:nvPr/>
+            </p:nvSpPr>
+            <p:spPr bwMode="auto">
+              <a:xfrm>
+                <a:off x="6286279" y="4353996"/>
+                <a:ext cx="282575" cy="212725"/>
+              </a:xfrm>
+              <a:custGeom>
+                <a:avLst/>
+                <a:gdLst>
+                  <a:gd name="T0" fmla="*/ 178 w 178"/>
+                  <a:gd name="T1" fmla="*/ 0 h 134"/>
+                  <a:gd name="T2" fmla="*/ 0 w 178"/>
+                  <a:gd name="T3" fmla="*/ 0 h 134"/>
+                  <a:gd name="T4" fmla="*/ 0 w 178"/>
+                  <a:gd name="T5" fmla="*/ 134 h 134"/>
+                  <a:gd name="T6" fmla="*/ 178 w 178"/>
+                  <a:gd name="T7" fmla="*/ 0 h 134"/>
+                </a:gdLst>
+                <a:ahLst/>
+                <a:cxnLst>
+                  <a:cxn ang="0">
+                    <a:pos x="T0" y="T1"/>
+                  </a:cxn>
+                  <a:cxn ang="0">
+                    <a:pos x="T2" y="T3"/>
+                  </a:cxn>
+                  <a:cxn ang="0">
+                    <a:pos x="T4" y="T5"/>
+                  </a:cxn>
+                  <a:cxn ang="0">
+                    <a:pos x="T6" y="T7"/>
+                  </a:cxn>
+                </a:cxnLst>
+                <a:rect l="0" t="0" r="r" b="b"/>
+                <a:pathLst>
+                  <a:path w="178" h="134">
+                    <a:moveTo>
+                      <a:pt x="178" y="0"/>
+                    </a:moveTo>
+                    <a:lnTo>
+                      <a:pt x="0" y="0"/>
+                    </a:lnTo>
+                    <a:lnTo>
+                      <a:pt x="0" y="134"/>
+                    </a:lnTo>
+                    <a:lnTo>
+                      <a:pt x="178" y="0"/>
+                    </a:lnTo>
+                    <a:close/>
+                  </a:path>
+                </a:pathLst>
+              </a:custGeom>
+              <a:solidFill>
+                <a:schemeClr val="accent6">
+                  <a:lumMod val="50000"/>
+                </a:schemeClr>
+              </a:solidFill>
+              <a:ln>
+                <a:noFill/>
+              </a:ln>
+            </p:spPr>
+            <p:txBody>
+              <a:bodyPr vert="horz" wrap="square" lIns="91440" tIns="45720" rIns="91440" bIns="45720" numCol="1" anchor="t" anchorCtr="0" compatLnSpc="1">
+                <a:prstTxWarp prst="textNoShape">
+                  <a:avLst/>
+                </a:prstTxWarp>
+              </a:bodyPr>
+              <a:lstStyle/>
+              <a:p>
+                <a:endParaRPr lang="en-US" dirty="0"/>
+              </a:p>
+            </p:txBody>
+          </p:sp>
+          <p:sp>
+            <p:nvSpPr>
+              <p:cNvPr id="198" name="Freeform 78">
+                <a:extLst>
+                  <a:ext uri="{FF2B5EF4-FFF2-40B4-BE49-F238E27FC236}">
+                    <a16:creationId xmlns:a16="http://schemas.microsoft.com/office/drawing/2014/main" id="{7C2629A7-7B9D-F9B0-0AE9-152A0E7EAC8B}"/>
+                  </a:ext>
+                  <a:ext uri="{C183D7F6-B498-43B3-948B-1728B52AA6E4}">
+                    <adec:decorative xmlns:adec="http://schemas.microsoft.com/office/drawing/2017/decorative" val="1"/>
+                  </a:ext>
+                </a:extLst>
+              </p:cNvPr>
+              <p:cNvSpPr>
+                <a:spLocks/>
+              </p:cNvSpPr>
+              <p:nvPr/>
+            </p:nvSpPr>
+            <p:spPr bwMode="auto">
+              <a:xfrm>
+                <a:off x="4399694" y="3744315"/>
+                <a:ext cx="282575" cy="212725"/>
+              </a:xfrm>
+              <a:custGeom>
+                <a:avLst/>
+                <a:gdLst>
+                  <a:gd name="T0" fmla="*/ 178 w 178"/>
+                  <a:gd name="T1" fmla="*/ 0 h 134"/>
+                  <a:gd name="T2" fmla="*/ 0 w 178"/>
+                  <a:gd name="T3" fmla="*/ 134 h 134"/>
+                  <a:gd name="T4" fmla="*/ 178 w 178"/>
+                  <a:gd name="T5" fmla="*/ 134 h 134"/>
+                  <a:gd name="T6" fmla="*/ 178 w 178"/>
+                  <a:gd name="T7" fmla="*/ 0 h 134"/>
+                </a:gdLst>
+                <a:ahLst/>
+                <a:cxnLst>
+                  <a:cxn ang="0">
+                    <a:pos x="T0" y="T1"/>
+                  </a:cxn>
+                  <a:cxn ang="0">
+                    <a:pos x="T2" y="T3"/>
+                  </a:cxn>
+                  <a:cxn ang="0">
+                    <a:pos x="T4" y="T5"/>
+                  </a:cxn>
+                  <a:cxn ang="0">
+                    <a:pos x="T6" y="T7"/>
+                  </a:cxn>
+                </a:cxnLst>
+                <a:rect l="0" t="0" r="r" b="b"/>
+                <a:pathLst>
+                  <a:path w="178" h="134">
+                    <a:moveTo>
+                      <a:pt x="178" y="0"/>
+                    </a:moveTo>
+                    <a:lnTo>
+                      <a:pt x="0" y="134"/>
+                    </a:lnTo>
+                    <a:lnTo>
+                      <a:pt x="178" y="134"/>
+                    </a:lnTo>
+                    <a:lnTo>
+                      <a:pt x="178" y="0"/>
+                    </a:lnTo>
+                  </a:path>
+                </a:pathLst>
+              </a:custGeom>
+              <a:solidFill>
+                <a:schemeClr val="accent6">
+                  <a:lumMod val="50000"/>
+                </a:schemeClr>
+              </a:solidFill>
+              <a:ln>
+                <a:noFill/>
+              </a:ln>
+            </p:spPr>
+            <p:txBody>
+              <a:bodyPr vert="horz" wrap="square" lIns="91440" tIns="45720" rIns="91440" bIns="45720" numCol="1" anchor="t" anchorCtr="0" compatLnSpc="1">
+                <a:prstTxWarp prst="textNoShape">
+                  <a:avLst/>
+                </a:prstTxWarp>
+              </a:bodyPr>
+              <a:lstStyle/>
+              <a:p>
+                <a:endParaRPr lang="en-US" dirty="0"/>
+              </a:p>
+            </p:txBody>
+          </p:sp>
+          <p:sp>
+            <p:nvSpPr>
+              <p:cNvPr id="199" name="Rectangle 81">
+                <a:extLst>
+                  <a:ext uri="{FF2B5EF4-FFF2-40B4-BE49-F238E27FC236}">
+                    <a16:creationId xmlns:a16="http://schemas.microsoft.com/office/drawing/2014/main" id="{5EAC000F-5AE4-5FBE-43A1-843928838C43}"/>
+                  </a:ext>
+                  <a:ext uri="{C183D7F6-B498-43B3-948B-1728B52AA6E4}">
+                    <adec:decorative xmlns:adec="http://schemas.microsoft.com/office/drawing/2017/decorative" val="1"/>
+                  </a:ext>
+                </a:extLst>
+              </p:cNvPr>
+              <p:cNvSpPr>
+                <a:spLocks noChangeArrowheads="1"/>
+              </p:cNvSpPr>
+              <p:nvPr/>
+            </p:nvSpPr>
+            <p:spPr bwMode="auto">
+              <a:xfrm>
+                <a:off x="4389216" y="3946009"/>
+                <a:ext cx="2179638" cy="407988"/>
+              </a:xfrm>
+              <a:prstGeom prst="rect">
+                <a:avLst/>
+              </a:prstGeom>
+              <a:solidFill>
+                <a:srgbClr val="92D050"/>
+              </a:solidFill>
+              <a:ln>
+                <a:noFill/>
+              </a:ln>
+            </p:spPr>
+            <p:txBody>
+              <a:bodyPr vert="horz" wrap="square" lIns="91440" tIns="45720" rIns="91440" bIns="45720" numCol="1" anchor="t" anchorCtr="0" compatLnSpc="1">
+                <a:prstTxWarp prst="textNoShape">
+                  <a:avLst/>
+                </a:prstTxWarp>
+              </a:bodyPr>
+              <a:lstStyle/>
+              <a:p>
+                <a:r>
+                  <a:rPr lang="en-US" sz="1200" dirty="0">
+                    <a:solidFill>
+                      <a:schemeClr val="bg1"/>
+                    </a:solidFill>
+                  </a:rPr>
+                  <a:t>Business Analyst</a:t>
+                </a:r>
+              </a:p>
+            </p:txBody>
+          </p:sp>
+        </p:grpSp>
+      </p:grpSp>
+      <p:sp>
+        <p:nvSpPr>
+          <p:cNvPr id="200" name="Rechteck 199">
+            <a:extLst>
+              <a:ext uri="{FF2B5EF4-FFF2-40B4-BE49-F238E27FC236}">
+                <a16:creationId xmlns:a16="http://schemas.microsoft.com/office/drawing/2014/main" id="{58D27665-E4AD-6CCB-90A1-5E69E599DE8F}"/>
+              </a:ext>
+            </a:extLst>
+          </p:cNvPr>
+          <p:cNvSpPr/>
+          <p:nvPr/>
+        </p:nvSpPr>
+        <p:spPr bwMode="auto">
+          <a:xfrm>
+            <a:off x="4565176" y="2865066"/>
+            <a:ext cx="2591442" cy="2880000"/>
+          </a:xfrm>
+          <a:prstGeom prst="rect">
+            <a:avLst/>
+          </a:prstGeom>
+          <a:noFill/>
+          <a:ln w="3175" cap="flat" cmpd="sng" algn="ctr">
+            <a:solidFill>
+              <a:schemeClr val="bg1">
+                <a:lumMod val="50000"/>
+              </a:schemeClr>
+            </a:solidFill>
+            <a:prstDash val="dashDot"/>
+            <a:round/>
+            <a:headEnd type="none" w="med" len="med"/>
+            <a:tailEnd type="none" w="med" len="med"/>
+          </a:ln>
+          <a:effectLst/>
+          <a:extLst>
+            <a:ext uri="{909E8E84-426E-40dd-AFC4-6F175D3DCCD1}">
+              <a14:hiddenFill xmlns:a14="http://schemas.microsoft.com/office/drawing/2010/main" xmlns="">
+                <a:solidFill>
+                  <a:schemeClr val="accent2"/>
+                </a:solidFill>
+              </a14:hiddenFill>
+            </a:ext>
+            <a:ext uri="{AF507438-7753-43e0-B8FC-AC1667EBCBE1}">
+              <a14:hiddenEffects xmlns:a14="http://schemas.microsoft.com/office/drawing/2010/main" xmlns="">
+                <a:effectLst>
+                  <a:outerShdw blurRad="63500" dist="35921" dir="2700000" algn="ctr" rotWithShape="0">
+                    <a:schemeClr val="bg2"/>
+                  </a:outerShdw>
+                </a:effectLst>
+              </a14:hiddenEffects>
+            </a:ext>
+          </a:extLst>
+        </p:spPr>
+        <p:txBody>
+          <a:bodyPr vert="horz" wrap="square" lIns="0" tIns="0" rIns="0" bIns="0" numCol="1" rtlCol="0" anchor="ctr" anchorCtr="0" compatLnSpc="1">
+            <a:prstTxWarp prst="textNoShape">
+              <a:avLst/>
+            </a:prstTxWarp>
+            <a:spAutoFit/>
+          </a:bodyPr>
+          <a:lstStyle/>
+          <a:p>
+            <a:pPr marL="0" marR="0" indent="0" algn="ctr" defTabSz="914400" rtl="0" eaLnBrk="0" fontAlgn="base" latinLnBrk="0" hangingPunct="0">
+              <a:lnSpc>
+                <a:spcPct val="100000"/>
+              </a:lnSpc>
+              <a:spcBef>
+                <a:spcPct val="0"/>
+              </a:spcBef>
+              <a:spcAft>
+                <a:spcPct val="0"/>
+              </a:spcAft>
+              <a:buClrTx/>
+              <a:buSzTx/>
+              <a:buFontTx/>
+              <a:buNone/>
+              <a:tabLst/>
+            </a:pPr>
+            <a:endParaRPr kumimoji="0" lang="de-DE" sz="2400" b="0" i="0" u="none" strike="noStrike" cap="none" normalizeH="0" baseline="0">
+              <a:ln>
+                <a:noFill/>
+              </a:ln>
+              <a:solidFill>
+                <a:srgbClr val="000000"/>
+              </a:solidFill>
+              <a:effectLst/>
+              <a:latin typeface="Arial" charset="0"/>
+              <a:ea typeface="ＭＳ Ｐゴシック" charset="0"/>
+            </a:endParaRPr>
+          </a:p>
+        </p:txBody>
+      </p:sp>
+      <p:pic>
+        <p:nvPicPr>
+          <p:cNvPr id="202" name="Grafik 201" descr="Würfel Silhouette">
+            <a:extLst>
+              <a:ext uri="{FF2B5EF4-FFF2-40B4-BE49-F238E27FC236}">
+                <a16:creationId xmlns:a16="http://schemas.microsoft.com/office/drawing/2014/main" id="{65B615DF-CF38-0DC9-3A23-584AE1F0018A}"/>
+              </a:ext>
+            </a:extLst>
+          </p:cNvPr>
+          <p:cNvPicPr>
+            <a:picLocks noChangeAspect="1"/>
+          </p:cNvPicPr>
+          <p:nvPr/>
+        </p:nvPicPr>
+        <p:blipFill>
+          <a:blip r:embed="rId8">
+            <a:extLst>
+              <a:ext uri="{96DAC541-7B7A-43D3-8B79-37D633B846F1}">
+                <asvg:svgBlip xmlns:asvg="http://schemas.microsoft.com/office/drawing/2016/SVG/main" r:embed="rId9"/>
+              </a:ext>
+            </a:extLst>
+          </a:blip>
+          <a:stretch>
+            <a:fillRect/>
+          </a:stretch>
+        </p:blipFill>
+        <p:spPr>
+          <a:xfrm>
+            <a:off x="6165828" y="3079445"/>
             <a:ext cx="914400" cy="914400"/>
           </a:xfrm>
           <a:prstGeom prst="rect">
@@ -8478,10 +8308,876 @@
           </a:prstGeom>
         </p:spPr>
       </p:pic>
+      <p:cxnSp>
+        <p:nvCxnSpPr>
+          <p:cNvPr id="210" name="Verbinder: gewinkelt 209">
+            <a:extLst>
+              <a:ext uri="{FF2B5EF4-FFF2-40B4-BE49-F238E27FC236}">
+                <a16:creationId xmlns:a16="http://schemas.microsoft.com/office/drawing/2014/main" id="{82F1DDB5-F077-C3BB-AD69-F831397069A2}"/>
+              </a:ext>
+            </a:extLst>
+          </p:cNvPr>
+          <p:cNvCxnSpPr>
+            <a:cxnSpLocks/>
+            <a:stCxn id="139" idx="2"/>
+            <a:endCxn id="135" idx="1"/>
+          </p:cNvCxnSpPr>
+          <p:nvPr/>
+        </p:nvCxnSpPr>
+        <p:spPr bwMode="auto">
+          <a:xfrm rot="16200000" flipH="1">
+            <a:off x="5322514" y="3951096"/>
+            <a:ext cx="537446" cy="705998"/>
+          </a:xfrm>
+          <a:prstGeom prst="bentConnector3">
+            <a:avLst>
+              <a:gd name="adj1" fmla="val 50000"/>
+            </a:avLst>
+          </a:prstGeom>
+          <a:noFill/>
+          <a:ln w="6350" cap="flat" cmpd="sng" algn="ctr">
+            <a:solidFill>
+              <a:schemeClr val="accent6"/>
+            </a:solidFill>
+            <a:prstDash val="solid"/>
+            <a:round/>
+            <a:headEnd type="none" w="med" len="med"/>
+            <a:tailEnd type="triangle"/>
+          </a:ln>
+          <a:effectLst/>
+          <a:extLst>
+            <a:ext uri="{909E8E84-426E-40dd-AFC4-6F175D3DCCD1}">
+              <a14:hiddenFill xmlns:a14="http://schemas.microsoft.com/office/drawing/2010/main" xmlns="">
+                <a:solidFill>
+                  <a:schemeClr val="accent2"/>
+                </a:solidFill>
+              </a14:hiddenFill>
+            </a:ext>
+            <a:ext uri="{AF507438-7753-43e0-B8FC-AC1667EBCBE1}">
+              <a14:hiddenEffects xmlns:a14="http://schemas.microsoft.com/office/drawing/2010/main" xmlns="">
+                <a:effectLst>
+                  <a:outerShdw blurRad="63500" dist="35921" dir="2700000" algn="ctr" rotWithShape="0">
+                    <a:schemeClr val="bg2"/>
+                  </a:outerShdw>
+                </a:effectLst>
+              </a14:hiddenEffects>
+            </a:ext>
+          </a:extLst>
+        </p:spPr>
+      </p:cxnSp>
+      <p:cxnSp>
+        <p:nvCxnSpPr>
+          <p:cNvPr id="218" name="Verbinder: gewinkelt 217">
+            <a:extLst>
+              <a:ext uri="{FF2B5EF4-FFF2-40B4-BE49-F238E27FC236}">
+                <a16:creationId xmlns:a16="http://schemas.microsoft.com/office/drawing/2014/main" id="{3149C2C2-6A39-FE72-E9D6-12E68E93DB97}"/>
+              </a:ext>
+            </a:extLst>
+          </p:cNvPr>
+          <p:cNvCxnSpPr>
+            <a:cxnSpLocks/>
+            <a:stCxn id="135" idx="4"/>
+            <a:endCxn id="202" idx="2"/>
+          </p:cNvCxnSpPr>
+          <p:nvPr/>
+        </p:nvCxnSpPr>
+        <p:spPr bwMode="auto">
+          <a:xfrm flipV="1">
+            <a:off x="6563706" y="3993845"/>
+            <a:ext cx="59322" cy="824582"/>
+          </a:xfrm>
+          <a:prstGeom prst="bentConnector2">
+            <a:avLst/>
+          </a:prstGeom>
+          <a:noFill/>
+          <a:ln w="6350" cap="flat" cmpd="sng" algn="ctr">
+            <a:solidFill>
+              <a:schemeClr val="accent6"/>
+            </a:solidFill>
+            <a:prstDash val="solid"/>
+            <a:round/>
+            <a:headEnd type="none" w="med" len="med"/>
+            <a:tailEnd type="triangle"/>
+          </a:ln>
+          <a:effectLst/>
+          <a:extLst>
+            <a:ext uri="{909E8E84-426E-40dd-AFC4-6F175D3DCCD1}">
+              <a14:hiddenFill xmlns:a14="http://schemas.microsoft.com/office/drawing/2010/main" xmlns="">
+                <a:solidFill>
+                  <a:schemeClr val="accent2"/>
+                </a:solidFill>
+              </a14:hiddenFill>
+            </a:ext>
+            <a:ext uri="{AF507438-7753-43e0-B8FC-AC1667EBCBE1}">
+              <a14:hiddenEffects xmlns:a14="http://schemas.microsoft.com/office/drawing/2010/main" xmlns="">
+                <a:effectLst>
+                  <a:outerShdw blurRad="63500" dist="35921" dir="2700000" algn="ctr" rotWithShape="0">
+                    <a:schemeClr val="bg2"/>
+                  </a:outerShdw>
+                </a:effectLst>
+              </a14:hiddenEffects>
+            </a:ext>
+          </a:extLst>
+        </p:spPr>
+      </p:cxnSp>
+      <p:cxnSp>
+        <p:nvCxnSpPr>
+          <p:cNvPr id="224" name="Verbinder: gewinkelt 223">
+            <a:extLst>
+              <a:ext uri="{FF2B5EF4-FFF2-40B4-BE49-F238E27FC236}">
+                <a16:creationId xmlns:a16="http://schemas.microsoft.com/office/drawing/2014/main" id="{B0977536-67B0-33BC-809D-472BAA8A7D32}"/>
+              </a:ext>
+            </a:extLst>
+          </p:cNvPr>
+          <p:cNvCxnSpPr>
+            <a:cxnSpLocks/>
+            <a:stCxn id="195" idx="0"/>
+            <a:endCxn id="202" idx="3"/>
+          </p:cNvCxnSpPr>
+          <p:nvPr/>
+        </p:nvCxnSpPr>
+        <p:spPr bwMode="auto">
+          <a:xfrm rot="16200000" flipV="1">
+            <a:off x="7346615" y="3270258"/>
+            <a:ext cx="315414" cy="848188"/>
+          </a:xfrm>
+          <a:prstGeom prst="bentConnector2">
+            <a:avLst/>
+          </a:prstGeom>
+          <a:noFill/>
+          <a:ln w="6350" cap="flat" cmpd="sng" algn="ctr">
+            <a:solidFill>
+              <a:schemeClr val="accent6"/>
+            </a:solidFill>
+            <a:prstDash val="solid"/>
+            <a:round/>
+            <a:headEnd type="none" w="med" len="med"/>
+            <a:tailEnd type="triangle"/>
+          </a:ln>
+          <a:effectLst/>
+          <a:extLst>
+            <a:ext uri="{909E8E84-426E-40dd-AFC4-6F175D3DCCD1}">
+              <a14:hiddenFill xmlns:a14="http://schemas.microsoft.com/office/drawing/2010/main" xmlns="">
+                <a:solidFill>
+                  <a:schemeClr val="accent2"/>
+                </a:solidFill>
+              </a14:hiddenFill>
+            </a:ext>
+            <a:ext uri="{AF507438-7753-43e0-B8FC-AC1667EBCBE1}">
+              <a14:hiddenEffects xmlns:a14="http://schemas.microsoft.com/office/drawing/2010/main" xmlns="">
+                <a:effectLst>
+                  <a:outerShdw blurRad="63500" dist="35921" dir="2700000" algn="ctr" rotWithShape="0">
+                    <a:schemeClr val="bg2"/>
+                  </a:outerShdw>
+                </a:effectLst>
+              </a14:hiddenEffects>
+            </a:ext>
+          </a:extLst>
+        </p:spPr>
+      </p:cxnSp>
+      <p:sp>
+        <p:nvSpPr>
+          <p:cNvPr id="234" name="Textfeld 233">
+            <a:extLst>
+              <a:ext uri="{FF2B5EF4-FFF2-40B4-BE49-F238E27FC236}">
+                <a16:creationId xmlns:a16="http://schemas.microsoft.com/office/drawing/2014/main" id="{927CDEFA-AD13-1614-3F41-E9925922E4DD}"/>
+              </a:ext>
+            </a:extLst>
+          </p:cNvPr>
+          <p:cNvSpPr txBox="1"/>
+          <p:nvPr/>
+        </p:nvSpPr>
+        <p:spPr>
+          <a:xfrm rot="16200000">
+            <a:off x="5385738" y="3399725"/>
+            <a:ext cx="994289" cy="276999"/>
+          </a:xfrm>
+          <a:prstGeom prst="rect">
+            <a:avLst/>
+          </a:prstGeom>
+          <a:ln w="3175">
+            <a:solidFill>
+              <a:srgbClr val="92D050"/>
+            </a:solidFill>
+            <a:prstDash val="dash"/>
+          </a:ln>
+        </p:spPr>
+        <p:style>
+          <a:lnRef idx="2">
+            <a:schemeClr val="accent1"/>
+          </a:lnRef>
+          <a:fillRef idx="1">
+            <a:schemeClr val="lt1"/>
+          </a:fillRef>
+          <a:effectRef idx="0">
+            <a:schemeClr val="accent1"/>
+          </a:effectRef>
+          <a:fontRef idx="minor">
+            <a:schemeClr val="dk1"/>
+          </a:fontRef>
+        </p:style>
+        <p:txBody>
+          <a:bodyPr wrap="square" rtlCol="0">
+            <a:spAutoFit/>
+          </a:bodyPr>
+          <a:lstStyle/>
+          <a:p>
+            <a:r>
+              <a:rPr lang="de-DE" sz="1200" b="1" dirty="0">
+                <a:solidFill>
+                  <a:schemeClr val="accent6"/>
+                </a:solidFill>
+              </a:rPr>
+              <a:t>ETL</a:t>
+            </a:r>
+          </a:p>
+        </p:txBody>
+      </p:sp>
+      <p:graphicFrame>
+        <p:nvGraphicFramePr>
+          <p:cNvPr id="244" name="Tabelle 244">
+            <a:extLst>
+              <a:ext uri="{FF2B5EF4-FFF2-40B4-BE49-F238E27FC236}">
+                <a16:creationId xmlns:a16="http://schemas.microsoft.com/office/drawing/2014/main" id="{AD54BDED-2101-26A9-B0C2-C9BAB24D283A}"/>
+              </a:ext>
+            </a:extLst>
+          </p:cNvPr>
+          <p:cNvGraphicFramePr>
+            <a:graphicFrameLocks noGrp="1"/>
+          </p:cNvGraphicFramePr>
+          <p:nvPr>
+            <p:extLst>
+              <p:ext uri="{D42A27DB-BD31-4B8C-83A1-F6EECF244321}">
+                <p14:modId xmlns:p14="http://schemas.microsoft.com/office/powerpoint/2010/main" val="2015276919"/>
+              </p:ext>
+            </p:extLst>
+          </p:nvPr>
+        </p:nvGraphicFramePr>
+        <p:xfrm>
+          <a:off x="1970322" y="1208590"/>
+          <a:ext cx="5189708" cy="1628274"/>
+        </p:xfrm>
+        <a:graphic>
+          <a:graphicData uri="http://schemas.openxmlformats.org/drawingml/2006/table">
+            <a:tbl>
+              <a:tblPr firstRow="1" bandRow="1">
+                <a:tableStyleId>{BC89EF96-8CEA-46FF-86C4-4CE0E7609802}</a:tableStyleId>
+              </a:tblPr>
+              <a:tblGrid>
+                <a:gridCol w="2594854">
+                  <a:extLst>
+                    <a:ext uri="{9D8B030D-6E8A-4147-A177-3AD203B41FA5}">
+                      <a16:colId xmlns:a16="http://schemas.microsoft.com/office/drawing/2014/main" val="451722372"/>
+                    </a:ext>
+                  </a:extLst>
+                </a:gridCol>
+                <a:gridCol w="2594854">
+                  <a:extLst>
+                    <a:ext uri="{9D8B030D-6E8A-4147-A177-3AD203B41FA5}">
+                      <a16:colId xmlns:a16="http://schemas.microsoft.com/office/drawing/2014/main" val="504194472"/>
+                    </a:ext>
+                  </a:extLst>
+                </a:gridCol>
+              </a:tblGrid>
+              <a:tr h="271379">
+                <a:tc>
+                  <a:txBody>
+                    <a:bodyPr/>
+                    <a:lstStyle/>
+                    <a:p>
+                      <a:pPr algn="ctr"/>
+                      <a:r>
+                        <a:rPr lang="de-DE" sz="1100" dirty="0">
+                          <a:solidFill>
+                            <a:schemeClr val="accent6">
+                              <a:lumMod val="60000"/>
+                              <a:lumOff val="40000"/>
+                            </a:schemeClr>
+                          </a:solidFill>
+                        </a:rPr>
+                        <a:t>OLTP  (</a:t>
+                      </a:r>
+                      <a:r>
+                        <a:rPr lang="de-DE" sz="1100" dirty="0" err="1">
+                          <a:solidFill>
+                            <a:schemeClr val="accent6">
+                              <a:lumMod val="60000"/>
+                              <a:lumOff val="40000"/>
+                            </a:schemeClr>
+                          </a:solidFill>
+                        </a:rPr>
+                        <a:t>transactional</a:t>
+                      </a:r>
+                      <a:r>
+                        <a:rPr lang="de-DE" sz="1100" dirty="0">
+                          <a:solidFill>
+                            <a:schemeClr val="accent6">
+                              <a:lumMod val="60000"/>
+                              <a:lumOff val="40000"/>
+                            </a:schemeClr>
+                          </a:solidFill>
+                        </a:rPr>
+                        <a:t>)</a:t>
+                      </a:r>
+                    </a:p>
+                  </a:txBody>
+                  <a:tcPr/>
+                </a:tc>
+                <a:tc>
+                  <a:txBody>
+                    <a:bodyPr/>
+                    <a:lstStyle/>
+                    <a:p>
+                      <a:pPr algn="ctr"/>
+                      <a:r>
+                        <a:rPr lang="de-DE" sz="1100" dirty="0">
+                          <a:solidFill>
+                            <a:schemeClr val="accent6">
+                              <a:lumMod val="60000"/>
+                              <a:lumOff val="40000"/>
+                            </a:schemeClr>
+                          </a:solidFill>
+                        </a:rPr>
+                        <a:t>OLAP (</a:t>
+                      </a:r>
+                      <a:r>
+                        <a:rPr lang="de-DE" sz="1100" dirty="0" err="1">
+                          <a:solidFill>
+                            <a:schemeClr val="accent6">
+                              <a:lumMod val="60000"/>
+                              <a:lumOff val="40000"/>
+                            </a:schemeClr>
+                          </a:solidFill>
+                        </a:rPr>
+                        <a:t>analytical</a:t>
+                      </a:r>
+                      <a:r>
+                        <a:rPr lang="de-DE" sz="1100" dirty="0">
+                          <a:solidFill>
+                            <a:schemeClr val="accent6">
+                              <a:lumMod val="60000"/>
+                              <a:lumOff val="40000"/>
+                            </a:schemeClr>
+                          </a:solidFill>
+                        </a:rPr>
+                        <a:t>)</a:t>
+                      </a:r>
+                    </a:p>
+                  </a:txBody>
+                  <a:tcPr/>
+                </a:tc>
+                <a:extLst>
+                  <a:ext uri="{0D108BD9-81ED-4DB2-BD59-A6C34878D82A}">
+                    <a16:rowId xmlns:a16="http://schemas.microsoft.com/office/drawing/2014/main" val="2447495173"/>
+                  </a:ext>
+                </a:extLst>
+              </a:tr>
+              <a:tr h="271379">
+                <a:tc>
+                  <a:txBody>
+                    <a:bodyPr/>
+                    <a:lstStyle/>
+                    <a:p>
+                      <a:pPr algn="ctr"/>
+                      <a:r>
+                        <a:rPr lang="de-DE" sz="1100" dirty="0"/>
+                        <a:t>Aggregate </a:t>
+                      </a:r>
+                      <a:r>
+                        <a:rPr lang="de-DE" sz="1100" u="sng" dirty="0" err="1">
+                          <a:solidFill>
+                            <a:schemeClr val="accent6">
+                              <a:lumMod val="60000"/>
+                              <a:lumOff val="40000"/>
+                            </a:schemeClr>
+                          </a:solidFill>
+                        </a:rPr>
+                        <a:t>small</a:t>
+                      </a:r>
+                      <a:r>
+                        <a:rPr lang="de-DE" sz="1100" dirty="0"/>
+                        <a:t> </a:t>
+                      </a:r>
+                      <a:r>
+                        <a:rPr lang="de-DE" sz="1100" dirty="0" err="1"/>
+                        <a:t>number</a:t>
+                      </a:r>
+                      <a:r>
+                        <a:rPr lang="de-DE" sz="1100" dirty="0"/>
+                        <a:t> </a:t>
+                      </a:r>
+                      <a:r>
+                        <a:rPr lang="de-DE" sz="1100" dirty="0" err="1"/>
+                        <a:t>of</a:t>
+                      </a:r>
+                      <a:r>
+                        <a:rPr lang="de-DE" sz="1100" dirty="0"/>
+                        <a:t> </a:t>
+                      </a:r>
+                      <a:r>
+                        <a:rPr lang="de-DE" sz="1100" dirty="0" err="1"/>
+                        <a:t>records</a:t>
+                      </a:r>
+                      <a:endParaRPr lang="de-DE" sz="1100" dirty="0"/>
+                    </a:p>
+                  </a:txBody>
+                  <a:tcPr/>
+                </a:tc>
+                <a:tc>
+                  <a:txBody>
+                    <a:bodyPr/>
+                    <a:lstStyle/>
+                    <a:p>
+                      <a:pPr algn="ctr"/>
+                      <a:r>
+                        <a:rPr lang="de-DE" sz="1100" dirty="0"/>
+                        <a:t>Aggregate </a:t>
+                      </a:r>
+                      <a:r>
+                        <a:rPr lang="de-DE" sz="1100" u="sng" dirty="0">
+                          <a:solidFill>
+                            <a:schemeClr val="accent6">
+                              <a:lumMod val="60000"/>
+                              <a:lumOff val="40000"/>
+                            </a:schemeClr>
+                          </a:solidFill>
+                        </a:rPr>
+                        <a:t>large</a:t>
+                      </a:r>
+                      <a:r>
+                        <a:rPr lang="de-DE" sz="1100" dirty="0"/>
+                        <a:t> </a:t>
+                      </a:r>
+                      <a:r>
+                        <a:rPr lang="de-DE" sz="1100" dirty="0" err="1"/>
+                        <a:t>number</a:t>
+                      </a:r>
+                      <a:r>
+                        <a:rPr lang="de-DE" sz="1100" dirty="0"/>
+                        <a:t> </a:t>
+                      </a:r>
+                      <a:r>
+                        <a:rPr lang="de-DE" sz="1100" dirty="0" err="1"/>
+                        <a:t>of</a:t>
+                      </a:r>
+                      <a:r>
+                        <a:rPr lang="de-DE" sz="1100" dirty="0"/>
+                        <a:t> </a:t>
+                      </a:r>
+                      <a:r>
+                        <a:rPr lang="de-DE" sz="1100" dirty="0" err="1"/>
+                        <a:t>records</a:t>
+                      </a:r>
+                      <a:endParaRPr lang="de-DE" sz="1100" dirty="0"/>
+                    </a:p>
+                  </a:txBody>
+                  <a:tcPr/>
+                </a:tc>
+                <a:extLst>
+                  <a:ext uri="{0D108BD9-81ED-4DB2-BD59-A6C34878D82A}">
+                    <a16:rowId xmlns:a16="http://schemas.microsoft.com/office/drawing/2014/main" val="3870527873"/>
+                  </a:ext>
+                </a:extLst>
+              </a:tr>
+              <a:tr h="271379">
+                <a:tc>
+                  <a:txBody>
+                    <a:bodyPr/>
+                    <a:lstStyle/>
+                    <a:p>
+                      <a:pPr algn="ctr"/>
+                      <a:r>
+                        <a:rPr lang="de-DE" sz="1100" dirty="0" err="1"/>
+                        <a:t>Written</a:t>
+                      </a:r>
+                      <a:r>
+                        <a:rPr lang="de-DE" sz="1100" dirty="0"/>
+                        <a:t> </a:t>
+                      </a:r>
+                      <a:r>
+                        <a:rPr lang="de-DE" sz="1100" dirty="0" err="1"/>
+                        <a:t>by</a:t>
+                      </a:r>
+                      <a:r>
+                        <a:rPr lang="de-DE" sz="1100" dirty="0"/>
+                        <a:t> </a:t>
+                      </a:r>
+                      <a:r>
+                        <a:rPr lang="de-DE" sz="1100" u="sng" dirty="0" err="1">
+                          <a:solidFill>
+                            <a:schemeClr val="accent6">
+                              <a:lumMod val="60000"/>
+                              <a:lumOff val="40000"/>
+                            </a:schemeClr>
+                          </a:solidFill>
+                        </a:rPr>
+                        <a:t>users</a:t>
+                      </a:r>
+                      <a:endParaRPr lang="de-DE" sz="1100" u="sng" dirty="0">
+                        <a:solidFill>
+                          <a:schemeClr val="accent6">
+                            <a:lumMod val="60000"/>
+                            <a:lumOff val="40000"/>
+                          </a:schemeClr>
+                        </a:solidFill>
+                      </a:endParaRPr>
+                    </a:p>
+                  </a:txBody>
+                  <a:tcPr/>
+                </a:tc>
+                <a:tc>
+                  <a:txBody>
+                    <a:bodyPr/>
+                    <a:lstStyle/>
+                    <a:p>
+                      <a:pPr algn="ctr"/>
+                      <a:r>
+                        <a:rPr lang="de-DE" sz="1100" u="sng" dirty="0">
+                          <a:solidFill>
+                            <a:schemeClr val="accent6">
+                              <a:lumMod val="60000"/>
+                              <a:lumOff val="40000"/>
+                            </a:schemeClr>
+                          </a:solidFill>
+                        </a:rPr>
+                        <a:t>ETL</a:t>
+                      </a:r>
+                    </a:p>
+                  </a:txBody>
+                  <a:tcPr/>
+                </a:tc>
+                <a:extLst>
+                  <a:ext uri="{0D108BD9-81ED-4DB2-BD59-A6C34878D82A}">
+                    <a16:rowId xmlns:a16="http://schemas.microsoft.com/office/drawing/2014/main" val="343490836"/>
+                  </a:ext>
+                </a:extLst>
+              </a:tr>
+              <a:tr h="271379">
+                <a:tc>
+                  <a:txBody>
+                    <a:bodyPr/>
+                    <a:lstStyle/>
+                    <a:p>
+                      <a:pPr algn="ctr"/>
+                      <a:r>
+                        <a:rPr lang="de-DE" sz="1100" dirty="0" err="1"/>
+                        <a:t>Used</a:t>
+                      </a:r>
+                      <a:r>
+                        <a:rPr lang="de-DE" sz="1100" dirty="0"/>
+                        <a:t> </a:t>
+                      </a:r>
+                      <a:r>
+                        <a:rPr lang="de-DE" sz="1100" dirty="0" err="1"/>
+                        <a:t>by</a:t>
+                      </a:r>
+                      <a:r>
+                        <a:rPr lang="de-DE" sz="1100" dirty="0"/>
+                        <a:t> </a:t>
+                      </a:r>
+                      <a:r>
+                        <a:rPr lang="de-DE" sz="1100" u="sng" dirty="0">
+                          <a:solidFill>
+                            <a:schemeClr val="accent6">
+                              <a:lumMod val="60000"/>
+                              <a:lumOff val="40000"/>
+                            </a:schemeClr>
+                          </a:solidFill>
+                        </a:rPr>
+                        <a:t>end </a:t>
+                      </a:r>
+                      <a:r>
+                        <a:rPr lang="de-DE" sz="1100" u="sng" dirty="0" err="1">
+                          <a:solidFill>
+                            <a:schemeClr val="accent6">
+                              <a:lumMod val="60000"/>
+                              <a:lumOff val="40000"/>
+                            </a:schemeClr>
+                          </a:solidFill>
+                        </a:rPr>
+                        <a:t>users</a:t>
+                      </a:r>
+                      <a:endParaRPr lang="de-DE" sz="1100" u="sng" dirty="0">
+                        <a:solidFill>
+                          <a:schemeClr val="accent6">
+                            <a:lumMod val="60000"/>
+                            <a:lumOff val="40000"/>
+                          </a:schemeClr>
+                        </a:solidFill>
+                      </a:endParaRPr>
+                    </a:p>
+                  </a:txBody>
+                  <a:tcPr/>
+                </a:tc>
+                <a:tc>
+                  <a:txBody>
+                    <a:bodyPr/>
+                    <a:lstStyle/>
+                    <a:p>
+                      <a:pPr algn="ctr"/>
+                      <a:r>
+                        <a:rPr lang="de-DE" sz="1100" dirty="0" err="1"/>
+                        <a:t>Used</a:t>
+                      </a:r>
+                      <a:r>
+                        <a:rPr lang="de-DE" sz="1100" dirty="0"/>
+                        <a:t> </a:t>
+                      </a:r>
+                      <a:r>
+                        <a:rPr lang="de-DE" sz="1100" dirty="0" err="1"/>
+                        <a:t>by</a:t>
+                      </a:r>
+                      <a:r>
+                        <a:rPr lang="de-DE" sz="1100" dirty="0"/>
+                        <a:t> </a:t>
+                      </a:r>
+                      <a:r>
+                        <a:rPr lang="de-DE" sz="1100" u="sng" dirty="0" err="1">
+                          <a:solidFill>
+                            <a:schemeClr val="accent6">
+                              <a:lumMod val="60000"/>
+                              <a:lumOff val="40000"/>
+                            </a:schemeClr>
+                          </a:solidFill>
+                        </a:rPr>
+                        <a:t>analysts</a:t>
+                      </a:r>
+                      <a:endParaRPr lang="de-DE" sz="1100" u="sng" dirty="0">
+                        <a:solidFill>
+                          <a:schemeClr val="accent6">
+                            <a:lumMod val="60000"/>
+                            <a:lumOff val="40000"/>
+                          </a:schemeClr>
+                        </a:solidFill>
+                      </a:endParaRPr>
+                    </a:p>
+                  </a:txBody>
+                  <a:tcPr/>
+                </a:tc>
+                <a:extLst>
+                  <a:ext uri="{0D108BD9-81ED-4DB2-BD59-A6C34878D82A}">
+                    <a16:rowId xmlns:a16="http://schemas.microsoft.com/office/drawing/2014/main" val="4027181329"/>
+                  </a:ext>
+                </a:extLst>
+              </a:tr>
+              <a:tr h="271379">
+                <a:tc>
+                  <a:txBody>
+                    <a:bodyPr/>
+                    <a:lstStyle/>
+                    <a:p>
+                      <a:pPr algn="ctr"/>
+                      <a:r>
+                        <a:rPr lang="de-DE" sz="1100" dirty="0" err="1"/>
+                        <a:t>Represents</a:t>
+                      </a:r>
+                      <a:r>
+                        <a:rPr lang="de-DE" sz="1100" dirty="0"/>
+                        <a:t> </a:t>
+                      </a:r>
+                      <a:r>
+                        <a:rPr lang="de-DE" sz="1100" u="sng" dirty="0" err="1">
+                          <a:solidFill>
+                            <a:schemeClr val="accent6">
+                              <a:lumMod val="60000"/>
+                              <a:lumOff val="40000"/>
+                            </a:schemeClr>
+                          </a:solidFill>
+                        </a:rPr>
+                        <a:t>latests</a:t>
+                      </a:r>
+                      <a:r>
+                        <a:rPr lang="de-DE" sz="1100" u="sng" dirty="0">
+                          <a:solidFill>
+                            <a:schemeClr val="accent6">
+                              <a:lumMod val="60000"/>
+                              <a:lumOff val="40000"/>
+                            </a:schemeClr>
+                          </a:solidFill>
+                        </a:rPr>
+                        <a:t> </a:t>
+                      </a:r>
+                      <a:r>
+                        <a:rPr lang="de-DE" sz="1100" u="sng" dirty="0" err="1">
+                          <a:solidFill>
+                            <a:schemeClr val="accent6">
+                              <a:lumMod val="60000"/>
+                              <a:lumOff val="40000"/>
+                            </a:schemeClr>
+                          </a:solidFill>
+                        </a:rPr>
+                        <a:t>state</a:t>
+                      </a:r>
+                      <a:r>
+                        <a:rPr lang="de-DE" sz="1100" u="none" dirty="0"/>
+                        <a:t> </a:t>
+                      </a:r>
+                      <a:r>
+                        <a:rPr lang="de-DE" sz="1100" dirty="0" err="1"/>
+                        <a:t>of</a:t>
+                      </a:r>
+                      <a:r>
+                        <a:rPr lang="de-DE" sz="1100" dirty="0"/>
+                        <a:t> </a:t>
+                      </a:r>
+                      <a:r>
+                        <a:rPr lang="de-DE" sz="1100" dirty="0" err="1"/>
+                        <a:t>data</a:t>
+                      </a:r>
+                      <a:endParaRPr lang="de-DE" sz="1100" dirty="0"/>
+                    </a:p>
+                  </a:txBody>
+                  <a:tcPr/>
+                </a:tc>
+                <a:tc>
+                  <a:txBody>
+                    <a:bodyPr/>
+                    <a:lstStyle/>
+                    <a:p>
+                      <a:pPr algn="ctr"/>
+                      <a:r>
+                        <a:rPr lang="de-DE" sz="1100" dirty="0" err="1"/>
+                        <a:t>Represents</a:t>
+                      </a:r>
+                      <a:r>
+                        <a:rPr lang="de-DE" sz="1100" dirty="0"/>
+                        <a:t> </a:t>
+                      </a:r>
+                      <a:r>
+                        <a:rPr lang="de-DE" sz="1100" u="sng" dirty="0" err="1">
+                          <a:solidFill>
+                            <a:schemeClr val="accent6">
+                              <a:lumMod val="60000"/>
+                              <a:lumOff val="40000"/>
+                            </a:schemeClr>
+                          </a:solidFill>
+                        </a:rPr>
+                        <a:t>history</a:t>
+                      </a:r>
+                      <a:r>
+                        <a:rPr lang="de-DE" sz="1100" dirty="0"/>
+                        <a:t> </a:t>
+                      </a:r>
+                      <a:r>
+                        <a:rPr lang="de-DE" sz="1100" dirty="0" err="1"/>
+                        <a:t>or</a:t>
+                      </a:r>
+                      <a:r>
+                        <a:rPr lang="de-DE" sz="1100" dirty="0"/>
+                        <a:t> </a:t>
+                      </a:r>
+                      <a:r>
+                        <a:rPr lang="de-DE" sz="1100" dirty="0" err="1"/>
+                        <a:t>events</a:t>
+                      </a:r>
+                      <a:r>
+                        <a:rPr lang="de-DE" sz="1100" dirty="0"/>
+                        <a:t> </a:t>
+                      </a:r>
+                      <a:r>
+                        <a:rPr lang="de-DE" sz="1100" dirty="0" err="1"/>
+                        <a:t>over</a:t>
+                      </a:r>
+                      <a:r>
+                        <a:rPr lang="de-DE" sz="1100" dirty="0"/>
+                        <a:t> time</a:t>
+                      </a:r>
+                    </a:p>
+                  </a:txBody>
+                  <a:tcPr/>
+                </a:tc>
+                <a:extLst>
+                  <a:ext uri="{0D108BD9-81ED-4DB2-BD59-A6C34878D82A}">
+                    <a16:rowId xmlns:a16="http://schemas.microsoft.com/office/drawing/2014/main" val="4145026132"/>
+                  </a:ext>
+                </a:extLst>
+              </a:tr>
+              <a:tr h="271379">
+                <a:tc>
+                  <a:txBody>
+                    <a:bodyPr/>
+                    <a:lstStyle/>
+                    <a:p>
+                      <a:pPr algn="ctr"/>
+                      <a:r>
+                        <a:rPr lang="de-DE" sz="1100" u="sng" dirty="0">
+                          <a:solidFill>
+                            <a:schemeClr val="accent6">
+                              <a:lumMod val="60000"/>
+                              <a:lumOff val="40000"/>
+                            </a:schemeClr>
+                          </a:solidFill>
+                        </a:rPr>
+                        <a:t>Gigabytes</a:t>
+                      </a:r>
+                      <a:r>
+                        <a:rPr lang="de-DE" sz="1100" dirty="0"/>
+                        <a:t> </a:t>
+                      </a:r>
+                      <a:r>
+                        <a:rPr lang="de-DE" sz="1100" dirty="0" err="1"/>
+                        <a:t>to</a:t>
+                      </a:r>
+                      <a:r>
+                        <a:rPr lang="de-DE" sz="1100" dirty="0"/>
+                        <a:t> </a:t>
+                      </a:r>
+                      <a:r>
+                        <a:rPr lang="de-DE" sz="1100" dirty="0" err="1"/>
+                        <a:t>terabytes</a:t>
+                      </a:r>
+                      <a:endParaRPr lang="de-DE" sz="1100" dirty="0"/>
+                    </a:p>
+                  </a:txBody>
+                  <a:tcPr/>
+                </a:tc>
+                <a:tc>
+                  <a:txBody>
+                    <a:bodyPr/>
+                    <a:lstStyle/>
+                    <a:p>
+                      <a:pPr algn="ctr"/>
+                      <a:r>
+                        <a:rPr lang="de-DE" sz="1100" dirty="0"/>
+                        <a:t>Terabytes </a:t>
+                      </a:r>
+                      <a:r>
+                        <a:rPr lang="de-DE" sz="1100" dirty="0" err="1"/>
+                        <a:t>to</a:t>
+                      </a:r>
+                      <a:r>
+                        <a:rPr lang="de-DE" sz="1100" dirty="0"/>
+                        <a:t> </a:t>
+                      </a:r>
+                      <a:r>
+                        <a:rPr lang="de-DE" sz="1100" u="sng" dirty="0">
+                          <a:solidFill>
+                            <a:schemeClr val="accent6">
+                              <a:lumMod val="60000"/>
+                              <a:lumOff val="40000"/>
+                            </a:schemeClr>
+                          </a:solidFill>
+                        </a:rPr>
+                        <a:t>Petabytes</a:t>
+                      </a:r>
+                    </a:p>
+                  </a:txBody>
+                  <a:tcPr/>
+                </a:tc>
+                <a:extLst>
+                  <a:ext uri="{0D108BD9-81ED-4DB2-BD59-A6C34878D82A}">
+                    <a16:rowId xmlns:a16="http://schemas.microsoft.com/office/drawing/2014/main" val="4020890097"/>
+                  </a:ext>
+                </a:extLst>
+              </a:tr>
+            </a:tbl>
+          </a:graphicData>
+        </a:graphic>
+      </p:graphicFrame>
     </p:spTree>
     <p:extLst>
       <p:ext uri="{BB962C8B-B14F-4D97-AF65-F5344CB8AC3E}">
-        <p14:creationId xmlns:p14="http://schemas.microsoft.com/office/powerpoint/2010/main" val="2446092829"/>
+        <p14:creationId xmlns:p14="http://schemas.microsoft.com/office/powerpoint/2010/main" val="1507986049"/>
       </p:ext>
     </p:extLst>
   </p:cSld>
@@ -10036,7 +10732,7 @@
                   </a:schemeClr>
                 </a:solidFill>
               </a:rPr>
-              <a:t>Start</a:t>
+              <a:t>Community</a:t>
             </a:r>
             <a:endParaRPr lang="en-US" sz="1400" noProof="1">
               <a:solidFill>
@@ -17681,7 +18377,20 @@
               <a:rPr lang="de-DE" sz="1200" dirty="0"/>
               <a:t>2. Marz, N. (2015). Big Data (p. 308). Manning.</a:t>
             </a:r>
-            <a:endParaRPr lang="en-US" sz="1200" dirty="0"/>
+          </a:p>
+          <a:p>
+            <a:r>
+              <a:rPr lang="de-DE" sz="1200" dirty="0"/>
+              <a:t>3. </a:t>
+            </a:r>
+            <a:r>
+              <a:rPr lang="en-US" sz="1200" dirty="0" err="1"/>
+              <a:t>Kleppmann</a:t>
+            </a:r>
+            <a:r>
+              <a:rPr lang="en-US" sz="1200" dirty="0"/>
+              <a:t>, M. (2017). Designing Data-Intensive Applications: The Big Ideas Behind Reliable, Scalable, and Maintainable Systems (p. 624). O’Reilly Media.</a:t>
+            </a:r>
           </a:p>
           <a:p>
             <a:endParaRPr lang="de-DE" sz="1200" dirty="0"/>
